--- a/Презентация_ЯРИК_ЗЩЕЙНАБ_РЕНАТ_АМИРА.pptx
+++ b/Презентация_ЯРИК_ЗЩЕЙНАБ_РЕНАТ_АМИРА.pptx
@@ -2,7 +2,7 @@
 <file path=ppt/presentation.xml><?xml version="1.0" encoding="utf-8"?>
 <p:presentation xmlns:a="http://schemas.openxmlformats.org/drawingml/2006/main" xmlns:r="http://schemas.openxmlformats.org/officeDocument/2006/relationships" xmlns:p="http://schemas.openxmlformats.org/presentationml/2006/main" saveSubsetFonts="1">
   <p:sldMasterIdLst>
-    <p:sldMasterId id="2147483887" r:id="rId1"/>
+    <p:sldMasterId id="2147483916" r:id="rId1"/>
   </p:sldMasterIdLst>
   <p:sldIdLst>
     <p:sldId id="256" r:id="rId2"/>
@@ -12,6 +12,31 @@
     <p:sldId id="260" r:id="rId6"/>
     <p:sldId id="261" r:id="rId7"/>
     <p:sldId id="262" r:id="rId8"/>
+    <p:sldId id="263" r:id="rId9"/>
+    <p:sldId id="264" r:id="rId10"/>
+    <p:sldId id="265" r:id="rId11"/>
+    <p:sldId id="266" r:id="rId12"/>
+    <p:sldId id="267" r:id="rId13"/>
+    <p:sldId id="268" r:id="rId14"/>
+    <p:sldId id="271" r:id="rId15"/>
+    <p:sldId id="269" r:id="rId16"/>
+    <p:sldId id="270" r:id="rId17"/>
+    <p:sldId id="272" r:id="rId18"/>
+    <p:sldId id="273" r:id="rId19"/>
+    <p:sldId id="274" r:id="rId20"/>
+    <p:sldId id="275" r:id="rId21"/>
+    <p:sldId id="276" r:id="rId22"/>
+    <p:sldId id="277" r:id="rId23"/>
+    <p:sldId id="278" r:id="rId24"/>
+    <p:sldId id="279" r:id="rId25"/>
+    <p:sldId id="280" r:id="rId26"/>
+    <p:sldId id="281" r:id="rId27"/>
+    <p:sldId id="282" r:id="rId28"/>
+    <p:sldId id="283" r:id="rId29"/>
+    <p:sldId id="284" r:id="rId30"/>
+    <p:sldId id="285" r:id="rId31"/>
+    <p:sldId id="286" r:id="rId32"/>
+    <p:sldId id="287" r:id="rId33"/>
   </p:sldIdLst>
   <p:sldSz cx="12192000" cy="6858000"/>
   <p:notesSz cx="6858000" cy="9144000"/>
@@ -126,9 +151,37 @@
             <p14:sldId id="260"/>
             <p14:sldId id="261"/>
             <p14:sldId id="262"/>
+            <p14:sldId id="263"/>
+            <p14:sldId id="264"/>
+            <p14:sldId id="265"/>
+            <p14:sldId id="266"/>
+            <p14:sldId id="267"/>
+            <p14:sldId id="268"/>
+            <p14:sldId id="271"/>
+            <p14:sldId id="269"/>
+            <p14:sldId id="270"/>
+            <p14:sldId id="272"/>
+            <p14:sldId id="273"/>
+            <p14:sldId id="274"/>
+            <p14:sldId id="275"/>
+            <p14:sldId id="276"/>
+            <p14:sldId id="277"/>
+            <p14:sldId id="278"/>
+            <p14:sldId id="279"/>
+            <p14:sldId id="280"/>
+            <p14:sldId id="281"/>
+            <p14:sldId id="282"/>
+            <p14:sldId id="283"/>
+            <p14:sldId id="284"/>
+            <p14:sldId id="285"/>
+            <p14:sldId id="286"/>
+            <p14:sldId id="287"/>
           </p14:sldIdLst>
         </p14:section>
       </p14:sectionLst>
+    </p:ext>
+    <p:ext uri="{EFAFB233-063F-42B5-8137-9DF3F51BA10A}">
+      <p15:sldGuideLst xmlns:p15="http://schemas.microsoft.com/office/powerpoint/2012/main"/>
     </p:ext>
   </p:extLst>
 </p:presentation>
@@ -856,7 +909,7 @@
           <a:p>
             <a:fld id="{A07A7023-600E-4AE2-8678-1F7C987C1685}" type="datetimeFigureOut">
               <a:rPr lang="ru-RU" smtClean="0"/>
-              <a:t>19.05.2023</a:t>
+              <a:t>22.05.2023</a:t>
             </a:fld>
             <a:endParaRPr lang="ru-RU"/>
           </a:p>
@@ -907,7 +960,7 @@
     </p:spTree>
     <p:extLst>
       <p:ext uri="{BB962C8B-B14F-4D97-AF65-F5344CB8AC3E}">
-        <p14:creationId xmlns:p14="http://schemas.microsoft.com/office/powerpoint/2010/main" val="3074447876"/>
+        <p14:creationId xmlns:p14="http://schemas.microsoft.com/office/powerpoint/2010/main" val="3939028989"/>
       </p:ext>
     </p:extLst>
   </p:cSld>
@@ -1107,7 +1160,7 @@
           <a:p>
             <a:fld id="{A07A7023-600E-4AE2-8678-1F7C987C1685}" type="datetimeFigureOut">
               <a:rPr lang="ru-RU" smtClean="0"/>
-              <a:t>19.05.2023</a:t>
+              <a:t>22.05.2023</a:t>
             </a:fld>
             <a:endParaRPr lang="ru-RU"/>
           </a:p>
@@ -1158,7 +1211,7 @@
     </p:spTree>
     <p:extLst>
       <p:ext uri="{BB962C8B-B14F-4D97-AF65-F5344CB8AC3E}">
-        <p14:creationId xmlns:p14="http://schemas.microsoft.com/office/powerpoint/2010/main" val="3123484028"/>
+        <p14:creationId xmlns:p14="http://schemas.microsoft.com/office/powerpoint/2010/main" val="2330369207"/>
       </p:ext>
     </p:extLst>
   </p:cSld>
@@ -1421,7 +1474,7 @@
           <a:p>
             <a:fld id="{A07A7023-600E-4AE2-8678-1F7C987C1685}" type="datetimeFigureOut">
               <a:rPr lang="ru-RU" smtClean="0"/>
-              <a:t>19.05.2023</a:t>
+              <a:t>22.05.2023</a:t>
             </a:fld>
             <a:endParaRPr lang="ru-RU"/>
           </a:p>
@@ -1562,7 +1615,7 @@
     </p:spTree>
     <p:extLst>
       <p:ext uri="{BB962C8B-B14F-4D97-AF65-F5344CB8AC3E}">
-        <p14:creationId xmlns:p14="http://schemas.microsoft.com/office/powerpoint/2010/main" val="1586418423"/>
+        <p14:creationId xmlns:p14="http://schemas.microsoft.com/office/powerpoint/2010/main" val="643615688"/>
       </p:ext>
     </p:extLst>
   </p:cSld>
@@ -1762,7 +1815,7 @@
           <a:p>
             <a:fld id="{A07A7023-600E-4AE2-8678-1F7C987C1685}" type="datetimeFigureOut">
               <a:rPr lang="ru-RU" smtClean="0"/>
-              <a:t>19.05.2023</a:t>
+              <a:t>22.05.2023</a:t>
             </a:fld>
             <a:endParaRPr lang="ru-RU"/>
           </a:p>
@@ -1813,7 +1866,7 @@
     </p:spTree>
     <p:extLst>
       <p:ext uri="{BB962C8B-B14F-4D97-AF65-F5344CB8AC3E}">
-        <p14:creationId xmlns:p14="http://schemas.microsoft.com/office/powerpoint/2010/main" val="2777396867"/>
+        <p14:creationId xmlns:p14="http://schemas.microsoft.com/office/powerpoint/2010/main" val="2589687669"/>
       </p:ext>
     </p:extLst>
   </p:cSld>
@@ -2076,7 +2129,7 @@
           <a:p>
             <a:fld id="{A07A7023-600E-4AE2-8678-1F7C987C1685}" type="datetimeFigureOut">
               <a:rPr lang="ru-RU" smtClean="0"/>
-              <a:t>19.05.2023</a:t>
+              <a:t>22.05.2023</a:t>
             </a:fld>
             <a:endParaRPr lang="ru-RU"/>
           </a:p>
@@ -2209,7 +2262,7 @@
     </p:spTree>
     <p:extLst>
       <p:ext uri="{BB962C8B-B14F-4D97-AF65-F5344CB8AC3E}">
-        <p14:creationId xmlns:p14="http://schemas.microsoft.com/office/powerpoint/2010/main" val="4004103538"/>
+        <p14:creationId xmlns:p14="http://schemas.microsoft.com/office/powerpoint/2010/main" val="3570307997"/>
       </p:ext>
     </p:extLst>
   </p:cSld>
@@ -2469,7 +2522,7 @@
           <a:p>
             <a:fld id="{A07A7023-600E-4AE2-8678-1F7C987C1685}" type="datetimeFigureOut">
               <a:rPr lang="ru-RU" smtClean="0"/>
-              <a:t>19.05.2023</a:t>
+              <a:t>22.05.2023</a:t>
             </a:fld>
             <a:endParaRPr lang="ru-RU"/>
           </a:p>
@@ -2520,7 +2573,7 @@
     </p:spTree>
     <p:extLst>
       <p:ext uri="{BB962C8B-B14F-4D97-AF65-F5344CB8AC3E}">
-        <p14:creationId xmlns:p14="http://schemas.microsoft.com/office/powerpoint/2010/main" val="548222318"/>
+        <p14:creationId xmlns:p14="http://schemas.microsoft.com/office/powerpoint/2010/main" val="2273352998"/>
       </p:ext>
     </p:extLst>
   </p:cSld>
@@ -2639,7 +2692,7 @@
           <a:p>
             <a:fld id="{A07A7023-600E-4AE2-8678-1F7C987C1685}" type="datetimeFigureOut">
               <a:rPr lang="ru-RU" smtClean="0"/>
-              <a:t>19.05.2023</a:t>
+              <a:t>22.05.2023</a:t>
             </a:fld>
             <a:endParaRPr lang="ru-RU"/>
           </a:p>
@@ -2690,7 +2743,7 @@
     </p:spTree>
     <p:extLst>
       <p:ext uri="{BB962C8B-B14F-4D97-AF65-F5344CB8AC3E}">
-        <p14:creationId xmlns:p14="http://schemas.microsoft.com/office/powerpoint/2010/main" val="1126293878"/>
+        <p14:creationId xmlns:p14="http://schemas.microsoft.com/office/powerpoint/2010/main" val="2320607867"/>
       </p:ext>
     </p:extLst>
   </p:cSld>
@@ -2819,7 +2872,7 @@
           <a:p>
             <a:fld id="{A07A7023-600E-4AE2-8678-1F7C987C1685}" type="datetimeFigureOut">
               <a:rPr lang="ru-RU" smtClean="0"/>
-              <a:t>19.05.2023</a:t>
+              <a:t>22.05.2023</a:t>
             </a:fld>
             <a:endParaRPr lang="ru-RU"/>
           </a:p>
@@ -2870,7 +2923,7 @@
     </p:spTree>
     <p:extLst>
       <p:ext uri="{BB962C8B-B14F-4D97-AF65-F5344CB8AC3E}">
-        <p14:creationId xmlns:p14="http://schemas.microsoft.com/office/powerpoint/2010/main" val="1857199659"/>
+        <p14:creationId xmlns:p14="http://schemas.microsoft.com/office/powerpoint/2010/main" val="1307855569"/>
       </p:ext>
     </p:extLst>
   </p:cSld>
@@ -2995,7 +3048,7 @@
           <a:p>
             <a:fld id="{A07A7023-600E-4AE2-8678-1F7C987C1685}" type="datetimeFigureOut">
               <a:rPr lang="ru-RU" smtClean="0"/>
-              <a:t>19.05.2023</a:t>
+              <a:t>22.05.2023</a:t>
             </a:fld>
             <a:endParaRPr lang="ru-RU"/>
           </a:p>
@@ -3046,7 +3099,7 @@
     </p:spTree>
     <p:extLst>
       <p:ext uri="{BB962C8B-B14F-4D97-AF65-F5344CB8AC3E}">
-        <p14:creationId xmlns:p14="http://schemas.microsoft.com/office/powerpoint/2010/main" val="2020443427"/>
+        <p14:creationId xmlns:p14="http://schemas.microsoft.com/office/powerpoint/2010/main" val="2232167958"/>
       </p:ext>
     </p:extLst>
   </p:cSld>
@@ -3242,7 +3295,7 @@
           <a:p>
             <a:fld id="{A07A7023-600E-4AE2-8678-1F7C987C1685}" type="datetimeFigureOut">
               <a:rPr lang="ru-RU" smtClean="0"/>
-              <a:t>19.05.2023</a:t>
+              <a:t>22.05.2023</a:t>
             </a:fld>
             <a:endParaRPr lang="ru-RU"/>
           </a:p>
@@ -3293,7 +3346,7 @@
     </p:spTree>
     <p:extLst>
       <p:ext uri="{BB962C8B-B14F-4D97-AF65-F5344CB8AC3E}">
-        <p14:creationId xmlns:p14="http://schemas.microsoft.com/office/powerpoint/2010/main" val="1359805561"/>
+        <p14:creationId xmlns:p14="http://schemas.microsoft.com/office/powerpoint/2010/main" val="21232301"/>
       </p:ext>
     </p:extLst>
   </p:cSld>
@@ -3474,7 +3527,7 @@
           <a:p>
             <a:fld id="{A07A7023-600E-4AE2-8678-1F7C987C1685}" type="datetimeFigureOut">
               <a:rPr lang="ru-RU" smtClean="0"/>
-              <a:t>19.05.2023</a:t>
+              <a:t>22.05.2023</a:t>
             </a:fld>
             <a:endParaRPr lang="ru-RU"/>
           </a:p>
@@ -3525,7 +3578,7 @@
     </p:spTree>
     <p:extLst>
       <p:ext uri="{BB962C8B-B14F-4D97-AF65-F5344CB8AC3E}">
-        <p14:creationId xmlns:p14="http://schemas.microsoft.com/office/powerpoint/2010/main" val="2395472115"/>
+        <p14:creationId xmlns:p14="http://schemas.microsoft.com/office/powerpoint/2010/main" val="3565531538"/>
       </p:ext>
     </p:extLst>
   </p:cSld>
@@ -3848,7 +3901,7 @@
           <a:p>
             <a:fld id="{A07A7023-600E-4AE2-8678-1F7C987C1685}" type="datetimeFigureOut">
               <a:rPr lang="ru-RU" smtClean="0"/>
-              <a:t>19.05.2023</a:t>
+              <a:t>22.05.2023</a:t>
             </a:fld>
             <a:endParaRPr lang="ru-RU"/>
           </a:p>
@@ -3899,7 +3952,7 @@
     </p:spTree>
     <p:extLst>
       <p:ext uri="{BB962C8B-B14F-4D97-AF65-F5344CB8AC3E}">
-        <p14:creationId xmlns:p14="http://schemas.microsoft.com/office/powerpoint/2010/main" val="2208299940"/>
+        <p14:creationId xmlns:p14="http://schemas.microsoft.com/office/powerpoint/2010/main" val="2703164746"/>
       </p:ext>
     </p:extLst>
   </p:cSld>
@@ -3971,7 +4024,7 @@
           <a:p>
             <a:fld id="{A07A7023-600E-4AE2-8678-1F7C987C1685}" type="datetimeFigureOut">
               <a:rPr lang="ru-RU" smtClean="0"/>
-              <a:t>19.05.2023</a:t>
+              <a:t>22.05.2023</a:t>
             </a:fld>
             <a:endParaRPr lang="ru-RU"/>
           </a:p>
@@ -4022,7 +4075,7 @@
     </p:spTree>
     <p:extLst>
       <p:ext uri="{BB962C8B-B14F-4D97-AF65-F5344CB8AC3E}">
-        <p14:creationId xmlns:p14="http://schemas.microsoft.com/office/powerpoint/2010/main" val="3690931397"/>
+        <p14:creationId xmlns:p14="http://schemas.microsoft.com/office/powerpoint/2010/main" val="622628131"/>
       </p:ext>
     </p:extLst>
   </p:cSld>
@@ -4066,7 +4119,7 @@
           <a:p>
             <a:fld id="{A07A7023-600E-4AE2-8678-1F7C987C1685}" type="datetimeFigureOut">
               <a:rPr lang="ru-RU" smtClean="0"/>
-              <a:t>19.05.2023</a:t>
+              <a:t>22.05.2023</a:t>
             </a:fld>
             <a:endParaRPr lang="ru-RU"/>
           </a:p>
@@ -4117,7 +4170,7 @@
     </p:spTree>
     <p:extLst>
       <p:ext uri="{BB962C8B-B14F-4D97-AF65-F5344CB8AC3E}">
-        <p14:creationId xmlns:p14="http://schemas.microsoft.com/office/powerpoint/2010/main" val="3165788200"/>
+        <p14:creationId xmlns:p14="http://schemas.microsoft.com/office/powerpoint/2010/main" val="3465411891"/>
       </p:ext>
     </p:extLst>
   </p:cSld>
@@ -4321,7 +4374,7 @@
           <a:p>
             <a:fld id="{A07A7023-600E-4AE2-8678-1F7C987C1685}" type="datetimeFigureOut">
               <a:rPr lang="ru-RU" smtClean="0"/>
-              <a:t>19.05.2023</a:t>
+              <a:t>22.05.2023</a:t>
             </a:fld>
             <a:endParaRPr lang="ru-RU"/>
           </a:p>
@@ -4372,7 +4425,7 @@
     </p:spTree>
     <p:extLst>
       <p:ext uri="{BB962C8B-B14F-4D97-AF65-F5344CB8AC3E}">
-        <p14:creationId xmlns:p14="http://schemas.microsoft.com/office/powerpoint/2010/main" val="1253438775"/>
+        <p14:creationId xmlns:p14="http://schemas.microsoft.com/office/powerpoint/2010/main" val="3789342646"/>
       </p:ext>
     </p:extLst>
   </p:cSld>
@@ -4584,7 +4637,7 @@
           <a:p>
             <a:fld id="{A07A7023-600E-4AE2-8678-1F7C987C1685}" type="datetimeFigureOut">
               <a:rPr lang="ru-RU" smtClean="0"/>
-              <a:t>19.05.2023</a:t>
+              <a:t>22.05.2023</a:t>
             </a:fld>
             <a:endParaRPr lang="ru-RU"/>
           </a:p>
@@ -4635,7 +4688,7 @@
     </p:spTree>
     <p:extLst>
       <p:ext uri="{BB962C8B-B14F-4D97-AF65-F5344CB8AC3E}">
-        <p14:creationId xmlns:p14="http://schemas.microsoft.com/office/powerpoint/2010/main" val="605745413"/>
+        <p14:creationId xmlns:p14="http://schemas.microsoft.com/office/powerpoint/2010/main" val="1886514283"/>
       </p:ext>
     </p:extLst>
   </p:cSld>
@@ -5327,7 +5380,7 @@
           <a:p>
             <a:fld id="{A07A7023-600E-4AE2-8678-1F7C987C1685}" type="datetimeFigureOut">
               <a:rPr lang="ru-RU" smtClean="0"/>
-              <a:t>19.05.2023</a:t>
+              <a:t>22.05.2023</a:t>
             </a:fld>
             <a:endParaRPr lang="ru-RU"/>
           </a:p>
@@ -5412,28 +5465,28 @@
     </p:spTree>
     <p:extLst>
       <p:ext uri="{BB962C8B-B14F-4D97-AF65-F5344CB8AC3E}">
-        <p14:creationId xmlns:p14="http://schemas.microsoft.com/office/powerpoint/2010/main" val="1438227251"/>
+        <p14:creationId xmlns:p14="http://schemas.microsoft.com/office/powerpoint/2010/main" val="2541939907"/>
       </p:ext>
     </p:extLst>
   </p:cSld>
   <p:clrMap bg1="lt1" tx1="dk1" bg2="lt2" tx2="dk2" accent1="accent1" accent2="accent2" accent3="accent3" accent4="accent4" accent5="accent5" accent6="accent6" hlink="hlink" folHlink="folHlink"/>
   <p:sldLayoutIdLst>
-    <p:sldLayoutId id="2147483888" r:id="rId1"/>
-    <p:sldLayoutId id="2147483889" r:id="rId2"/>
-    <p:sldLayoutId id="2147483890" r:id="rId3"/>
-    <p:sldLayoutId id="2147483891" r:id="rId4"/>
-    <p:sldLayoutId id="2147483892" r:id="rId5"/>
-    <p:sldLayoutId id="2147483893" r:id="rId6"/>
-    <p:sldLayoutId id="2147483894" r:id="rId7"/>
-    <p:sldLayoutId id="2147483895" r:id="rId8"/>
-    <p:sldLayoutId id="2147483896" r:id="rId9"/>
-    <p:sldLayoutId id="2147483897" r:id="rId10"/>
-    <p:sldLayoutId id="2147483898" r:id="rId11"/>
-    <p:sldLayoutId id="2147483899" r:id="rId12"/>
-    <p:sldLayoutId id="2147483900" r:id="rId13"/>
-    <p:sldLayoutId id="2147483901" r:id="rId14"/>
-    <p:sldLayoutId id="2147483902" r:id="rId15"/>
-    <p:sldLayoutId id="2147483903" r:id="rId16"/>
+    <p:sldLayoutId id="2147483917" r:id="rId1"/>
+    <p:sldLayoutId id="2147483918" r:id="rId2"/>
+    <p:sldLayoutId id="2147483919" r:id="rId3"/>
+    <p:sldLayoutId id="2147483920" r:id="rId4"/>
+    <p:sldLayoutId id="2147483921" r:id="rId5"/>
+    <p:sldLayoutId id="2147483922" r:id="rId6"/>
+    <p:sldLayoutId id="2147483923" r:id="rId7"/>
+    <p:sldLayoutId id="2147483924" r:id="rId8"/>
+    <p:sldLayoutId id="2147483925" r:id="rId9"/>
+    <p:sldLayoutId id="2147483926" r:id="rId10"/>
+    <p:sldLayoutId id="2147483927" r:id="rId11"/>
+    <p:sldLayoutId id="2147483928" r:id="rId12"/>
+    <p:sldLayoutId id="2147483929" r:id="rId13"/>
+    <p:sldLayoutId id="2147483930" r:id="rId14"/>
+    <p:sldLayoutId id="2147483931" r:id="rId15"/>
+    <p:sldLayoutId id="2147483932" r:id="rId16"/>
   </p:sldLayoutIdLst>
   <p:txStyles>
     <p:titleStyle>
@@ -5929,8 +5982,8 @@
         </p:nvSpPr>
         <p:spPr>
           <a:xfrm>
-            <a:off x="1291046" y="2414708"/>
-            <a:ext cx="8050602" cy="2585323"/>
+            <a:off x="1088267" y="2414708"/>
+            <a:ext cx="8456161" cy="1754326"/>
           </a:xfrm>
           <a:prstGeom prst="rect">
             <a:avLst/>
@@ -6029,11 +6082,8 @@
                   <a:reflection blurRad="6350" stA="53000" endA="300" endPos="35500" dir="5400000" sy="-90000" algn="bl" rotWithShape="0"/>
                 </a:effectLst>
               </a:rPr>
-              <a:t>Итоговое повторение </a:t>
-            </a:r>
-          </a:p>
-          <a:p>
-            <a:pPr algn="ctr"/>
+              <a:t>Итоговое </a:t>
+            </a:r>
             <a:r>
               <a:rPr lang="ru-RU" sz="5400" b="1" dirty="0" smtClean="0">
                 <a:ln w="0"/>
@@ -6060,7 +6110,7 @@
                   <a:reflection blurRad="6350" stA="53000" endA="300" endPos="35500" dir="5400000" sy="-90000" algn="bl" rotWithShape="0"/>
                 </a:effectLst>
               </a:rPr>
-              <a:t>Произведений</a:t>
+              <a:t>повторение</a:t>
             </a:r>
             <a:r>
               <a:rPr lang="en-US" sz="5400" b="1" dirty="0" smtClean="0">
@@ -6128,10 +6178,2302 @@
   <p:clrMapOvr>
     <a:masterClrMapping/>
   </p:clrMapOvr>
+  <mc:AlternateContent xmlns:mc="http://schemas.openxmlformats.org/markup-compatibility/2006" xmlns:p14="http://schemas.microsoft.com/office/powerpoint/2010/main">
+    <mc:Choice Requires="p14">
+      <p:transition spd="slow" p14:dur="3400">
+        <p14:reveal/>
+      </p:transition>
+    </mc:Choice>
+    <mc:Fallback xmlns="">
+      <p:transition spd="slow">
+        <p:fade/>
+      </p:transition>
+    </mc:Fallback>
+  </mc:AlternateContent>
+  <p:timing>
+    <p:tnLst>
+      <p:par>
+        <p:cTn id="1" dur="indefinite" restart="never" nodeType="tmRoot"/>
+      </p:par>
+    </p:tnLst>
+  </p:timing>
+</p:sld>
+</file>
+
+<file path=ppt/slides/slide10.xml><?xml version="1.0" encoding="utf-8"?>
+<p:sld xmlns:a="http://schemas.openxmlformats.org/drawingml/2006/main" xmlns:r="http://schemas.openxmlformats.org/officeDocument/2006/relationships" xmlns:p="http://schemas.openxmlformats.org/presentationml/2006/main">
+  <p:cSld>
+    <p:spTree>
+      <p:nvGrpSpPr>
+        <p:cNvPr id="1" name=""/>
+        <p:cNvGrpSpPr/>
+        <p:nvPr/>
+      </p:nvGrpSpPr>
+      <p:grpSpPr>
+        <a:xfrm>
+          <a:off x="0" y="0"/>
+          <a:ext cx="0" cy="0"/>
+          <a:chOff x="0" y="0"/>
+          <a:chExt cx="0" cy="0"/>
+        </a:xfrm>
+      </p:grpSpPr>
+      <p:sp>
+        <p:nvSpPr>
+          <p:cNvPr id="10" name="TextBox 9"/>
+          <p:cNvSpPr txBox="1"/>
+          <p:nvPr/>
+        </p:nvSpPr>
+        <p:spPr>
+          <a:xfrm>
+            <a:off x="1330036" y="1084023"/>
+            <a:ext cx="5351145" cy="1077218"/>
+          </a:xfrm>
+          <a:prstGeom prst="rect">
+            <a:avLst/>
+          </a:prstGeom>
+          <a:noFill/>
+        </p:spPr>
+        <p:txBody>
+          <a:bodyPr wrap="none" rtlCol="0">
+            <a:spAutoFit/>
+          </a:bodyPr>
+          <a:lstStyle/>
+          <a:p>
+            <a:r>
+              <a:rPr lang="ru-RU" sz="3200" b="1" i="1" dirty="0" smtClean="0"/>
+              <a:t>Найдите соответствия:</a:t>
+            </a:r>
+          </a:p>
+          <a:p>
+            <a:r>
+              <a:rPr lang="ru-RU" sz="3200" b="1" i="1" dirty="0" smtClean="0"/>
+              <a:t>(Одно лишнее)</a:t>
+            </a:r>
+            <a:endParaRPr lang="ru-RU" sz="3200" b="1" i="1" dirty="0"/>
+          </a:p>
+        </p:txBody>
+      </p:sp>
+      <p:cxnSp>
+        <p:nvCxnSpPr>
+          <p:cNvPr id="12" name="Прямая со стрелкой 11"/>
+          <p:cNvCxnSpPr/>
+          <p:nvPr/>
+        </p:nvCxnSpPr>
+        <p:spPr>
+          <a:xfrm>
+            <a:off x="5145578" y="6251171"/>
+            <a:ext cx="1978429" cy="8313"/>
+          </a:xfrm>
+          <a:prstGeom prst="straightConnector1">
+            <a:avLst/>
+          </a:prstGeom>
+          <a:ln>
+            <a:tailEnd type="triangle"/>
+          </a:ln>
+        </p:spPr>
+        <p:style>
+          <a:lnRef idx="1">
+            <a:schemeClr val="accent1"/>
+          </a:lnRef>
+          <a:fillRef idx="0">
+            <a:schemeClr val="accent1"/>
+          </a:fillRef>
+          <a:effectRef idx="0">
+            <a:schemeClr val="accent1"/>
+          </a:effectRef>
+          <a:fontRef idx="minor">
+            <a:schemeClr val="tx1"/>
+          </a:fontRef>
+        </p:style>
+      </p:cxnSp>
+      <p:sp>
+        <p:nvSpPr>
+          <p:cNvPr id="13" name="TextBox 12"/>
+          <p:cNvSpPr txBox="1"/>
+          <p:nvPr/>
+        </p:nvSpPr>
+        <p:spPr>
+          <a:xfrm>
+            <a:off x="5203767" y="5881839"/>
+            <a:ext cx="1707519" cy="369332"/>
+          </a:xfrm>
+          <a:prstGeom prst="rect">
+            <a:avLst/>
+          </a:prstGeom>
+          <a:noFill/>
+        </p:spPr>
+        <p:txBody>
+          <a:bodyPr wrap="none" rtlCol="0">
+            <a:spAutoFit/>
+          </a:bodyPr>
+          <a:lstStyle/>
+          <a:p>
+            <a:r>
+              <a:rPr lang="ru-RU" dirty="0" smtClean="0"/>
+              <a:t>Узнать ответ…</a:t>
+            </a:r>
+            <a:endParaRPr lang="ru-RU" dirty="0"/>
+          </a:p>
+        </p:txBody>
+      </p:sp>
+      <p:sp>
+        <p:nvSpPr>
+          <p:cNvPr id="2" name="TextBox 1"/>
+          <p:cNvSpPr txBox="1"/>
+          <p:nvPr/>
+        </p:nvSpPr>
+        <p:spPr>
+          <a:xfrm>
+            <a:off x="2111433" y="2884516"/>
+            <a:ext cx="2164375" cy="1200329"/>
+          </a:xfrm>
+          <a:prstGeom prst="rect">
+            <a:avLst/>
+          </a:prstGeom>
+          <a:noFill/>
+        </p:spPr>
+        <p:txBody>
+          <a:bodyPr wrap="none" rtlCol="0">
+            <a:spAutoFit/>
+          </a:bodyPr>
+          <a:lstStyle/>
+          <a:p>
+            <a:r>
+              <a:rPr lang="ru-RU" sz="2400" dirty="0" smtClean="0"/>
+              <a:t>А) Распутин – </a:t>
+            </a:r>
+          </a:p>
+          <a:p>
+            <a:r>
+              <a:rPr lang="ru-RU" sz="2400" dirty="0" smtClean="0"/>
+              <a:t>Б) Некрасов –</a:t>
+            </a:r>
+          </a:p>
+          <a:p>
+            <a:r>
+              <a:rPr lang="ru-RU" sz="2400" dirty="0"/>
+              <a:t>В</a:t>
+            </a:r>
+            <a:r>
+              <a:rPr lang="ru-RU" sz="2400" dirty="0" smtClean="0"/>
+              <a:t>) Пушкин - </a:t>
+            </a:r>
+            <a:endParaRPr lang="ru-RU" sz="2400" dirty="0"/>
+          </a:p>
+        </p:txBody>
+      </p:sp>
+      <p:sp>
+        <p:nvSpPr>
+          <p:cNvPr id="3" name="TextBox 2"/>
+          <p:cNvSpPr txBox="1"/>
+          <p:nvPr/>
+        </p:nvSpPr>
+        <p:spPr>
+          <a:xfrm>
+            <a:off x="4711167" y="2746016"/>
+            <a:ext cx="3526928" cy="1569660"/>
+          </a:xfrm>
+          <a:prstGeom prst="rect">
+            <a:avLst/>
+          </a:prstGeom>
+          <a:noFill/>
+        </p:spPr>
+        <p:txBody>
+          <a:bodyPr wrap="none" rtlCol="0">
+            <a:spAutoFit/>
+          </a:bodyPr>
+          <a:lstStyle/>
+          <a:p>
+            <a:r>
+              <a:rPr lang="ru-RU" sz="2400" dirty="0" smtClean="0"/>
+              <a:t>1) Железная дорога</a:t>
+            </a:r>
+          </a:p>
+          <a:p>
+            <a:r>
+              <a:rPr lang="ru-RU" sz="2400" dirty="0" smtClean="0"/>
+              <a:t>2) Барышня крестьянка</a:t>
+            </a:r>
+          </a:p>
+          <a:p>
+            <a:r>
+              <a:rPr lang="ru-RU" sz="2400" dirty="0" smtClean="0"/>
+              <a:t>3) Уроки </a:t>
+            </a:r>
+            <a:r>
+              <a:rPr lang="ru-RU" sz="2400" dirty="0" err="1" smtClean="0"/>
+              <a:t>французкого</a:t>
+            </a:r>
+            <a:endParaRPr lang="ru-RU" sz="2400" dirty="0" smtClean="0"/>
+          </a:p>
+          <a:p>
+            <a:r>
+              <a:rPr lang="ru-RU" sz="2400" dirty="0" smtClean="0"/>
+              <a:t>4) </a:t>
+            </a:r>
+            <a:r>
+              <a:rPr lang="ru-RU" sz="2400" dirty="0" err="1" smtClean="0"/>
+              <a:t>Маттео</a:t>
+            </a:r>
+            <a:r>
+              <a:rPr lang="ru-RU" sz="2400" dirty="0" smtClean="0"/>
+              <a:t> Фальконе</a:t>
+            </a:r>
+            <a:endParaRPr lang="ru-RU" sz="2400" dirty="0"/>
+          </a:p>
+        </p:txBody>
+      </p:sp>
+    </p:spTree>
+    <p:extLst>
+      <p:ext uri="{BB962C8B-B14F-4D97-AF65-F5344CB8AC3E}">
+        <p14:creationId xmlns:p14="http://schemas.microsoft.com/office/powerpoint/2010/main" val="2818065169"/>
+      </p:ext>
+    </p:extLst>
+  </p:cSld>
+  <p:clrMapOvr>
+    <a:masterClrMapping/>
+  </p:clrMapOvr>
   <mc:AlternateContent xmlns:mc="http://schemas.openxmlformats.org/markup-compatibility/2006">
     <mc:Choice xmlns:p14="http://schemas.microsoft.com/office/powerpoint/2010/main" Requires="p14">
-      <p:transition spd="slow" p14:dur="3400">
-        <p14:reveal/>
+      <p:transition spd="slow">
+        <p14:flip dir="r"/>
+      </p:transition>
+    </mc:Choice>
+    <mc:Fallback>
+      <p:transition spd="slow">
+        <p:fade/>
+      </p:transition>
+    </mc:Fallback>
+  </mc:AlternateContent>
+  <p:timing>
+    <p:tnLst>
+      <p:par>
+        <p:cTn id="1" dur="indefinite" restart="never" nodeType="tmRoot"/>
+      </p:par>
+    </p:tnLst>
+  </p:timing>
+</p:sld>
+</file>
+
+<file path=ppt/slides/slide11.xml><?xml version="1.0" encoding="utf-8"?>
+<p:sld xmlns:a="http://schemas.openxmlformats.org/drawingml/2006/main" xmlns:r="http://schemas.openxmlformats.org/officeDocument/2006/relationships" xmlns:p="http://schemas.openxmlformats.org/presentationml/2006/main">
+  <p:cSld>
+    <p:spTree>
+      <p:nvGrpSpPr>
+        <p:cNvPr id="1" name=""/>
+        <p:cNvGrpSpPr/>
+        <p:nvPr/>
+      </p:nvGrpSpPr>
+      <p:grpSpPr>
+        <a:xfrm>
+          <a:off x="0" y="0"/>
+          <a:ext cx="0" cy="0"/>
+          <a:chOff x="0" y="0"/>
+          <a:chExt cx="0" cy="0"/>
+        </a:xfrm>
+      </p:grpSpPr>
+      <p:sp>
+        <p:nvSpPr>
+          <p:cNvPr id="4" name="Прямоугольник 3"/>
+          <p:cNvSpPr/>
+          <p:nvPr/>
+        </p:nvSpPr>
+        <p:spPr>
+          <a:xfrm>
+            <a:off x="516061" y="722899"/>
+            <a:ext cx="6654386" cy="923330"/>
+          </a:xfrm>
+          <a:prstGeom prst="rect">
+            <a:avLst/>
+          </a:prstGeom>
+          <a:noFill/>
+        </p:spPr>
+        <p:txBody>
+          <a:bodyPr wrap="none" lIns="91440" tIns="45720" rIns="91440" bIns="45720">
+            <a:spAutoFit/>
+          </a:bodyPr>
+          <a:lstStyle/>
+          <a:p>
+            <a:pPr algn="ctr"/>
+            <a:r>
+              <a:rPr lang="ru-RU" sz="5400" b="1" cap="none" spc="0" dirty="0" smtClean="0">
+                <a:ln w="9525">
+                  <a:solidFill>
+                    <a:schemeClr val="bg1"/>
+                  </a:solidFill>
+                  <a:prstDash val="solid"/>
+                </a:ln>
+                <a:solidFill>
+                  <a:schemeClr val="tx1"/>
+                </a:solidFill>
+                <a:effectLst>
+                  <a:outerShdw blurRad="12700" dist="38100" dir="2700000" algn="tl" rotWithShape="0">
+                    <a:schemeClr val="bg1">
+                      <a:lumMod val="50000"/>
+                    </a:schemeClr>
+                  </a:outerShdw>
+                </a:effectLst>
+              </a:rPr>
+              <a:t>Правильный ответ:</a:t>
+            </a:r>
+            <a:endParaRPr lang="ru-RU" sz="5400" b="1" cap="none" spc="0" dirty="0">
+              <a:ln w="9525">
+                <a:solidFill>
+                  <a:schemeClr val="bg1"/>
+                </a:solidFill>
+                <a:prstDash val="solid"/>
+              </a:ln>
+              <a:solidFill>
+                <a:schemeClr val="tx1"/>
+              </a:solidFill>
+              <a:effectLst>
+                <a:outerShdw blurRad="12700" dist="38100" dir="2700000" algn="tl" rotWithShape="0">
+                  <a:schemeClr val="bg1">
+                    <a:lumMod val="50000"/>
+                  </a:schemeClr>
+                </a:outerShdw>
+              </a:effectLst>
+            </a:endParaRPr>
+          </a:p>
+        </p:txBody>
+      </p:sp>
+      <p:sp>
+        <p:nvSpPr>
+          <p:cNvPr id="5" name="Прямоугольник 4"/>
+          <p:cNvSpPr/>
+          <p:nvPr/>
+        </p:nvSpPr>
+        <p:spPr>
+          <a:xfrm>
+            <a:off x="1487977" y="2377749"/>
+            <a:ext cx="6932815" cy="1569660"/>
+          </a:xfrm>
+          <a:prstGeom prst="rect">
+            <a:avLst/>
+          </a:prstGeom>
+          <a:noFill/>
+        </p:spPr>
+        <p:txBody>
+          <a:bodyPr wrap="square" lIns="91440" tIns="45720" rIns="91440" bIns="45720">
+            <a:spAutoFit/>
+          </a:bodyPr>
+          <a:lstStyle/>
+          <a:p>
+            <a:pPr algn="ctr"/>
+            <a:r>
+              <a:rPr lang="ru-RU" sz="3200" dirty="0" smtClean="0">
+                <a:ln w="0"/>
+                <a:gradFill>
+                  <a:gsLst>
+                    <a:gs pos="0">
+                      <a:schemeClr val="accent5">
+                        <a:lumMod val="50000"/>
+                      </a:schemeClr>
+                    </a:gs>
+                    <a:gs pos="50000">
+                      <a:schemeClr val="accent5"/>
+                    </a:gs>
+                    <a:gs pos="100000">
+                      <a:schemeClr val="accent5">
+                        <a:lumMod val="60000"/>
+                        <a:lumOff val="40000"/>
+                      </a:schemeClr>
+                    </a:gs>
+                  </a:gsLst>
+                  <a:lin ang="5400000"/>
+                </a:gradFill>
+                <a:effectLst>
+                  <a:reflection blurRad="6350" stA="53000" endA="300" endPos="35500" dir="5400000" sy="-90000" algn="bl" rotWithShape="0"/>
+                </a:effectLst>
+              </a:rPr>
+              <a:t>Некрасов – Железная дорога</a:t>
+            </a:r>
+          </a:p>
+          <a:p>
+            <a:pPr algn="ctr"/>
+            <a:r>
+              <a:rPr lang="ru-RU" sz="3200" dirty="0" smtClean="0">
+                <a:ln w="0"/>
+                <a:gradFill>
+                  <a:gsLst>
+                    <a:gs pos="0">
+                      <a:schemeClr val="accent5">
+                        <a:lumMod val="50000"/>
+                      </a:schemeClr>
+                    </a:gs>
+                    <a:gs pos="50000">
+                      <a:schemeClr val="accent5"/>
+                    </a:gs>
+                    <a:gs pos="100000">
+                      <a:schemeClr val="accent5">
+                        <a:lumMod val="60000"/>
+                        <a:lumOff val="40000"/>
+                      </a:schemeClr>
+                    </a:gs>
+                  </a:gsLst>
+                  <a:lin ang="5400000"/>
+                </a:gradFill>
+                <a:effectLst>
+                  <a:reflection blurRad="6350" stA="53000" endA="300" endPos="35500" dir="5400000" sy="-90000" algn="bl" rotWithShape="0"/>
+                </a:effectLst>
+              </a:rPr>
+              <a:t>Распутин – Уроки </a:t>
+            </a:r>
+            <a:r>
+              <a:rPr lang="ru-RU" sz="3200" dirty="0" err="1" smtClean="0">
+                <a:ln w="0"/>
+                <a:gradFill>
+                  <a:gsLst>
+                    <a:gs pos="0">
+                      <a:schemeClr val="accent5">
+                        <a:lumMod val="50000"/>
+                      </a:schemeClr>
+                    </a:gs>
+                    <a:gs pos="50000">
+                      <a:schemeClr val="accent5"/>
+                    </a:gs>
+                    <a:gs pos="100000">
+                      <a:schemeClr val="accent5">
+                        <a:lumMod val="60000"/>
+                        <a:lumOff val="40000"/>
+                      </a:schemeClr>
+                    </a:gs>
+                  </a:gsLst>
+                  <a:lin ang="5400000"/>
+                </a:gradFill>
+                <a:effectLst>
+                  <a:reflection blurRad="6350" stA="53000" endA="300" endPos="35500" dir="5400000" sy="-90000" algn="bl" rotWithShape="0"/>
+                </a:effectLst>
+              </a:rPr>
+              <a:t>французкого</a:t>
+            </a:r>
+            <a:r>
+              <a:rPr lang="ru-RU" sz="3200" dirty="0" smtClean="0">
+                <a:ln w="0"/>
+                <a:gradFill>
+                  <a:gsLst>
+                    <a:gs pos="0">
+                      <a:schemeClr val="accent5">
+                        <a:lumMod val="50000"/>
+                      </a:schemeClr>
+                    </a:gs>
+                    <a:gs pos="50000">
+                      <a:schemeClr val="accent5"/>
+                    </a:gs>
+                    <a:gs pos="100000">
+                      <a:schemeClr val="accent5">
+                        <a:lumMod val="60000"/>
+                        <a:lumOff val="40000"/>
+                      </a:schemeClr>
+                    </a:gs>
+                  </a:gsLst>
+                  <a:lin ang="5400000"/>
+                </a:gradFill>
+                <a:effectLst>
+                  <a:reflection blurRad="6350" stA="53000" endA="300" endPos="35500" dir="5400000" sy="-90000" algn="bl" rotWithShape="0"/>
+                </a:effectLst>
+              </a:rPr>
+              <a:t> </a:t>
+            </a:r>
+          </a:p>
+          <a:p>
+            <a:pPr algn="ctr"/>
+            <a:r>
+              <a:rPr lang="ru-RU" sz="3200" b="0" cap="none" spc="0" dirty="0" smtClean="0">
+                <a:ln w="0"/>
+                <a:gradFill>
+                  <a:gsLst>
+                    <a:gs pos="0">
+                      <a:schemeClr val="accent5">
+                        <a:lumMod val="50000"/>
+                      </a:schemeClr>
+                    </a:gs>
+                    <a:gs pos="50000">
+                      <a:schemeClr val="accent5"/>
+                    </a:gs>
+                    <a:gs pos="100000">
+                      <a:schemeClr val="accent5">
+                        <a:lumMod val="60000"/>
+                        <a:lumOff val="40000"/>
+                      </a:schemeClr>
+                    </a:gs>
+                  </a:gsLst>
+                  <a:lin ang="5400000"/>
+                </a:gradFill>
+                <a:effectLst>
+                  <a:reflection blurRad="6350" stA="53000" endA="300" endPos="35500" dir="5400000" sy="-90000" algn="bl" rotWithShape="0"/>
+                </a:effectLst>
+              </a:rPr>
+              <a:t>Пушкин – барышня - крестьянка</a:t>
+            </a:r>
+            <a:endParaRPr lang="ru-RU" sz="3200" b="0" cap="none" spc="0" dirty="0">
+              <a:ln w="0"/>
+              <a:gradFill>
+                <a:gsLst>
+                  <a:gs pos="0">
+                    <a:schemeClr val="accent5">
+                      <a:lumMod val="50000"/>
+                    </a:schemeClr>
+                  </a:gs>
+                  <a:gs pos="50000">
+                    <a:schemeClr val="accent5"/>
+                  </a:gs>
+                  <a:gs pos="100000">
+                    <a:schemeClr val="accent5">
+                      <a:lumMod val="60000"/>
+                      <a:lumOff val="40000"/>
+                    </a:schemeClr>
+                  </a:gs>
+                </a:gsLst>
+                <a:lin ang="5400000"/>
+              </a:gradFill>
+              <a:effectLst>
+                <a:reflection blurRad="6350" stA="53000" endA="300" endPos="35500" dir="5400000" sy="-90000" algn="bl" rotWithShape="0"/>
+              </a:effectLst>
+            </a:endParaRPr>
+          </a:p>
+        </p:txBody>
+      </p:sp>
+      <p:sp>
+        <p:nvSpPr>
+          <p:cNvPr id="6" name="Овал 5">
+            <a:hlinkClick r:id="rId2" action="ppaction://hlinksldjump"/>
+          </p:cNvPr>
+          <p:cNvSpPr/>
+          <p:nvPr/>
+        </p:nvSpPr>
+        <p:spPr>
+          <a:xfrm>
+            <a:off x="4954385" y="5320145"/>
+            <a:ext cx="3117273" cy="781397"/>
+          </a:xfrm>
+          <a:prstGeom prst="ellipse">
+            <a:avLst/>
+          </a:prstGeom>
+        </p:spPr>
+        <p:style>
+          <a:lnRef idx="2">
+            <a:schemeClr val="accent1">
+              <a:shade val="50000"/>
+            </a:schemeClr>
+          </a:lnRef>
+          <a:fillRef idx="1">
+            <a:schemeClr val="accent1"/>
+          </a:fillRef>
+          <a:effectRef idx="0">
+            <a:schemeClr val="accent1"/>
+          </a:effectRef>
+          <a:fontRef idx="minor">
+            <a:schemeClr val="lt1"/>
+          </a:fontRef>
+        </p:style>
+        <p:txBody>
+          <a:bodyPr rtlCol="0" anchor="ctr"/>
+          <a:lstStyle/>
+          <a:p>
+            <a:pPr algn="ctr"/>
+            <a:r>
+              <a:rPr lang="ru-RU" sz="3600" dirty="0" smtClean="0"/>
+              <a:t>Назад</a:t>
+            </a:r>
+            <a:endParaRPr lang="ru-RU" sz="3600" dirty="0"/>
+          </a:p>
+        </p:txBody>
+      </p:sp>
+    </p:spTree>
+    <p:extLst>
+      <p:ext uri="{BB962C8B-B14F-4D97-AF65-F5344CB8AC3E}">
+        <p14:creationId xmlns:p14="http://schemas.microsoft.com/office/powerpoint/2010/main" val="3278811073"/>
+      </p:ext>
+    </p:extLst>
+  </p:cSld>
+  <p:clrMapOvr>
+    <a:masterClrMapping/>
+  </p:clrMapOvr>
+  <mc:AlternateContent xmlns:mc="http://schemas.openxmlformats.org/markup-compatibility/2006">
+    <mc:Choice xmlns:p14="http://schemas.microsoft.com/office/powerpoint/2010/main" Requires="p14">
+      <p:transition spd="slow">
+        <p14:switch dir="r"/>
+      </p:transition>
+    </mc:Choice>
+    <mc:Fallback>
+      <p:transition spd="slow">
+        <p:fade/>
+      </p:transition>
+    </mc:Fallback>
+  </mc:AlternateContent>
+  <p:timing>
+    <p:tnLst>
+      <p:par>
+        <p:cTn id="1" dur="indefinite" restart="never" nodeType="tmRoot"/>
+      </p:par>
+    </p:tnLst>
+  </p:timing>
+</p:sld>
+</file>
+
+<file path=ppt/slides/slide12.xml><?xml version="1.0" encoding="utf-8"?>
+<p:sld xmlns:a="http://schemas.openxmlformats.org/drawingml/2006/main" xmlns:r="http://schemas.openxmlformats.org/officeDocument/2006/relationships" xmlns:p="http://schemas.openxmlformats.org/presentationml/2006/main">
+  <p:cSld>
+    <p:spTree>
+      <p:nvGrpSpPr>
+        <p:cNvPr id="1" name=""/>
+        <p:cNvGrpSpPr/>
+        <p:nvPr/>
+      </p:nvGrpSpPr>
+      <p:grpSpPr>
+        <a:xfrm>
+          <a:off x="0" y="0"/>
+          <a:ext cx="0" cy="0"/>
+          <a:chOff x="0" y="0"/>
+          <a:chExt cx="0" cy="0"/>
+        </a:xfrm>
+      </p:grpSpPr>
+      <p:sp>
+        <p:nvSpPr>
+          <p:cNvPr id="10" name="TextBox 9"/>
+          <p:cNvSpPr txBox="1"/>
+          <p:nvPr/>
+        </p:nvSpPr>
+        <p:spPr>
+          <a:xfrm>
+            <a:off x="0" y="1546167"/>
+            <a:ext cx="10003059" cy="523220"/>
+          </a:xfrm>
+          <a:prstGeom prst="rect">
+            <a:avLst/>
+          </a:prstGeom>
+          <a:noFill/>
+        </p:spPr>
+        <p:txBody>
+          <a:bodyPr wrap="none" rtlCol="0">
+            <a:spAutoFit/>
+          </a:bodyPr>
+          <a:lstStyle/>
+          <a:p>
+            <a:r>
+              <a:rPr lang="ru-RU" sz="2800" b="1" i="1" dirty="0" smtClean="0"/>
+              <a:t>Какой из этих размеров стиха является двусложным?</a:t>
+            </a:r>
+            <a:endParaRPr lang="ru-RU" sz="2800" b="1" i="1" dirty="0"/>
+          </a:p>
+        </p:txBody>
+      </p:sp>
+      <p:cxnSp>
+        <p:nvCxnSpPr>
+          <p:cNvPr id="12" name="Прямая со стрелкой 11"/>
+          <p:cNvCxnSpPr/>
+          <p:nvPr/>
+        </p:nvCxnSpPr>
+        <p:spPr>
+          <a:xfrm>
+            <a:off x="5145578" y="6251171"/>
+            <a:ext cx="1978429" cy="8313"/>
+          </a:xfrm>
+          <a:prstGeom prst="straightConnector1">
+            <a:avLst/>
+          </a:prstGeom>
+          <a:ln>
+            <a:tailEnd type="triangle"/>
+          </a:ln>
+        </p:spPr>
+        <p:style>
+          <a:lnRef idx="1">
+            <a:schemeClr val="accent1"/>
+          </a:lnRef>
+          <a:fillRef idx="0">
+            <a:schemeClr val="accent1"/>
+          </a:fillRef>
+          <a:effectRef idx="0">
+            <a:schemeClr val="accent1"/>
+          </a:effectRef>
+          <a:fontRef idx="minor">
+            <a:schemeClr val="tx1"/>
+          </a:fontRef>
+        </p:style>
+      </p:cxnSp>
+      <p:sp>
+        <p:nvSpPr>
+          <p:cNvPr id="13" name="TextBox 12"/>
+          <p:cNvSpPr txBox="1"/>
+          <p:nvPr/>
+        </p:nvSpPr>
+        <p:spPr>
+          <a:xfrm>
+            <a:off x="5203767" y="5881839"/>
+            <a:ext cx="1707519" cy="369332"/>
+          </a:xfrm>
+          <a:prstGeom prst="rect">
+            <a:avLst/>
+          </a:prstGeom>
+          <a:noFill/>
+        </p:spPr>
+        <p:txBody>
+          <a:bodyPr wrap="none" rtlCol="0">
+            <a:spAutoFit/>
+          </a:bodyPr>
+          <a:lstStyle/>
+          <a:p>
+            <a:r>
+              <a:rPr lang="ru-RU" dirty="0" smtClean="0"/>
+              <a:t>Узнать ответ…</a:t>
+            </a:r>
+            <a:endParaRPr lang="ru-RU" dirty="0"/>
+          </a:p>
+        </p:txBody>
+      </p:sp>
+      <p:sp>
+        <p:nvSpPr>
+          <p:cNvPr id="3" name="TextBox 2"/>
+          <p:cNvSpPr txBox="1"/>
+          <p:nvPr/>
+        </p:nvSpPr>
+        <p:spPr>
+          <a:xfrm>
+            <a:off x="4711167" y="2746016"/>
+            <a:ext cx="1901483" cy="1384995"/>
+          </a:xfrm>
+          <a:prstGeom prst="rect">
+            <a:avLst/>
+          </a:prstGeom>
+          <a:noFill/>
+        </p:spPr>
+        <p:txBody>
+          <a:bodyPr wrap="none" rtlCol="0">
+            <a:spAutoFit/>
+          </a:bodyPr>
+          <a:lstStyle/>
+          <a:p>
+            <a:pPr marL="342900" indent="-342900">
+              <a:buAutoNum type="arabicParenR"/>
+            </a:pPr>
+            <a:r>
+              <a:rPr lang="ru-RU" sz="2800" dirty="0" smtClean="0"/>
+              <a:t>Дактиль</a:t>
+            </a:r>
+          </a:p>
+          <a:p>
+            <a:pPr marL="342900" indent="-342900">
+              <a:buAutoNum type="arabicParenR"/>
+            </a:pPr>
+            <a:r>
+              <a:rPr lang="ru-RU" sz="2800" dirty="0" smtClean="0"/>
+              <a:t>Ямб</a:t>
+            </a:r>
+          </a:p>
+          <a:p>
+            <a:pPr marL="342900" indent="-342900">
+              <a:buAutoNum type="arabicParenR"/>
+            </a:pPr>
+            <a:r>
+              <a:rPr lang="ru-RU" sz="2800" dirty="0"/>
+              <a:t>А</a:t>
+            </a:r>
+            <a:r>
+              <a:rPr lang="ru-RU" sz="2800" dirty="0" smtClean="0"/>
+              <a:t>напест</a:t>
+            </a:r>
+          </a:p>
+        </p:txBody>
+      </p:sp>
+    </p:spTree>
+    <p:extLst>
+      <p:ext uri="{BB962C8B-B14F-4D97-AF65-F5344CB8AC3E}">
+        <p14:creationId xmlns:p14="http://schemas.microsoft.com/office/powerpoint/2010/main" val="114919866"/>
+      </p:ext>
+    </p:extLst>
+  </p:cSld>
+  <p:clrMapOvr>
+    <a:masterClrMapping/>
+  </p:clrMapOvr>
+  <mc:AlternateContent xmlns:mc="http://schemas.openxmlformats.org/markup-compatibility/2006">
+    <mc:Choice xmlns:p15="http://schemas.microsoft.com/office/powerpoint/2012/main" Requires="p15">
+      <p:transition xmlns:p14="http://schemas.microsoft.com/office/powerpoint/2010/main" spd="slow" p14:dur="2500">
+        <p15:prstTrans prst="origami"/>
+      </p:transition>
+    </mc:Choice>
+    <mc:Fallback>
+      <p:transition spd="slow">
+        <p:fade/>
+      </p:transition>
+    </mc:Fallback>
+  </mc:AlternateContent>
+  <p:timing>
+    <p:tnLst>
+      <p:par>
+        <p:cTn id="1" dur="indefinite" restart="never" nodeType="tmRoot"/>
+      </p:par>
+    </p:tnLst>
+  </p:timing>
+</p:sld>
+</file>
+
+<file path=ppt/slides/slide13.xml><?xml version="1.0" encoding="utf-8"?>
+<p:sld xmlns:a="http://schemas.openxmlformats.org/drawingml/2006/main" xmlns:r="http://schemas.openxmlformats.org/officeDocument/2006/relationships" xmlns:p="http://schemas.openxmlformats.org/presentationml/2006/main">
+  <p:cSld>
+    <p:spTree>
+      <p:nvGrpSpPr>
+        <p:cNvPr id="1" name=""/>
+        <p:cNvGrpSpPr/>
+        <p:nvPr/>
+      </p:nvGrpSpPr>
+      <p:grpSpPr>
+        <a:xfrm>
+          <a:off x="0" y="0"/>
+          <a:ext cx="0" cy="0"/>
+          <a:chOff x="0" y="0"/>
+          <a:chExt cx="0" cy="0"/>
+        </a:xfrm>
+      </p:grpSpPr>
+      <p:sp>
+        <p:nvSpPr>
+          <p:cNvPr id="4" name="Прямоугольник 3"/>
+          <p:cNvSpPr/>
+          <p:nvPr/>
+        </p:nvSpPr>
+        <p:spPr>
+          <a:xfrm>
+            <a:off x="516061" y="722899"/>
+            <a:ext cx="6654386" cy="923330"/>
+          </a:xfrm>
+          <a:prstGeom prst="rect">
+            <a:avLst/>
+          </a:prstGeom>
+          <a:noFill/>
+        </p:spPr>
+        <p:txBody>
+          <a:bodyPr wrap="none" lIns="91440" tIns="45720" rIns="91440" bIns="45720">
+            <a:spAutoFit/>
+          </a:bodyPr>
+          <a:lstStyle/>
+          <a:p>
+            <a:pPr algn="ctr"/>
+            <a:r>
+              <a:rPr lang="ru-RU" sz="5400" b="1" cap="none" spc="0" dirty="0" smtClean="0">
+                <a:ln w="9525">
+                  <a:solidFill>
+                    <a:schemeClr val="bg1"/>
+                  </a:solidFill>
+                  <a:prstDash val="solid"/>
+                </a:ln>
+                <a:solidFill>
+                  <a:schemeClr val="tx1"/>
+                </a:solidFill>
+                <a:effectLst>
+                  <a:outerShdw blurRad="12700" dist="38100" dir="2700000" algn="tl" rotWithShape="0">
+                    <a:schemeClr val="bg1">
+                      <a:lumMod val="50000"/>
+                    </a:schemeClr>
+                  </a:outerShdw>
+                </a:effectLst>
+              </a:rPr>
+              <a:t>Правильный ответ:</a:t>
+            </a:r>
+            <a:endParaRPr lang="ru-RU" sz="5400" b="1" cap="none" spc="0" dirty="0">
+              <a:ln w="9525">
+                <a:solidFill>
+                  <a:schemeClr val="bg1"/>
+                </a:solidFill>
+                <a:prstDash val="solid"/>
+              </a:ln>
+              <a:solidFill>
+                <a:schemeClr val="tx1"/>
+              </a:solidFill>
+              <a:effectLst>
+                <a:outerShdw blurRad="12700" dist="38100" dir="2700000" algn="tl" rotWithShape="0">
+                  <a:schemeClr val="bg1">
+                    <a:lumMod val="50000"/>
+                  </a:schemeClr>
+                </a:outerShdw>
+              </a:effectLst>
+            </a:endParaRPr>
+          </a:p>
+        </p:txBody>
+      </p:sp>
+      <p:sp>
+        <p:nvSpPr>
+          <p:cNvPr id="5" name="Прямоугольник 4"/>
+          <p:cNvSpPr/>
+          <p:nvPr/>
+        </p:nvSpPr>
+        <p:spPr>
+          <a:xfrm>
+            <a:off x="1487977" y="2377749"/>
+            <a:ext cx="6932815" cy="584775"/>
+          </a:xfrm>
+          <a:prstGeom prst="rect">
+            <a:avLst/>
+          </a:prstGeom>
+          <a:noFill/>
+        </p:spPr>
+        <p:txBody>
+          <a:bodyPr wrap="square" lIns="91440" tIns="45720" rIns="91440" bIns="45720">
+            <a:spAutoFit/>
+          </a:bodyPr>
+          <a:lstStyle/>
+          <a:p>
+            <a:pPr algn="ctr"/>
+            <a:r>
+              <a:rPr lang="ru-RU" sz="3200" dirty="0" smtClean="0">
+                <a:ln w="0"/>
+                <a:gradFill>
+                  <a:gsLst>
+                    <a:gs pos="0">
+                      <a:schemeClr val="accent5">
+                        <a:lumMod val="50000"/>
+                      </a:schemeClr>
+                    </a:gs>
+                    <a:gs pos="50000">
+                      <a:schemeClr val="accent5"/>
+                    </a:gs>
+                    <a:gs pos="100000">
+                      <a:schemeClr val="accent5">
+                        <a:lumMod val="60000"/>
+                        <a:lumOff val="40000"/>
+                      </a:schemeClr>
+                    </a:gs>
+                  </a:gsLst>
+                  <a:lin ang="5400000"/>
+                </a:gradFill>
+                <a:effectLst>
+                  <a:reflection blurRad="6350" stA="53000" endA="300" endPos="35500" dir="5400000" sy="-90000" algn="bl" rotWithShape="0"/>
+                </a:effectLst>
+              </a:rPr>
+              <a:t>2) Ямб</a:t>
+            </a:r>
+            <a:endParaRPr lang="ru-RU" sz="3200" b="0" cap="none" spc="0" dirty="0">
+              <a:ln w="0"/>
+              <a:gradFill>
+                <a:gsLst>
+                  <a:gs pos="0">
+                    <a:schemeClr val="accent5">
+                      <a:lumMod val="50000"/>
+                    </a:schemeClr>
+                  </a:gs>
+                  <a:gs pos="50000">
+                    <a:schemeClr val="accent5"/>
+                  </a:gs>
+                  <a:gs pos="100000">
+                    <a:schemeClr val="accent5">
+                      <a:lumMod val="60000"/>
+                      <a:lumOff val="40000"/>
+                    </a:schemeClr>
+                  </a:gs>
+                </a:gsLst>
+                <a:lin ang="5400000"/>
+              </a:gradFill>
+              <a:effectLst>
+                <a:reflection blurRad="6350" stA="53000" endA="300" endPos="35500" dir="5400000" sy="-90000" algn="bl" rotWithShape="0"/>
+              </a:effectLst>
+            </a:endParaRPr>
+          </a:p>
+        </p:txBody>
+      </p:sp>
+      <p:sp>
+        <p:nvSpPr>
+          <p:cNvPr id="6" name="Овал 5">
+            <a:hlinkClick r:id="rId2" action="ppaction://hlinksldjump"/>
+          </p:cNvPr>
+          <p:cNvSpPr/>
+          <p:nvPr/>
+        </p:nvSpPr>
+        <p:spPr>
+          <a:xfrm>
+            <a:off x="4954385" y="5320145"/>
+            <a:ext cx="3117273" cy="781397"/>
+          </a:xfrm>
+          <a:prstGeom prst="ellipse">
+            <a:avLst/>
+          </a:prstGeom>
+        </p:spPr>
+        <p:style>
+          <a:lnRef idx="2">
+            <a:schemeClr val="accent1">
+              <a:shade val="50000"/>
+            </a:schemeClr>
+          </a:lnRef>
+          <a:fillRef idx="1">
+            <a:schemeClr val="accent1"/>
+          </a:fillRef>
+          <a:effectRef idx="0">
+            <a:schemeClr val="accent1"/>
+          </a:effectRef>
+          <a:fontRef idx="minor">
+            <a:schemeClr val="lt1"/>
+          </a:fontRef>
+        </p:style>
+        <p:txBody>
+          <a:bodyPr rtlCol="0" anchor="ctr"/>
+          <a:lstStyle/>
+          <a:p>
+            <a:pPr algn="ctr"/>
+            <a:r>
+              <a:rPr lang="ru-RU" sz="3600" dirty="0" smtClean="0"/>
+              <a:t>Назад</a:t>
+            </a:r>
+            <a:endParaRPr lang="ru-RU" sz="3600" dirty="0"/>
+          </a:p>
+        </p:txBody>
+      </p:sp>
+    </p:spTree>
+    <p:extLst>
+      <p:ext uri="{BB962C8B-B14F-4D97-AF65-F5344CB8AC3E}">
+        <p14:creationId xmlns:p14="http://schemas.microsoft.com/office/powerpoint/2010/main" val="1215947634"/>
+      </p:ext>
+    </p:extLst>
+  </p:cSld>
+  <p:clrMapOvr>
+    <a:masterClrMapping/>
+  </p:clrMapOvr>
+  <mc:AlternateContent xmlns:mc="http://schemas.openxmlformats.org/markup-compatibility/2006">
+    <mc:Choice xmlns:p14="http://schemas.microsoft.com/office/powerpoint/2010/main" Requires="p14">
+      <p:transition spd="slow" p14:dur="2000">
+        <p14:glitter pattern="hexagon"/>
+      </p:transition>
+    </mc:Choice>
+    <mc:Fallback>
+      <p:transition spd="slow">
+        <p:fade/>
+      </p:transition>
+    </mc:Fallback>
+  </mc:AlternateContent>
+  <p:timing>
+    <p:tnLst>
+      <p:par>
+        <p:cTn id="1" dur="indefinite" restart="never" nodeType="tmRoot"/>
+      </p:par>
+    </p:tnLst>
+  </p:timing>
+</p:sld>
+</file>
+
+<file path=ppt/slides/slide14.xml><?xml version="1.0" encoding="utf-8"?>
+<p:sld xmlns:a="http://schemas.openxmlformats.org/drawingml/2006/main" xmlns:r="http://schemas.openxmlformats.org/officeDocument/2006/relationships" xmlns:p="http://schemas.openxmlformats.org/presentationml/2006/main">
+  <p:cSld>
+    <p:spTree>
+      <p:nvGrpSpPr>
+        <p:cNvPr id="1" name=""/>
+        <p:cNvGrpSpPr/>
+        <p:nvPr/>
+      </p:nvGrpSpPr>
+      <p:grpSpPr>
+        <a:xfrm>
+          <a:off x="0" y="0"/>
+          <a:ext cx="0" cy="0"/>
+          <a:chOff x="0" y="0"/>
+          <a:chExt cx="0" cy="0"/>
+        </a:xfrm>
+      </p:grpSpPr>
+      <p:sp>
+        <p:nvSpPr>
+          <p:cNvPr id="2" name="Овал 1"/>
+          <p:cNvSpPr/>
+          <p:nvPr/>
+        </p:nvSpPr>
+        <p:spPr>
+          <a:xfrm>
+            <a:off x="2452981" y="2575159"/>
+            <a:ext cx="5220393" cy="2327564"/>
+          </a:xfrm>
+          <a:prstGeom prst="ellipse">
+            <a:avLst/>
+          </a:prstGeom>
+          <a:solidFill>
+            <a:srgbClr val="7030A0"/>
+          </a:solidFill>
+        </p:spPr>
+        <p:style>
+          <a:lnRef idx="2">
+            <a:schemeClr val="accent1">
+              <a:shade val="50000"/>
+            </a:schemeClr>
+          </a:lnRef>
+          <a:fillRef idx="1">
+            <a:schemeClr val="accent1"/>
+          </a:fillRef>
+          <a:effectRef idx="0">
+            <a:schemeClr val="accent1"/>
+          </a:effectRef>
+          <a:fontRef idx="minor">
+            <a:schemeClr val="lt1"/>
+          </a:fontRef>
+        </p:style>
+        <p:txBody>
+          <a:bodyPr rtlCol="0" anchor="ctr"/>
+          <a:lstStyle/>
+          <a:p>
+            <a:pPr algn="ctr"/>
+            <a:endParaRPr lang="ru-RU">
+              <a:solidFill>
+                <a:srgbClr val="FF0000"/>
+              </a:solidFill>
+            </a:endParaRPr>
+          </a:p>
+        </p:txBody>
+      </p:sp>
+      <p:sp>
+        <p:nvSpPr>
+          <p:cNvPr id="3" name="Прямоугольник 2"/>
+          <p:cNvSpPr/>
+          <p:nvPr/>
+        </p:nvSpPr>
+        <p:spPr>
+          <a:xfrm>
+            <a:off x="2627255" y="3183466"/>
+            <a:ext cx="4871847" cy="830997"/>
+          </a:xfrm>
+          <a:prstGeom prst="rect">
+            <a:avLst/>
+          </a:prstGeom>
+          <a:noFill/>
+        </p:spPr>
+        <p:txBody>
+          <a:bodyPr wrap="none" lIns="91440" tIns="45720" rIns="91440" bIns="45720">
+            <a:spAutoFit/>
+          </a:bodyPr>
+          <a:lstStyle/>
+          <a:p>
+            <a:pPr algn="ctr"/>
+            <a:r>
+              <a:rPr lang="ru-RU" sz="2400" b="1" cap="none" spc="0" dirty="0" smtClean="0">
+                <a:ln w="12700">
+                  <a:solidFill>
+                    <a:schemeClr val="accent5"/>
+                  </a:solidFill>
+                  <a:prstDash val="solid"/>
+                </a:ln>
+                <a:pattFill prst="ltDnDiag">
+                  <a:fgClr>
+                    <a:schemeClr val="accent5">
+                      <a:lumMod val="60000"/>
+                      <a:lumOff val="40000"/>
+                    </a:schemeClr>
+                  </a:fgClr>
+                  <a:bgClr>
+                    <a:schemeClr val="bg1"/>
+                  </a:bgClr>
+                </a:pattFill>
+                <a:effectLst/>
+              </a:rPr>
+              <a:t>Кот в мешке!</a:t>
+            </a:r>
+          </a:p>
+          <a:p>
+            <a:pPr algn="ctr"/>
+            <a:r>
+              <a:rPr lang="ru-RU" sz="2400" b="1" dirty="0" smtClean="0">
+                <a:ln w="12700">
+                  <a:solidFill>
+                    <a:schemeClr val="accent5"/>
+                  </a:solidFill>
+                  <a:prstDash val="solid"/>
+                </a:ln>
+                <a:pattFill prst="ltDnDiag">
+                  <a:fgClr>
+                    <a:schemeClr val="accent5">
+                      <a:lumMod val="60000"/>
+                      <a:lumOff val="40000"/>
+                    </a:schemeClr>
+                  </a:fgClr>
+                  <a:bgClr>
+                    <a:schemeClr val="bg1"/>
+                  </a:bgClr>
+                </a:pattFill>
+              </a:rPr>
+              <a:t>Предайте ход другой команде!</a:t>
+            </a:r>
+            <a:endParaRPr lang="ru-RU" sz="2400" b="1" cap="none" spc="0" dirty="0">
+              <a:ln w="12700">
+                <a:solidFill>
+                  <a:schemeClr val="accent5"/>
+                </a:solidFill>
+                <a:prstDash val="solid"/>
+              </a:ln>
+              <a:pattFill prst="ltDnDiag">
+                <a:fgClr>
+                  <a:schemeClr val="accent5">
+                    <a:lumMod val="60000"/>
+                    <a:lumOff val="40000"/>
+                  </a:schemeClr>
+                </a:fgClr>
+                <a:bgClr>
+                  <a:schemeClr val="bg1"/>
+                </a:bgClr>
+              </a:pattFill>
+              <a:effectLst/>
+            </a:endParaRPr>
+          </a:p>
+        </p:txBody>
+      </p:sp>
+      <p:cxnSp>
+        <p:nvCxnSpPr>
+          <p:cNvPr id="7" name="Прямая со стрелкой 6"/>
+          <p:cNvCxnSpPr/>
+          <p:nvPr/>
+        </p:nvCxnSpPr>
+        <p:spPr>
+          <a:xfrm>
+            <a:off x="5145578" y="6251171"/>
+            <a:ext cx="1978429" cy="8313"/>
+          </a:xfrm>
+          <a:prstGeom prst="straightConnector1">
+            <a:avLst/>
+          </a:prstGeom>
+          <a:ln>
+            <a:tailEnd type="triangle"/>
+          </a:ln>
+        </p:spPr>
+        <p:style>
+          <a:lnRef idx="1">
+            <a:schemeClr val="accent1"/>
+          </a:lnRef>
+          <a:fillRef idx="0">
+            <a:schemeClr val="accent1"/>
+          </a:fillRef>
+          <a:effectRef idx="0">
+            <a:schemeClr val="accent1"/>
+          </a:effectRef>
+          <a:fontRef idx="minor">
+            <a:schemeClr val="tx1"/>
+          </a:fontRef>
+        </p:style>
+      </p:cxnSp>
+      <p:sp>
+        <p:nvSpPr>
+          <p:cNvPr id="8" name="TextBox 7"/>
+          <p:cNvSpPr txBox="1"/>
+          <p:nvPr/>
+        </p:nvSpPr>
+        <p:spPr>
+          <a:xfrm>
+            <a:off x="5353396" y="5881839"/>
+            <a:ext cx="1661032" cy="369332"/>
+          </a:xfrm>
+          <a:prstGeom prst="rect">
+            <a:avLst/>
+          </a:prstGeom>
+          <a:noFill/>
+        </p:spPr>
+        <p:txBody>
+          <a:bodyPr wrap="none" rtlCol="0">
+            <a:spAutoFit/>
+          </a:bodyPr>
+          <a:lstStyle/>
+          <a:p>
+            <a:r>
+              <a:rPr lang="ru-RU" dirty="0" smtClean="0"/>
+              <a:t>Продолжить…</a:t>
+            </a:r>
+            <a:endParaRPr lang="ru-RU" dirty="0"/>
+          </a:p>
+        </p:txBody>
+      </p:sp>
+    </p:spTree>
+    <p:extLst>
+      <p:ext uri="{BB962C8B-B14F-4D97-AF65-F5344CB8AC3E}">
+        <p14:creationId xmlns:p14="http://schemas.microsoft.com/office/powerpoint/2010/main" val="557847090"/>
+      </p:ext>
+    </p:extLst>
+  </p:cSld>
+  <p:clrMapOvr>
+    <a:masterClrMapping/>
+  </p:clrMapOvr>
+  <mc:AlternateContent xmlns:mc="http://schemas.openxmlformats.org/markup-compatibility/2006">
+    <mc:Choice xmlns:p14="http://schemas.microsoft.com/office/powerpoint/2010/main" Requires="p14">
+      <p:transition spd="slow" p14:dur="1250">
+        <p14:vortex dir="r"/>
+      </p:transition>
+    </mc:Choice>
+    <mc:Fallback>
+      <p:transition spd="slow">
+        <p:fade/>
+      </p:transition>
+    </mc:Fallback>
+  </mc:AlternateContent>
+  <p:timing>
+    <p:tnLst>
+      <p:par>
+        <p:cTn id="1" dur="indefinite" restart="never" nodeType="tmRoot"/>
+      </p:par>
+    </p:tnLst>
+  </p:timing>
+</p:sld>
+</file>
+
+<file path=ppt/slides/slide15.xml><?xml version="1.0" encoding="utf-8"?>
+<p:sld xmlns:a="http://schemas.openxmlformats.org/drawingml/2006/main" xmlns:r="http://schemas.openxmlformats.org/officeDocument/2006/relationships" xmlns:p="http://schemas.openxmlformats.org/presentationml/2006/main">
+  <p:cSld>
+    <p:spTree>
+      <p:nvGrpSpPr>
+        <p:cNvPr id="1" name=""/>
+        <p:cNvGrpSpPr/>
+        <p:nvPr/>
+      </p:nvGrpSpPr>
+      <p:grpSpPr>
+        <a:xfrm>
+          <a:off x="0" y="0"/>
+          <a:ext cx="0" cy="0"/>
+          <a:chOff x="0" y="0"/>
+          <a:chExt cx="0" cy="0"/>
+        </a:xfrm>
+      </p:grpSpPr>
+      <p:sp>
+        <p:nvSpPr>
+          <p:cNvPr id="10" name="TextBox 9"/>
+          <p:cNvSpPr txBox="1"/>
+          <p:nvPr/>
+        </p:nvSpPr>
+        <p:spPr>
+          <a:xfrm>
+            <a:off x="0" y="995188"/>
+            <a:ext cx="9567043" cy="954107"/>
+          </a:xfrm>
+          <a:prstGeom prst="rect">
+            <a:avLst/>
+          </a:prstGeom>
+          <a:noFill/>
+        </p:spPr>
+        <p:txBody>
+          <a:bodyPr wrap="none" rtlCol="0">
+            <a:spAutoFit/>
+          </a:bodyPr>
+          <a:lstStyle/>
+          <a:p>
+            <a:r>
+              <a:rPr lang="ru-RU" sz="2800" b="1" i="1" dirty="0" smtClean="0"/>
+              <a:t>Изображение неживых предметов, </a:t>
+            </a:r>
+          </a:p>
+          <a:p>
+            <a:r>
+              <a:rPr lang="ru-RU" sz="2800" b="1" i="1" dirty="0" smtClean="0"/>
+              <a:t>явление природы в виде ж</a:t>
+            </a:r>
+            <a:r>
+              <a:rPr lang="ru-RU" sz="2800" b="1" i="1" dirty="0" smtClean="0"/>
+              <a:t>ивых существ является…</a:t>
+            </a:r>
+            <a:endParaRPr lang="ru-RU" sz="2800" b="1" i="1" dirty="0"/>
+          </a:p>
+        </p:txBody>
+      </p:sp>
+      <p:cxnSp>
+        <p:nvCxnSpPr>
+          <p:cNvPr id="12" name="Прямая со стрелкой 11"/>
+          <p:cNvCxnSpPr/>
+          <p:nvPr/>
+        </p:nvCxnSpPr>
+        <p:spPr>
+          <a:xfrm>
+            <a:off x="5145578" y="6251171"/>
+            <a:ext cx="1978429" cy="8313"/>
+          </a:xfrm>
+          <a:prstGeom prst="straightConnector1">
+            <a:avLst/>
+          </a:prstGeom>
+          <a:ln>
+            <a:tailEnd type="triangle"/>
+          </a:ln>
+        </p:spPr>
+        <p:style>
+          <a:lnRef idx="1">
+            <a:schemeClr val="accent1"/>
+          </a:lnRef>
+          <a:fillRef idx="0">
+            <a:schemeClr val="accent1"/>
+          </a:fillRef>
+          <a:effectRef idx="0">
+            <a:schemeClr val="accent1"/>
+          </a:effectRef>
+          <a:fontRef idx="minor">
+            <a:schemeClr val="tx1"/>
+          </a:fontRef>
+        </p:style>
+      </p:cxnSp>
+      <p:sp>
+        <p:nvSpPr>
+          <p:cNvPr id="13" name="TextBox 12"/>
+          <p:cNvSpPr txBox="1"/>
+          <p:nvPr/>
+        </p:nvSpPr>
+        <p:spPr>
+          <a:xfrm>
+            <a:off x="5203767" y="5881839"/>
+            <a:ext cx="1707519" cy="369332"/>
+          </a:xfrm>
+          <a:prstGeom prst="rect">
+            <a:avLst/>
+          </a:prstGeom>
+          <a:noFill/>
+        </p:spPr>
+        <p:txBody>
+          <a:bodyPr wrap="none" rtlCol="0">
+            <a:spAutoFit/>
+          </a:bodyPr>
+          <a:lstStyle/>
+          <a:p>
+            <a:r>
+              <a:rPr lang="ru-RU" dirty="0" smtClean="0"/>
+              <a:t>Узнать </a:t>
+            </a:r>
+            <a:r>
+              <a:rPr lang="ru-RU" dirty="0" smtClean="0"/>
+              <a:t>ответ…</a:t>
+            </a:r>
+            <a:endParaRPr lang="ru-RU" dirty="0"/>
+          </a:p>
+        </p:txBody>
+      </p:sp>
+      <p:sp>
+        <p:nvSpPr>
+          <p:cNvPr id="3" name="TextBox 2"/>
+          <p:cNvSpPr txBox="1"/>
+          <p:nvPr/>
+        </p:nvSpPr>
+        <p:spPr>
+          <a:xfrm>
+            <a:off x="2065259" y="2619882"/>
+            <a:ext cx="4919937" cy="2123658"/>
+          </a:xfrm>
+          <a:prstGeom prst="rect">
+            <a:avLst/>
+          </a:prstGeom>
+          <a:noFill/>
+        </p:spPr>
+        <p:txBody>
+          <a:bodyPr wrap="none" rtlCol="0">
+            <a:spAutoFit/>
+          </a:bodyPr>
+          <a:lstStyle/>
+          <a:p>
+            <a:pPr marL="342900" indent="-342900">
+              <a:buAutoNum type="arabicParenR"/>
+            </a:pPr>
+            <a:r>
+              <a:rPr lang="ru-RU" sz="4400" dirty="0" smtClean="0"/>
+              <a:t> Метафора</a:t>
+            </a:r>
+          </a:p>
+          <a:p>
+            <a:pPr marL="342900" indent="-342900">
+              <a:buAutoNum type="arabicParenR"/>
+            </a:pPr>
+            <a:r>
+              <a:rPr lang="ru-RU" sz="4400" dirty="0" smtClean="0"/>
+              <a:t> Эпитет</a:t>
+            </a:r>
+          </a:p>
+          <a:p>
+            <a:pPr marL="342900" indent="-342900">
+              <a:buAutoNum type="arabicParenR"/>
+            </a:pPr>
+            <a:r>
+              <a:rPr lang="ru-RU" sz="4400" dirty="0"/>
+              <a:t> </a:t>
+            </a:r>
+            <a:r>
+              <a:rPr lang="ru-RU" sz="4400" dirty="0" smtClean="0"/>
+              <a:t>Олицетворение</a:t>
+            </a:r>
+          </a:p>
+        </p:txBody>
+      </p:sp>
+    </p:spTree>
+    <p:extLst>
+      <p:ext uri="{BB962C8B-B14F-4D97-AF65-F5344CB8AC3E}">
+        <p14:creationId xmlns:p14="http://schemas.microsoft.com/office/powerpoint/2010/main" val="1138860511"/>
+      </p:ext>
+    </p:extLst>
+  </p:cSld>
+  <p:clrMapOvr>
+    <a:masterClrMapping/>
+  </p:clrMapOvr>
+  <mc:AlternateContent xmlns:mc="http://schemas.openxmlformats.org/markup-compatibility/2006">
+    <mc:Choice xmlns:p14="http://schemas.microsoft.com/office/powerpoint/2010/main" Requires="p14">
+      <p:transition spd="slow" p14:dur="800">
+        <p14:flythrough/>
+      </p:transition>
+    </mc:Choice>
+    <mc:Fallback>
+      <p:transition spd="slow">
+        <p:fade/>
+      </p:transition>
+    </mc:Fallback>
+  </mc:AlternateContent>
+  <p:timing>
+    <p:tnLst>
+      <p:par>
+        <p:cTn id="1" dur="indefinite" restart="never" nodeType="tmRoot"/>
+      </p:par>
+    </p:tnLst>
+  </p:timing>
+</p:sld>
+</file>
+
+<file path=ppt/slides/slide16.xml><?xml version="1.0" encoding="utf-8"?>
+<p:sld xmlns:a="http://schemas.openxmlformats.org/drawingml/2006/main" xmlns:r="http://schemas.openxmlformats.org/officeDocument/2006/relationships" xmlns:p="http://schemas.openxmlformats.org/presentationml/2006/main">
+  <p:cSld>
+    <p:spTree>
+      <p:nvGrpSpPr>
+        <p:cNvPr id="1" name=""/>
+        <p:cNvGrpSpPr/>
+        <p:nvPr/>
+      </p:nvGrpSpPr>
+      <p:grpSpPr>
+        <a:xfrm>
+          <a:off x="0" y="0"/>
+          <a:ext cx="0" cy="0"/>
+          <a:chOff x="0" y="0"/>
+          <a:chExt cx="0" cy="0"/>
+        </a:xfrm>
+      </p:grpSpPr>
+      <p:sp>
+        <p:nvSpPr>
+          <p:cNvPr id="4" name="Прямоугольник 3"/>
+          <p:cNvSpPr/>
+          <p:nvPr/>
+        </p:nvSpPr>
+        <p:spPr>
+          <a:xfrm>
+            <a:off x="516061" y="722899"/>
+            <a:ext cx="6654386" cy="923330"/>
+          </a:xfrm>
+          <a:prstGeom prst="rect">
+            <a:avLst/>
+          </a:prstGeom>
+          <a:noFill/>
+        </p:spPr>
+        <p:txBody>
+          <a:bodyPr wrap="none" lIns="91440" tIns="45720" rIns="91440" bIns="45720">
+            <a:spAutoFit/>
+          </a:bodyPr>
+          <a:lstStyle/>
+          <a:p>
+            <a:pPr algn="ctr"/>
+            <a:r>
+              <a:rPr lang="ru-RU" sz="5400" b="1" cap="none" spc="0" dirty="0" smtClean="0">
+                <a:ln w="9525">
+                  <a:solidFill>
+                    <a:schemeClr val="bg1"/>
+                  </a:solidFill>
+                  <a:prstDash val="solid"/>
+                </a:ln>
+                <a:solidFill>
+                  <a:schemeClr val="tx1"/>
+                </a:solidFill>
+                <a:effectLst>
+                  <a:outerShdw blurRad="12700" dist="38100" dir="2700000" algn="tl" rotWithShape="0">
+                    <a:schemeClr val="bg1">
+                      <a:lumMod val="50000"/>
+                    </a:schemeClr>
+                  </a:outerShdw>
+                </a:effectLst>
+              </a:rPr>
+              <a:t>Правильный ответ:</a:t>
+            </a:r>
+            <a:endParaRPr lang="ru-RU" sz="5400" b="1" cap="none" spc="0" dirty="0">
+              <a:ln w="9525">
+                <a:solidFill>
+                  <a:schemeClr val="bg1"/>
+                </a:solidFill>
+                <a:prstDash val="solid"/>
+              </a:ln>
+              <a:solidFill>
+                <a:schemeClr val="tx1"/>
+              </a:solidFill>
+              <a:effectLst>
+                <a:outerShdw blurRad="12700" dist="38100" dir="2700000" algn="tl" rotWithShape="0">
+                  <a:schemeClr val="bg1">
+                    <a:lumMod val="50000"/>
+                  </a:schemeClr>
+                </a:outerShdw>
+              </a:effectLst>
+            </a:endParaRPr>
+          </a:p>
+        </p:txBody>
+      </p:sp>
+      <p:sp>
+        <p:nvSpPr>
+          <p:cNvPr id="5" name="Прямоугольник 4"/>
+          <p:cNvSpPr/>
+          <p:nvPr/>
+        </p:nvSpPr>
+        <p:spPr>
+          <a:xfrm>
+            <a:off x="1487977" y="2377749"/>
+            <a:ext cx="6932815" cy="1015663"/>
+          </a:xfrm>
+          <a:prstGeom prst="rect">
+            <a:avLst/>
+          </a:prstGeom>
+          <a:noFill/>
+        </p:spPr>
+        <p:txBody>
+          <a:bodyPr wrap="square" lIns="91440" tIns="45720" rIns="91440" bIns="45720">
+            <a:spAutoFit/>
+          </a:bodyPr>
+          <a:lstStyle/>
+          <a:p>
+            <a:pPr algn="ctr"/>
+            <a:r>
+              <a:rPr lang="ru-RU" sz="6000" dirty="0" smtClean="0">
+                <a:ln w="0"/>
+                <a:gradFill>
+                  <a:gsLst>
+                    <a:gs pos="0">
+                      <a:schemeClr val="accent5">
+                        <a:lumMod val="50000"/>
+                      </a:schemeClr>
+                    </a:gs>
+                    <a:gs pos="50000">
+                      <a:schemeClr val="accent5"/>
+                    </a:gs>
+                    <a:gs pos="100000">
+                      <a:schemeClr val="accent5">
+                        <a:lumMod val="60000"/>
+                        <a:lumOff val="40000"/>
+                      </a:schemeClr>
+                    </a:gs>
+                  </a:gsLst>
+                  <a:lin ang="5400000"/>
+                </a:gradFill>
+                <a:effectLst>
+                  <a:reflection blurRad="6350" stA="53000" endA="300" endPos="35500" dir="5400000" sy="-90000" algn="bl" rotWithShape="0"/>
+                </a:effectLst>
+              </a:rPr>
+              <a:t>3) </a:t>
+            </a:r>
+            <a:r>
+              <a:rPr lang="ru-RU" sz="6000" dirty="0" err="1" smtClean="0">
+                <a:ln w="0"/>
+                <a:gradFill>
+                  <a:gsLst>
+                    <a:gs pos="0">
+                      <a:schemeClr val="accent5">
+                        <a:lumMod val="50000"/>
+                      </a:schemeClr>
+                    </a:gs>
+                    <a:gs pos="50000">
+                      <a:schemeClr val="accent5"/>
+                    </a:gs>
+                    <a:gs pos="100000">
+                      <a:schemeClr val="accent5">
+                        <a:lumMod val="60000"/>
+                        <a:lumOff val="40000"/>
+                      </a:schemeClr>
+                    </a:gs>
+                  </a:gsLst>
+                  <a:lin ang="5400000"/>
+                </a:gradFill>
+                <a:effectLst>
+                  <a:reflection blurRad="6350" stA="53000" endA="300" endPos="35500" dir="5400000" sy="-90000" algn="bl" rotWithShape="0"/>
+                </a:effectLst>
+              </a:rPr>
+              <a:t>Олицетвроение</a:t>
+            </a:r>
+            <a:endParaRPr lang="ru-RU" sz="6000" b="0" cap="none" spc="0" dirty="0">
+              <a:ln w="0"/>
+              <a:gradFill>
+                <a:gsLst>
+                  <a:gs pos="0">
+                    <a:schemeClr val="accent5">
+                      <a:lumMod val="50000"/>
+                    </a:schemeClr>
+                  </a:gs>
+                  <a:gs pos="50000">
+                    <a:schemeClr val="accent5"/>
+                  </a:gs>
+                  <a:gs pos="100000">
+                    <a:schemeClr val="accent5">
+                      <a:lumMod val="60000"/>
+                      <a:lumOff val="40000"/>
+                    </a:schemeClr>
+                  </a:gs>
+                </a:gsLst>
+                <a:lin ang="5400000"/>
+              </a:gradFill>
+              <a:effectLst>
+                <a:reflection blurRad="6350" stA="53000" endA="300" endPos="35500" dir="5400000" sy="-90000" algn="bl" rotWithShape="0"/>
+              </a:effectLst>
+            </a:endParaRPr>
+          </a:p>
+        </p:txBody>
+      </p:sp>
+      <p:sp>
+        <p:nvSpPr>
+          <p:cNvPr id="6" name="Овал 5">
+            <a:hlinkClick r:id="rId2" action="ppaction://hlinksldjump"/>
+          </p:cNvPr>
+          <p:cNvSpPr/>
+          <p:nvPr/>
+        </p:nvSpPr>
+        <p:spPr>
+          <a:xfrm>
+            <a:off x="4954385" y="5320145"/>
+            <a:ext cx="3117273" cy="781397"/>
+          </a:xfrm>
+          <a:prstGeom prst="ellipse">
+            <a:avLst/>
+          </a:prstGeom>
+        </p:spPr>
+        <p:style>
+          <a:lnRef idx="2">
+            <a:schemeClr val="accent1">
+              <a:shade val="50000"/>
+            </a:schemeClr>
+          </a:lnRef>
+          <a:fillRef idx="1">
+            <a:schemeClr val="accent1"/>
+          </a:fillRef>
+          <a:effectRef idx="0">
+            <a:schemeClr val="accent1"/>
+          </a:effectRef>
+          <a:fontRef idx="minor">
+            <a:schemeClr val="lt1"/>
+          </a:fontRef>
+        </p:style>
+        <p:txBody>
+          <a:bodyPr rtlCol="0" anchor="ctr"/>
+          <a:lstStyle/>
+          <a:p>
+            <a:pPr algn="ctr"/>
+            <a:r>
+              <a:rPr lang="ru-RU" sz="3600" dirty="0" smtClean="0"/>
+              <a:t>Назад</a:t>
+            </a:r>
+            <a:endParaRPr lang="ru-RU" sz="3600" dirty="0"/>
+          </a:p>
+        </p:txBody>
+      </p:sp>
+    </p:spTree>
+    <p:extLst>
+      <p:ext uri="{BB962C8B-B14F-4D97-AF65-F5344CB8AC3E}">
+        <p14:creationId xmlns:p14="http://schemas.microsoft.com/office/powerpoint/2010/main" val="2150090566"/>
+      </p:ext>
+    </p:extLst>
+  </p:cSld>
+  <p:clrMapOvr>
+    <a:masterClrMapping/>
+  </p:clrMapOvr>
+  <mc:AlternateContent xmlns:mc="http://schemas.openxmlformats.org/markup-compatibility/2006">
+    <mc:Choice xmlns:p14="http://schemas.microsoft.com/office/powerpoint/2010/main" Requires="p14">
+      <p:transition spd="slow" p14:dur="1500">
+        <p14:shred/>
+      </p:transition>
+    </mc:Choice>
+    <mc:Fallback>
+      <p:transition spd="slow">
+        <p:fade/>
+      </p:transition>
+    </mc:Fallback>
+  </mc:AlternateContent>
+  <p:timing>
+    <p:tnLst>
+      <p:par>
+        <p:cTn id="1" dur="indefinite" restart="never" nodeType="tmRoot"/>
+      </p:par>
+    </p:tnLst>
+  </p:timing>
+</p:sld>
+</file>
+
+<file path=ppt/slides/slide17.xml><?xml version="1.0" encoding="utf-8"?>
+<p:sld xmlns:a="http://schemas.openxmlformats.org/drawingml/2006/main" xmlns:r="http://schemas.openxmlformats.org/officeDocument/2006/relationships" xmlns:p="http://schemas.openxmlformats.org/presentationml/2006/main">
+  <p:cSld>
+    <p:spTree>
+      <p:nvGrpSpPr>
+        <p:cNvPr id="1" name=""/>
+        <p:cNvGrpSpPr/>
+        <p:nvPr/>
+      </p:nvGrpSpPr>
+      <p:grpSpPr>
+        <a:xfrm>
+          <a:off x="0" y="0"/>
+          <a:ext cx="0" cy="0"/>
+          <a:chOff x="0" y="0"/>
+          <a:chExt cx="0" cy="0"/>
+        </a:xfrm>
+      </p:grpSpPr>
+      <p:sp>
+        <p:nvSpPr>
+          <p:cNvPr id="10" name="TextBox 9"/>
+          <p:cNvSpPr txBox="1"/>
+          <p:nvPr/>
+        </p:nvSpPr>
+        <p:spPr>
+          <a:xfrm>
+            <a:off x="1679170" y="2582918"/>
+            <a:ext cx="7880466" cy="523220"/>
+          </a:xfrm>
+          <a:prstGeom prst="rect">
+            <a:avLst/>
+          </a:prstGeom>
+          <a:noFill/>
+        </p:spPr>
+        <p:txBody>
+          <a:bodyPr wrap="square" rtlCol="0">
+            <a:spAutoFit/>
+          </a:bodyPr>
+          <a:lstStyle/>
+          <a:p>
+            <a:r>
+              <a:rPr lang="ru-RU" sz="2800" b="1" i="1" dirty="0" smtClean="0"/>
+              <a:t>       Миф - это…..</a:t>
+            </a:r>
+            <a:endParaRPr lang="ru-RU" sz="2800" b="1" i="1" dirty="0"/>
+          </a:p>
+        </p:txBody>
+      </p:sp>
+      <p:cxnSp>
+        <p:nvCxnSpPr>
+          <p:cNvPr id="12" name="Прямая со стрелкой 11"/>
+          <p:cNvCxnSpPr/>
+          <p:nvPr/>
+        </p:nvCxnSpPr>
+        <p:spPr>
+          <a:xfrm>
+            <a:off x="5145578" y="6251171"/>
+            <a:ext cx="1978429" cy="8313"/>
+          </a:xfrm>
+          <a:prstGeom prst="straightConnector1">
+            <a:avLst/>
+          </a:prstGeom>
+          <a:ln>
+            <a:tailEnd type="triangle"/>
+          </a:ln>
+        </p:spPr>
+        <p:style>
+          <a:lnRef idx="1">
+            <a:schemeClr val="accent1"/>
+          </a:lnRef>
+          <a:fillRef idx="0">
+            <a:schemeClr val="accent1"/>
+          </a:fillRef>
+          <a:effectRef idx="0">
+            <a:schemeClr val="accent1"/>
+          </a:effectRef>
+          <a:fontRef idx="minor">
+            <a:schemeClr val="tx1"/>
+          </a:fontRef>
+        </p:style>
+      </p:cxnSp>
+      <p:sp>
+        <p:nvSpPr>
+          <p:cNvPr id="13" name="TextBox 12"/>
+          <p:cNvSpPr txBox="1"/>
+          <p:nvPr/>
+        </p:nvSpPr>
+        <p:spPr>
+          <a:xfrm>
+            <a:off x="5203767" y="5881839"/>
+            <a:ext cx="1707519" cy="369332"/>
+          </a:xfrm>
+          <a:prstGeom prst="rect">
+            <a:avLst/>
+          </a:prstGeom>
+          <a:noFill/>
+        </p:spPr>
+        <p:txBody>
+          <a:bodyPr wrap="none" rtlCol="0">
+            <a:spAutoFit/>
+          </a:bodyPr>
+          <a:lstStyle/>
+          <a:p>
+            <a:r>
+              <a:rPr lang="ru-RU" dirty="0" smtClean="0"/>
+              <a:t>Узнать </a:t>
+            </a:r>
+            <a:r>
+              <a:rPr lang="ru-RU" dirty="0" smtClean="0"/>
+              <a:t>ответ…</a:t>
+            </a:r>
+            <a:endParaRPr lang="ru-RU" dirty="0"/>
+          </a:p>
+        </p:txBody>
+      </p:sp>
+    </p:spTree>
+    <p:extLst>
+      <p:ext uri="{BB962C8B-B14F-4D97-AF65-F5344CB8AC3E}">
+        <p14:creationId xmlns:p14="http://schemas.microsoft.com/office/powerpoint/2010/main" val="3288054502"/>
+      </p:ext>
+    </p:extLst>
+  </p:cSld>
+  <p:clrMapOvr>
+    <a:masterClrMapping/>
+  </p:clrMapOvr>
+  <mc:AlternateContent xmlns:mc="http://schemas.openxmlformats.org/markup-compatibility/2006">
+    <mc:Choice xmlns:p14="http://schemas.microsoft.com/office/powerpoint/2010/main" Requires="p14">
+      <p:transition spd="slow">
+        <p14:doors dir="vert"/>
+      </p:transition>
+    </mc:Choice>
+    <mc:Fallback>
+      <p:transition spd="slow">
+        <p:fade/>
+      </p:transition>
+    </mc:Fallback>
+  </mc:AlternateContent>
+  <p:timing>
+    <p:tnLst>
+      <p:par>
+        <p:cTn id="1" dur="indefinite" restart="never" nodeType="tmRoot"/>
+      </p:par>
+    </p:tnLst>
+  </p:timing>
+</p:sld>
+</file>
+
+<file path=ppt/slides/slide18.xml><?xml version="1.0" encoding="utf-8"?>
+<p:sld xmlns:a="http://schemas.openxmlformats.org/drawingml/2006/main" xmlns:r="http://schemas.openxmlformats.org/officeDocument/2006/relationships" xmlns:p="http://schemas.openxmlformats.org/presentationml/2006/main">
+  <p:cSld>
+    <p:spTree>
+      <p:nvGrpSpPr>
+        <p:cNvPr id="1" name=""/>
+        <p:cNvGrpSpPr/>
+        <p:nvPr/>
+      </p:nvGrpSpPr>
+      <p:grpSpPr>
+        <a:xfrm>
+          <a:off x="0" y="0"/>
+          <a:ext cx="0" cy="0"/>
+          <a:chOff x="0" y="0"/>
+          <a:chExt cx="0" cy="0"/>
+        </a:xfrm>
+      </p:grpSpPr>
+      <p:sp>
+        <p:nvSpPr>
+          <p:cNvPr id="4" name="Прямоугольник 3"/>
+          <p:cNvSpPr/>
+          <p:nvPr/>
+        </p:nvSpPr>
+        <p:spPr>
+          <a:xfrm>
+            <a:off x="516061" y="722899"/>
+            <a:ext cx="6654386" cy="923330"/>
+          </a:xfrm>
+          <a:prstGeom prst="rect">
+            <a:avLst/>
+          </a:prstGeom>
+          <a:noFill/>
+        </p:spPr>
+        <p:txBody>
+          <a:bodyPr wrap="none" lIns="91440" tIns="45720" rIns="91440" bIns="45720">
+            <a:spAutoFit/>
+          </a:bodyPr>
+          <a:lstStyle/>
+          <a:p>
+            <a:pPr algn="ctr"/>
+            <a:r>
+              <a:rPr lang="ru-RU" sz="5400" b="1" cap="none" spc="0" dirty="0" smtClean="0">
+                <a:ln w="9525">
+                  <a:solidFill>
+                    <a:schemeClr val="bg1"/>
+                  </a:solidFill>
+                  <a:prstDash val="solid"/>
+                </a:ln>
+                <a:solidFill>
+                  <a:schemeClr val="tx1"/>
+                </a:solidFill>
+                <a:effectLst>
+                  <a:outerShdw blurRad="12700" dist="38100" dir="2700000" algn="tl" rotWithShape="0">
+                    <a:schemeClr val="bg1">
+                      <a:lumMod val="50000"/>
+                    </a:schemeClr>
+                  </a:outerShdw>
+                </a:effectLst>
+              </a:rPr>
+              <a:t>Правильный ответ:</a:t>
+            </a:r>
+            <a:endParaRPr lang="ru-RU" sz="5400" b="1" cap="none" spc="0" dirty="0">
+              <a:ln w="9525">
+                <a:solidFill>
+                  <a:schemeClr val="bg1"/>
+                </a:solidFill>
+                <a:prstDash val="solid"/>
+              </a:ln>
+              <a:solidFill>
+                <a:schemeClr val="tx1"/>
+              </a:solidFill>
+              <a:effectLst>
+                <a:outerShdw blurRad="12700" dist="38100" dir="2700000" algn="tl" rotWithShape="0">
+                  <a:schemeClr val="bg1">
+                    <a:lumMod val="50000"/>
+                  </a:schemeClr>
+                </a:outerShdw>
+              </a:effectLst>
+            </a:endParaRPr>
+          </a:p>
+        </p:txBody>
+      </p:sp>
+      <p:sp>
+        <p:nvSpPr>
+          <p:cNvPr id="5" name="Прямоугольник 4"/>
+          <p:cNvSpPr/>
+          <p:nvPr/>
+        </p:nvSpPr>
+        <p:spPr>
+          <a:xfrm>
+            <a:off x="1487977" y="2377749"/>
+            <a:ext cx="6932815" cy="2246769"/>
+          </a:xfrm>
+          <a:prstGeom prst="rect">
+            <a:avLst/>
+          </a:prstGeom>
+          <a:noFill/>
+        </p:spPr>
+        <p:txBody>
+          <a:bodyPr wrap="square" lIns="91440" tIns="45720" rIns="91440" bIns="45720">
+            <a:spAutoFit/>
+          </a:bodyPr>
+          <a:lstStyle/>
+          <a:p>
+            <a:pPr algn="ctr"/>
+            <a:r>
+              <a:rPr lang="ru-RU" sz="2800" dirty="0"/>
+              <a:t>Миф — это </a:t>
+            </a:r>
+            <a:r>
+              <a:rPr lang="ru-RU" sz="2800" b="1" dirty="0"/>
+              <a:t>древнее народное сказание, передающее представления людей о происхождении мира, явлений природы, о богах и героях</a:t>
+            </a:r>
+            <a:r>
+              <a:rPr lang="ru-RU" sz="2800" dirty="0"/>
+              <a:t>.</a:t>
+            </a:r>
+            <a:endParaRPr lang="ru-RU" sz="2800" b="0" cap="none" spc="0" dirty="0">
+              <a:ln w="0"/>
+              <a:gradFill>
+                <a:gsLst>
+                  <a:gs pos="0">
+                    <a:schemeClr val="accent5">
+                      <a:lumMod val="50000"/>
+                    </a:schemeClr>
+                  </a:gs>
+                  <a:gs pos="50000">
+                    <a:schemeClr val="accent5"/>
+                  </a:gs>
+                  <a:gs pos="100000">
+                    <a:schemeClr val="accent5">
+                      <a:lumMod val="60000"/>
+                      <a:lumOff val="40000"/>
+                    </a:schemeClr>
+                  </a:gs>
+                </a:gsLst>
+                <a:lin ang="5400000"/>
+              </a:gradFill>
+              <a:effectLst>
+                <a:reflection blurRad="6350" stA="53000" endA="300" endPos="35500" dir="5400000" sy="-90000" algn="bl" rotWithShape="0"/>
+              </a:effectLst>
+            </a:endParaRPr>
+          </a:p>
+        </p:txBody>
+      </p:sp>
+      <p:sp>
+        <p:nvSpPr>
+          <p:cNvPr id="6" name="Овал 5">
+            <a:hlinkClick r:id="rId2" action="ppaction://hlinksldjump"/>
+          </p:cNvPr>
+          <p:cNvSpPr/>
+          <p:nvPr/>
+        </p:nvSpPr>
+        <p:spPr>
+          <a:xfrm>
+            <a:off x="4954385" y="5320145"/>
+            <a:ext cx="3117273" cy="781397"/>
+          </a:xfrm>
+          <a:prstGeom prst="ellipse">
+            <a:avLst/>
+          </a:prstGeom>
+        </p:spPr>
+        <p:style>
+          <a:lnRef idx="2">
+            <a:schemeClr val="accent1">
+              <a:shade val="50000"/>
+            </a:schemeClr>
+          </a:lnRef>
+          <a:fillRef idx="1">
+            <a:schemeClr val="accent1"/>
+          </a:fillRef>
+          <a:effectRef idx="0">
+            <a:schemeClr val="accent1"/>
+          </a:effectRef>
+          <a:fontRef idx="minor">
+            <a:schemeClr val="lt1"/>
+          </a:fontRef>
+        </p:style>
+        <p:txBody>
+          <a:bodyPr rtlCol="0" anchor="ctr"/>
+          <a:lstStyle/>
+          <a:p>
+            <a:pPr algn="ctr"/>
+            <a:r>
+              <a:rPr lang="ru-RU" sz="3600" dirty="0" smtClean="0"/>
+              <a:t>Назад</a:t>
+            </a:r>
+            <a:endParaRPr lang="ru-RU" sz="3600" dirty="0"/>
+          </a:p>
+        </p:txBody>
+      </p:sp>
+    </p:spTree>
+    <p:extLst>
+      <p:ext uri="{BB962C8B-B14F-4D97-AF65-F5344CB8AC3E}">
+        <p14:creationId xmlns:p14="http://schemas.microsoft.com/office/powerpoint/2010/main" val="3208222140"/>
+      </p:ext>
+    </p:extLst>
+  </p:cSld>
+  <p:clrMapOvr>
+    <a:masterClrMapping/>
+  </p:clrMapOvr>
+  <mc:AlternateContent xmlns:mc="http://schemas.openxmlformats.org/markup-compatibility/2006">
+    <mc:Choice xmlns:p14="http://schemas.microsoft.com/office/powerpoint/2010/main" Requires="p14">
+      <p:transition spd="slow">
+        <p14:ripple/>
+      </p:transition>
+    </mc:Choice>
+    <mc:Fallback>
+      <p:transition spd="slow">
+        <p:fade/>
+      </p:transition>
+    </mc:Fallback>
+  </mc:AlternateContent>
+  <p:timing>
+    <p:tnLst>
+      <p:par>
+        <p:cTn id="1" dur="indefinite" restart="never" nodeType="tmRoot"/>
+      </p:par>
+    </p:tnLst>
+  </p:timing>
+</p:sld>
+</file>
+
+<file path=ppt/slides/slide19.xml><?xml version="1.0" encoding="utf-8"?>
+<p:sld xmlns:a="http://schemas.openxmlformats.org/drawingml/2006/main" xmlns:r="http://schemas.openxmlformats.org/officeDocument/2006/relationships" xmlns:p="http://schemas.openxmlformats.org/presentationml/2006/main">
+  <p:cSld>
+    <p:spTree>
+      <p:nvGrpSpPr>
+        <p:cNvPr id="1" name=""/>
+        <p:cNvGrpSpPr/>
+        <p:nvPr/>
+      </p:nvGrpSpPr>
+      <p:grpSpPr>
+        <a:xfrm>
+          <a:off x="0" y="0"/>
+          <a:ext cx="0" cy="0"/>
+          <a:chOff x="0" y="0"/>
+          <a:chExt cx="0" cy="0"/>
+        </a:xfrm>
+      </p:grpSpPr>
+      <p:sp>
+        <p:nvSpPr>
+          <p:cNvPr id="10" name="TextBox 9"/>
+          <p:cNvSpPr txBox="1"/>
+          <p:nvPr/>
+        </p:nvSpPr>
+        <p:spPr>
+          <a:xfrm>
+            <a:off x="1679170" y="2582918"/>
+            <a:ext cx="7880466" cy="523220"/>
+          </a:xfrm>
+          <a:prstGeom prst="rect">
+            <a:avLst/>
+          </a:prstGeom>
+          <a:noFill/>
+        </p:spPr>
+        <p:txBody>
+          <a:bodyPr wrap="square" rtlCol="0">
+            <a:spAutoFit/>
+          </a:bodyPr>
+          <a:lstStyle/>
+          <a:p>
+            <a:r>
+              <a:rPr lang="ru-RU" sz="2800" b="1" i="1" dirty="0" smtClean="0"/>
+              <a:t>       Пословица - это…..</a:t>
+            </a:r>
+            <a:endParaRPr lang="ru-RU" sz="2800" b="1" i="1" dirty="0"/>
+          </a:p>
+        </p:txBody>
+      </p:sp>
+      <p:cxnSp>
+        <p:nvCxnSpPr>
+          <p:cNvPr id="12" name="Прямая со стрелкой 11"/>
+          <p:cNvCxnSpPr/>
+          <p:nvPr/>
+        </p:nvCxnSpPr>
+        <p:spPr>
+          <a:xfrm>
+            <a:off x="5145578" y="6251171"/>
+            <a:ext cx="1978429" cy="8313"/>
+          </a:xfrm>
+          <a:prstGeom prst="straightConnector1">
+            <a:avLst/>
+          </a:prstGeom>
+          <a:ln>
+            <a:tailEnd type="triangle"/>
+          </a:ln>
+        </p:spPr>
+        <p:style>
+          <a:lnRef idx="1">
+            <a:schemeClr val="accent1"/>
+          </a:lnRef>
+          <a:fillRef idx="0">
+            <a:schemeClr val="accent1"/>
+          </a:fillRef>
+          <a:effectRef idx="0">
+            <a:schemeClr val="accent1"/>
+          </a:effectRef>
+          <a:fontRef idx="minor">
+            <a:schemeClr val="tx1"/>
+          </a:fontRef>
+        </p:style>
+      </p:cxnSp>
+      <p:sp>
+        <p:nvSpPr>
+          <p:cNvPr id="13" name="TextBox 12"/>
+          <p:cNvSpPr txBox="1"/>
+          <p:nvPr/>
+        </p:nvSpPr>
+        <p:spPr>
+          <a:xfrm>
+            <a:off x="5203767" y="5881839"/>
+            <a:ext cx="1707519" cy="369332"/>
+          </a:xfrm>
+          <a:prstGeom prst="rect">
+            <a:avLst/>
+          </a:prstGeom>
+          <a:noFill/>
+        </p:spPr>
+        <p:txBody>
+          <a:bodyPr wrap="none" rtlCol="0">
+            <a:spAutoFit/>
+          </a:bodyPr>
+          <a:lstStyle/>
+          <a:p>
+            <a:r>
+              <a:rPr lang="ru-RU" dirty="0" smtClean="0"/>
+              <a:t>Узнать </a:t>
+            </a:r>
+            <a:r>
+              <a:rPr lang="ru-RU" dirty="0" smtClean="0"/>
+              <a:t>ответ…</a:t>
+            </a:r>
+            <a:endParaRPr lang="ru-RU" dirty="0"/>
+          </a:p>
+        </p:txBody>
+      </p:sp>
+    </p:spTree>
+    <p:extLst>
+      <p:ext uri="{BB962C8B-B14F-4D97-AF65-F5344CB8AC3E}">
+        <p14:creationId xmlns:p14="http://schemas.microsoft.com/office/powerpoint/2010/main" val="2838315790"/>
+      </p:ext>
+    </p:extLst>
+  </p:cSld>
+  <p:clrMapOvr>
+    <a:masterClrMapping/>
+  </p:clrMapOvr>
+  <mc:AlternateContent xmlns:mc="http://schemas.openxmlformats.org/markup-compatibility/2006">
+    <mc:Choice xmlns:p14="http://schemas.microsoft.com/office/powerpoint/2010/main" Requires="p14">
+      <p:transition spd="slow">
+        <p14:prism/>
       </p:transition>
     </mc:Choice>
     <mc:Fallback>
@@ -6175,8 +8517,8 @@
         </p:nvSpPr>
         <p:spPr>
           <a:xfrm>
-            <a:off x="322260" y="394392"/>
-            <a:ext cx="7411003" cy="4832092"/>
+            <a:off x="413700" y="0"/>
+            <a:ext cx="7843814" cy="6801862"/>
           </a:xfrm>
           <a:prstGeom prst="rect">
             <a:avLst/>
@@ -6190,7 +8532,7 @@
           <a:lstStyle/>
           <a:p>
             <a:r>
-              <a:rPr lang="ru-RU" sz="2800" b="1" dirty="0" smtClean="0">
+              <a:rPr lang="ru-RU" sz="2400" b="1" dirty="0" smtClean="0">
                 <a:ln w="9525">
                   <a:solidFill>
                     <a:schemeClr val="bg1"/>
@@ -6209,7 +8551,7 @@
             </a:r>
           </a:p>
           <a:p>
-            <a:endParaRPr lang="ru-RU" sz="2800" b="1" dirty="0" smtClean="0">
+            <a:endParaRPr lang="ru-RU" sz="2400" b="1" dirty="0" smtClean="0">
               <a:ln w="9525">
                 <a:solidFill>
                   <a:schemeClr val="bg1"/>
@@ -6227,7 +8569,7 @@
           </a:p>
           <a:p>
             <a:r>
-              <a:rPr lang="ru-RU" sz="2800" b="1" cap="none" spc="0" dirty="0" smtClean="0">
+              <a:rPr lang="ru-RU" sz="2400" b="1" cap="none" spc="0" dirty="0" smtClean="0">
                 <a:ln w="9525">
                   <a:solidFill>
                     <a:schemeClr val="bg1"/>
@@ -6245,11 +8587,95 @@
                   </a:outerShdw>
                 </a:effectLst>
               </a:rPr>
-              <a:t> 1.За шум на уроке -1 балл всей команде</a:t>
-            </a:r>
-          </a:p>
-          <a:p>
-            <a:endParaRPr lang="ru-RU" sz="2800" b="1" cap="none" spc="0" dirty="0" smtClean="0">
+              <a:t> 1</a:t>
+            </a:r>
+            <a:r>
+              <a:rPr lang="ru-RU" sz="2400" b="1" cap="none" spc="0" dirty="0" smtClean="0">
+                <a:ln w="9525">
+                  <a:solidFill>
+                    <a:schemeClr val="bg1"/>
+                  </a:solidFill>
+                  <a:prstDash val="solid"/>
+                </a:ln>
+                <a:solidFill>
+                  <a:schemeClr val="tx1"/>
+                </a:solidFill>
+                <a:effectLst>
+                  <a:outerShdw blurRad="12700" dist="38100" dir="2700000" algn="tl" rotWithShape="0">
+                    <a:schemeClr val="bg1">
+                      <a:lumMod val="50000"/>
+                    </a:schemeClr>
+                  </a:outerShdw>
+                </a:effectLst>
+              </a:rPr>
+              <a:t>. За </a:t>
+            </a:r>
+            <a:r>
+              <a:rPr lang="ru-RU" sz="2400" b="1" cap="none" spc="0" dirty="0" smtClean="0">
+                <a:ln w="9525">
+                  <a:solidFill>
+                    <a:schemeClr val="bg1"/>
+                  </a:solidFill>
+                  <a:prstDash val="solid"/>
+                </a:ln>
+                <a:solidFill>
+                  <a:schemeClr val="tx1"/>
+                </a:solidFill>
+                <a:effectLst>
+                  <a:outerShdw blurRad="12700" dist="38100" dir="2700000" algn="tl" rotWithShape="0">
+                    <a:schemeClr val="bg1">
+                      <a:lumMod val="50000"/>
+                    </a:schemeClr>
+                  </a:outerShdw>
+                </a:effectLst>
+              </a:rPr>
+              <a:t>шум на уроке </a:t>
+            </a:r>
+            <a:r>
+              <a:rPr lang="ru-RU" sz="2400" b="1" cap="none" spc="0" dirty="0" smtClean="0">
+                <a:ln w="9525">
+                  <a:solidFill>
+                    <a:schemeClr val="bg1"/>
+                  </a:solidFill>
+                  <a:prstDash val="solid"/>
+                </a:ln>
+                <a:solidFill>
+                  <a:schemeClr val="tx1"/>
+                </a:solidFill>
+                <a:effectLst>
+                  <a:outerShdw blurRad="12700" dist="38100" dir="2700000" algn="tl" rotWithShape="0">
+                    <a:schemeClr val="bg1">
+                      <a:lumMod val="50000"/>
+                    </a:schemeClr>
+                  </a:outerShdw>
+                </a:effectLst>
+              </a:rPr>
+              <a:t>-5 </a:t>
+            </a:r>
+            <a:r>
+              <a:rPr lang="ru-RU" sz="2400" b="1" cap="none" spc="0" dirty="0" smtClean="0">
+                <a:ln w="9525">
+                  <a:solidFill>
+                    <a:schemeClr val="bg1"/>
+                  </a:solidFill>
+                  <a:prstDash val="solid"/>
+                </a:ln>
+                <a:solidFill>
+                  <a:schemeClr val="tx1"/>
+                </a:solidFill>
+                <a:effectLst>
+                  <a:outerShdw blurRad="12700" dist="38100" dir="2700000" algn="tl" rotWithShape="0">
+                    <a:schemeClr val="bg1">
+                      <a:lumMod val="50000"/>
+                    </a:schemeClr>
+                  </a:outerShdw>
+                </a:effectLst>
+              </a:rPr>
+              <a:t>балл всей команде</a:t>
+            </a:r>
+          </a:p>
+          <a:p>
+            <a:endParaRPr lang="ru-RU" sz="2400" b="1" cap="none" spc="0" dirty="0" smtClean="0">
               <a:ln w="9525">
                 <a:solidFill>
                   <a:schemeClr val="bg1"/>
@@ -6270,7 +8696,7 @@
           </a:p>
           <a:p>
             <a:r>
-              <a:rPr lang="ru-RU" sz="2800" b="1" dirty="0">
+              <a:rPr lang="ru-RU" sz="2400" b="1" dirty="0">
                 <a:ln w="9525">
                   <a:solidFill>
                     <a:schemeClr val="bg1"/>
@@ -6285,10 +8711,10 @@
                   </a:outerShdw>
                 </a:effectLst>
               </a:rPr>
-              <a:t> 2</a:t>
-            </a:r>
-            <a:r>
-              <a:rPr lang="ru-RU" sz="2800" b="1" dirty="0" smtClean="0">
+              <a:t> </a:t>
+            </a:r>
+            <a:r>
+              <a:rPr lang="ru-RU" sz="2400" b="1" dirty="0" smtClean="0">
                 <a:ln w="9525">
                   <a:solidFill>
                     <a:schemeClr val="bg1"/>
@@ -6303,12 +8729,30 @@
                   </a:outerShdw>
                 </a:effectLst>
               </a:rPr>
-              <a:t>. Не выкрикивать ответ </a:t>
-            </a:r>
-          </a:p>
-          <a:p>
-            <a:r>
-              <a:rPr lang="ru-RU" sz="2800" b="1" dirty="0" smtClean="0">
+              <a:t>2. Не </a:t>
+            </a:r>
+            <a:r>
+              <a:rPr lang="ru-RU" sz="2400" b="1" dirty="0" smtClean="0">
+                <a:ln w="9525">
+                  <a:solidFill>
+                    <a:schemeClr val="bg1"/>
+                  </a:solidFill>
+                  <a:prstDash val="solid"/>
+                </a:ln>
+                <a:effectLst>
+                  <a:outerShdw blurRad="12700" dist="38100" dir="2700000" algn="tl" rotWithShape="0">
+                    <a:schemeClr val="bg1">
+                      <a:lumMod val="50000"/>
+                    </a:schemeClr>
+                  </a:outerShdw>
+                </a:effectLst>
+              </a:rPr>
+              <a:t>выкрикивать ответ </a:t>
+            </a:r>
+          </a:p>
+          <a:p>
+            <a:r>
+              <a:rPr lang="ru-RU" sz="2400" b="1" dirty="0" smtClean="0">
                 <a:ln w="9525">
                   <a:solidFill>
                     <a:schemeClr val="bg1"/>
@@ -6328,7 +8772,7 @@
           </a:p>
           <a:p>
             <a:r>
-              <a:rPr lang="ru-RU" sz="2800" b="1" dirty="0" smtClean="0">
+              <a:rPr lang="ru-RU" sz="2400" b="1" dirty="0" smtClean="0">
                 <a:ln w="9525">
                   <a:solidFill>
                     <a:schemeClr val="bg1"/>
@@ -6343,11 +8787,65 @@
                   </a:outerShdw>
                 </a:effectLst>
               </a:rPr>
-              <a:t>даже если ответ будет правильным)</a:t>
-            </a:r>
-          </a:p>
-          <a:p>
-            <a:endParaRPr lang="ru-RU" sz="2800" b="1" dirty="0" smtClean="0">
+              <a:t>даже если </a:t>
+            </a:r>
+            <a:r>
+              <a:rPr lang="ru-RU" sz="2400" b="1" dirty="0" smtClean="0">
+                <a:ln w="9525">
+                  <a:solidFill>
+                    <a:schemeClr val="bg1"/>
+                  </a:solidFill>
+                  <a:prstDash val="solid"/>
+                </a:ln>
+                <a:effectLst>
+                  <a:outerShdw blurRad="12700" dist="38100" dir="2700000" algn="tl" rotWithShape="0">
+                    <a:schemeClr val="bg1">
+                      <a:lumMod val="50000"/>
+                    </a:schemeClr>
+                  </a:outerShdw>
+                </a:effectLst>
+              </a:rPr>
+              <a:t>он </a:t>
+            </a:r>
+            <a:r>
+              <a:rPr lang="ru-RU" sz="2400" b="1" dirty="0" smtClean="0">
+                <a:ln w="9525">
+                  <a:solidFill>
+                    <a:schemeClr val="bg1"/>
+                  </a:solidFill>
+                  <a:prstDash val="solid"/>
+                </a:ln>
+                <a:effectLst>
+                  <a:outerShdw blurRad="12700" dist="38100" dir="2700000" algn="tl" rotWithShape="0">
+                    <a:schemeClr val="bg1">
+                      <a:lumMod val="50000"/>
+                    </a:schemeClr>
+                  </a:outerShdw>
+                </a:effectLst>
+              </a:rPr>
+              <a:t>будет </a:t>
+            </a:r>
+            <a:r>
+              <a:rPr lang="ru-RU" sz="2400" b="1" dirty="0" smtClean="0">
+                <a:ln w="9525">
+                  <a:solidFill>
+                    <a:schemeClr val="bg1"/>
+                  </a:solidFill>
+                  <a:prstDash val="solid"/>
+                </a:ln>
+                <a:effectLst>
+                  <a:outerShdw blurRad="12700" dist="38100" dir="2700000" algn="tl" rotWithShape="0">
+                    <a:schemeClr val="bg1">
+                      <a:lumMod val="50000"/>
+                    </a:schemeClr>
+                  </a:outerShdw>
+                </a:effectLst>
+              </a:rPr>
+              <a:t>правильным)</a:t>
+            </a:r>
+          </a:p>
+          <a:p>
+            <a:endParaRPr lang="ru-RU" sz="2400" b="1" dirty="0" smtClean="0">
               <a:ln w="9525">
                 <a:solidFill>
                   <a:schemeClr val="bg1"/>
@@ -6365,7 +8863,7 @@
           </a:p>
           <a:p>
             <a:r>
-              <a:rPr lang="ru-RU" sz="2800" b="1" cap="none" spc="0" dirty="0" smtClean="0">
+              <a:rPr lang="ru-RU" sz="2400" b="1" cap="none" spc="0" dirty="0" smtClean="0">
                 <a:ln w="9525">
                   <a:solidFill>
                     <a:schemeClr val="bg1"/>
@@ -6383,12 +8881,10 @@
                   </a:outerShdw>
                 </a:effectLst>
               </a:rPr>
-              <a:t> 3.Каждой команде на размышление </a:t>
-            </a:r>
-          </a:p>
-          <a:p>
-            <a:r>
-              <a:rPr lang="ru-RU" sz="2800" b="1" cap="none" spc="0" dirty="0" smtClean="0">
+              <a:t> 3</a:t>
+            </a:r>
+            <a:r>
+              <a:rPr lang="ru-RU" sz="2400" b="1" cap="none" spc="0" dirty="0" smtClean="0">
                 <a:ln w="9525">
                   <a:solidFill>
                     <a:schemeClr val="bg1"/>
@@ -6406,8 +8902,255 @@
                   </a:outerShdw>
                 </a:effectLst>
               </a:rPr>
-              <a:t>вопроса не более 20-25 секунд</a:t>
-            </a:r>
+              <a:t>. Каждой </a:t>
+            </a:r>
+            <a:r>
+              <a:rPr lang="ru-RU" sz="2400" b="1" cap="none" spc="0" dirty="0" smtClean="0">
+                <a:ln w="9525">
+                  <a:solidFill>
+                    <a:schemeClr val="bg1"/>
+                  </a:solidFill>
+                  <a:prstDash val="solid"/>
+                </a:ln>
+                <a:solidFill>
+                  <a:schemeClr val="tx1"/>
+                </a:solidFill>
+                <a:effectLst>
+                  <a:outerShdw blurRad="12700" dist="38100" dir="2700000" algn="tl" rotWithShape="0">
+                    <a:schemeClr val="bg1">
+                      <a:lumMod val="50000"/>
+                    </a:schemeClr>
+                  </a:outerShdw>
+                </a:effectLst>
+              </a:rPr>
+              <a:t>команде на размышление </a:t>
+            </a:r>
+          </a:p>
+          <a:p>
+            <a:r>
+              <a:rPr lang="ru-RU" sz="2400" b="1" cap="none" spc="0" dirty="0" smtClean="0">
+                <a:ln w="9525">
+                  <a:solidFill>
+                    <a:schemeClr val="bg1"/>
+                  </a:solidFill>
+                  <a:prstDash val="solid"/>
+                </a:ln>
+                <a:solidFill>
+                  <a:schemeClr val="tx1"/>
+                </a:solidFill>
+                <a:effectLst>
+                  <a:outerShdw blurRad="12700" dist="38100" dir="2700000" algn="tl" rotWithShape="0">
+                    <a:schemeClr val="bg1">
+                      <a:lumMod val="50000"/>
+                    </a:schemeClr>
+                  </a:outerShdw>
+                </a:effectLst>
+              </a:rPr>
+              <a:t>даётся </a:t>
+            </a:r>
+            <a:r>
+              <a:rPr lang="ru-RU" sz="2400" b="1" cap="none" spc="0" dirty="0" smtClean="0">
+                <a:ln w="9525">
+                  <a:solidFill>
+                    <a:schemeClr val="bg1"/>
+                  </a:solidFill>
+                  <a:prstDash val="solid"/>
+                </a:ln>
+                <a:solidFill>
+                  <a:schemeClr val="tx1"/>
+                </a:solidFill>
+                <a:effectLst>
+                  <a:outerShdw blurRad="12700" dist="38100" dir="2700000" algn="tl" rotWithShape="0">
+                    <a:schemeClr val="bg1">
+                      <a:lumMod val="50000"/>
+                    </a:schemeClr>
+                  </a:outerShdw>
+                </a:effectLst>
+              </a:rPr>
+              <a:t>не более </a:t>
+            </a:r>
+            <a:r>
+              <a:rPr lang="ru-RU" sz="2400" b="1" cap="none" spc="0" dirty="0" smtClean="0">
+                <a:ln w="9525">
+                  <a:solidFill>
+                    <a:schemeClr val="bg1"/>
+                  </a:solidFill>
+                  <a:prstDash val="solid"/>
+                </a:ln>
+                <a:solidFill>
+                  <a:schemeClr val="tx1"/>
+                </a:solidFill>
+                <a:effectLst>
+                  <a:outerShdw blurRad="12700" dist="38100" dir="2700000" algn="tl" rotWithShape="0">
+                    <a:schemeClr val="bg1">
+                      <a:lumMod val="50000"/>
+                    </a:schemeClr>
+                  </a:outerShdw>
+                </a:effectLst>
+              </a:rPr>
+              <a:t>25-30 секунд</a:t>
+            </a:r>
+          </a:p>
+          <a:p>
+            <a:endParaRPr lang="ru-RU" sz="2400" b="1" dirty="0">
+              <a:ln w="9525">
+                <a:solidFill>
+                  <a:schemeClr val="bg1"/>
+                </a:solidFill>
+                <a:prstDash val="solid"/>
+              </a:ln>
+              <a:effectLst>
+                <a:outerShdw blurRad="12700" dist="38100" dir="2700000" algn="tl" rotWithShape="0">
+                  <a:schemeClr val="bg1">
+                    <a:lumMod val="50000"/>
+                  </a:schemeClr>
+                </a:outerShdw>
+              </a:effectLst>
+            </a:endParaRPr>
+          </a:p>
+          <a:p>
+            <a:r>
+              <a:rPr lang="ru-RU" sz="2400" b="1" cap="none" spc="0" dirty="0" smtClean="0">
+                <a:ln w="9525">
+                  <a:solidFill>
+                    <a:schemeClr val="bg1"/>
+                  </a:solidFill>
+                  <a:prstDash val="solid"/>
+                </a:ln>
+                <a:solidFill>
+                  <a:schemeClr val="tx1"/>
+                </a:solidFill>
+                <a:effectLst>
+                  <a:outerShdw blurRad="12700" dist="38100" dir="2700000" algn="tl" rotWithShape="0">
+                    <a:schemeClr val="bg1">
+                      <a:lumMod val="50000"/>
+                    </a:schemeClr>
+                  </a:outerShdw>
+                </a:effectLst>
+              </a:rPr>
+              <a:t> 4. Если команда не угадывает, другая не может </a:t>
+            </a:r>
+          </a:p>
+          <a:p>
+            <a:r>
+              <a:rPr lang="ru-RU" sz="2400" b="1" cap="none" spc="0" dirty="0" smtClean="0">
+                <a:ln w="9525">
+                  <a:solidFill>
+                    <a:schemeClr val="bg1"/>
+                  </a:solidFill>
+                  <a:prstDash val="solid"/>
+                </a:ln>
+                <a:solidFill>
+                  <a:schemeClr val="tx1"/>
+                </a:solidFill>
+                <a:effectLst>
+                  <a:outerShdw blurRad="12700" dist="38100" dir="2700000" algn="tl" rotWithShape="0">
+                    <a:schemeClr val="bg1">
+                      <a:lumMod val="50000"/>
+                    </a:schemeClr>
+                  </a:outerShdw>
+                </a:effectLst>
+              </a:rPr>
+              <a:t>       ответить за них</a:t>
+            </a:r>
+          </a:p>
+          <a:p>
+            <a:endParaRPr lang="ru-RU" sz="2400" b="1" cap="none" spc="0" dirty="0" smtClean="0">
+              <a:ln w="9525">
+                <a:solidFill>
+                  <a:schemeClr val="bg1"/>
+                </a:solidFill>
+                <a:prstDash val="solid"/>
+              </a:ln>
+              <a:solidFill>
+                <a:schemeClr val="tx1"/>
+              </a:solidFill>
+              <a:effectLst>
+                <a:outerShdw blurRad="12700" dist="38100" dir="2700000" algn="tl" rotWithShape="0">
+                  <a:schemeClr val="bg1">
+                    <a:lumMod val="50000"/>
+                  </a:schemeClr>
+                </a:outerShdw>
+              </a:effectLst>
+            </a:endParaRPr>
+          </a:p>
+          <a:p>
+            <a:r>
+              <a:rPr lang="ru-RU" sz="2400" b="1" dirty="0" smtClean="0">
+                <a:ln w="9525">
+                  <a:solidFill>
+                    <a:schemeClr val="bg1"/>
+                  </a:solidFill>
+                  <a:prstDash val="solid"/>
+                </a:ln>
+                <a:effectLst>
+                  <a:outerShdw blurRad="12700" dist="38100" dir="2700000" algn="tl" rotWithShape="0">
+                    <a:schemeClr val="bg1">
+                      <a:lumMod val="50000"/>
+                    </a:schemeClr>
+                  </a:outerShdw>
+                </a:effectLst>
+              </a:rPr>
+              <a:t>5. Каждое правильное задание +3б.</a:t>
+            </a:r>
+          </a:p>
+          <a:p>
+            <a:endParaRPr lang="ru-RU" sz="2400" b="1" cap="none" spc="0" dirty="0">
+              <a:ln w="9525">
+                <a:solidFill>
+                  <a:schemeClr val="bg1"/>
+                </a:solidFill>
+                <a:prstDash val="solid"/>
+              </a:ln>
+              <a:solidFill>
+                <a:schemeClr val="tx1"/>
+              </a:solidFill>
+              <a:effectLst>
+                <a:outerShdw blurRad="12700" dist="38100" dir="2700000" algn="tl" rotWithShape="0">
+                  <a:schemeClr val="bg1">
+                    <a:lumMod val="50000"/>
+                  </a:schemeClr>
+                </a:outerShdw>
+              </a:effectLst>
+            </a:endParaRPr>
+          </a:p>
+          <a:p>
+            <a:r>
+              <a:rPr lang="ru-RU" sz="2400" b="1" dirty="0" smtClean="0">
+                <a:ln w="9525">
+                  <a:solidFill>
+                    <a:schemeClr val="bg1"/>
+                  </a:solidFill>
+                  <a:prstDash val="solid"/>
+                </a:ln>
+                <a:effectLst>
+                  <a:outerShdw blurRad="12700" dist="38100" dir="2700000" algn="tl" rotWithShape="0">
+                    <a:schemeClr val="bg1">
+                      <a:lumMod val="50000"/>
+                    </a:schemeClr>
+                  </a:outerShdw>
+                </a:effectLst>
+              </a:rPr>
+              <a:t>6. Учебниками можно пользоваться</a:t>
+            </a:r>
+            <a:endParaRPr lang="ru-RU" sz="2400" b="1" cap="none" spc="0" dirty="0" smtClean="0">
+              <a:ln w="9525">
+                <a:solidFill>
+                  <a:schemeClr val="bg1"/>
+                </a:solidFill>
+                <a:prstDash val="solid"/>
+              </a:ln>
+              <a:solidFill>
+                <a:schemeClr val="tx1"/>
+              </a:solidFill>
+              <a:effectLst>
+                <a:outerShdw blurRad="12700" dist="38100" dir="2700000" algn="tl" rotWithShape="0">
+                  <a:schemeClr val="bg1">
+                    <a:lumMod val="50000"/>
+                  </a:schemeClr>
+                </a:outerShdw>
+              </a:effectLst>
+            </a:endParaRPr>
           </a:p>
           <a:p>
             <a:pPr algn="ctr"/>
@@ -6432,6 +9175,69 @@
           </a:p>
         </p:txBody>
       </p:sp>
+      <p:cxnSp>
+        <p:nvCxnSpPr>
+          <p:cNvPr id="3" name="Прямая со стрелкой 2"/>
+          <p:cNvCxnSpPr/>
+          <p:nvPr/>
+        </p:nvCxnSpPr>
+        <p:spPr>
+          <a:xfrm>
+            <a:off x="6798472" y="6565001"/>
+            <a:ext cx="1978429" cy="8313"/>
+          </a:xfrm>
+          <a:prstGeom prst="straightConnector1">
+            <a:avLst/>
+          </a:prstGeom>
+          <a:ln>
+            <a:tailEnd type="triangle"/>
+          </a:ln>
+        </p:spPr>
+        <p:style>
+          <a:lnRef idx="1">
+            <a:schemeClr val="accent1"/>
+          </a:lnRef>
+          <a:fillRef idx="0">
+            <a:schemeClr val="accent1"/>
+          </a:fillRef>
+          <a:effectRef idx="0">
+            <a:schemeClr val="accent1"/>
+          </a:effectRef>
+          <a:fontRef idx="minor">
+            <a:schemeClr val="tx1"/>
+          </a:fontRef>
+        </p:style>
+      </p:cxnSp>
+      <p:sp>
+        <p:nvSpPr>
+          <p:cNvPr id="4" name="TextBox 3"/>
+          <p:cNvSpPr txBox="1"/>
+          <p:nvPr/>
+        </p:nvSpPr>
+        <p:spPr>
+          <a:xfrm>
+            <a:off x="7171974" y="6220608"/>
+            <a:ext cx="1231427" cy="369332"/>
+          </a:xfrm>
+          <a:prstGeom prst="rect">
+            <a:avLst/>
+          </a:prstGeom>
+          <a:noFill/>
+        </p:spPr>
+        <p:txBody>
+          <a:bodyPr wrap="none" rtlCol="0">
+            <a:spAutoFit/>
+          </a:bodyPr>
+          <a:lstStyle/>
+          <a:p>
+            <a:r>
+              <a:rPr lang="ru-RU" dirty="0" smtClean="0"/>
+              <a:t>Поехали! </a:t>
+            </a:r>
+            <a:endParaRPr lang="ru-RU" dirty="0"/>
+          </a:p>
+        </p:txBody>
+      </p:sp>
     </p:spTree>
     <p:extLst>
       <p:ext uri="{BB962C8B-B14F-4D97-AF65-F5344CB8AC3E}">
@@ -6445,6 +9251,2301 @@
   <p:transition spd="slow">
     <p:push dir="u"/>
   </p:transition>
+  <p:timing>
+    <p:tnLst>
+      <p:par>
+        <p:cTn id="1" dur="indefinite" restart="never" nodeType="tmRoot"/>
+      </p:par>
+    </p:tnLst>
+  </p:timing>
+</p:sld>
+</file>
+
+<file path=ppt/slides/slide20.xml><?xml version="1.0" encoding="utf-8"?>
+<p:sld xmlns:a="http://schemas.openxmlformats.org/drawingml/2006/main" xmlns:r="http://schemas.openxmlformats.org/officeDocument/2006/relationships" xmlns:p="http://schemas.openxmlformats.org/presentationml/2006/main">
+  <p:cSld>
+    <p:spTree>
+      <p:nvGrpSpPr>
+        <p:cNvPr id="1" name=""/>
+        <p:cNvGrpSpPr/>
+        <p:nvPr/>
+      </p:nvGrpSpPr>
+      <p:grpSpPr>
+        <a:xfrm>
+          <a:off x="0" y="0"/>
+          <a:ext cx="0" cy="0"/>
+          <a:chOff x="0" y="0"/>
+          <a:chExt cx="0" cy="0"/>
+        </a:xfrm>
+      </p:grpSpPr>
+      <p:sp>
+        <p:nvSpPr>
+          <p:cNvPr id="4" name="Прямоугольник 3"/>
+          <p:cNvSpPr/>
+          <p:nvPr/>
+        </p:nvSpPr>
+        <p:spPr>
+          <a:xfrm>
+            <a:off x="516061" y="722899"/>
+            <a:ext cx="6654386" cy="923330"/>
+          </a:xfrm>
+          <a:prstGeom prst="rect">
+            <a:avLst/>
+          </a:prstGeom>
+          <a:noFill/>
+        </p:spPr>
+        <p:txBody>
+          <a:bodyPr wrap="none" lIns="91440" tIns="45720" rIns="91440" bIns="45720">
+            <a:spAutoFit/>
+          </a:bodyPr>
+          <a:lstStyle/>
+          <a:p>
+            <a:pPr algn="ctr"/>
+            <a:r>
+              <a:rPr lang="ru-RU" sz="5400" b="1" cap="none" spc="0" dirty="0" smtClean="0">
+                <a:ln w="9525">
+                  <a:solidFill>
+                    <a:schemeClr val="bg1"/>
+                  </a:solidFill>
+                  <a:prstDash val="solid"/>
+                </a:ln>
+                <a:solidFill>
+                  <a:schemeClr val="tx1"/>
+                </a:solidFill>
+                <a:effectLst>
+                  <a:outerShdw blurRad="12700" dist="38100" dir="2700000" algn="tl" rotWithShape="0">
+                    <a:schemeClr val="bg1">
+                      <a:lumMod val="50000"/>
+                    </a:schemeClr>
+                  </a:outerShdw>
+                </a:effectLst>
+              </a:rPr>
+              <a:t>Правильный ответ:</a:t>
+            </a:r>
+            <a:endParaRPr lang="ru-RU" sz="5400" b="1" cap="none" spc="0" dirty="0">
+              <a:ln w="9525">
+                <a:solidFill>
+                  <a:schemeClr val="bg1"/>
+                </a:solidFill>
+                <a:prstDash val="solid"/>
+              </a:ln>
+              <a:solidFill>
+                <a:schemeClr val="tx1"/>
+              </a:solidFill>
+              <a:effectLst>
+                <a:outerShdw blurRad="12700" dist="38100" dir="2700000" algn="tl" rotWithShape="0">
+                  <a:schemeClr val="bg1">
+                    <a:lumMod val="50000"/>
+                  </a:schemeClr>
+                </a:outerShdw>
+              </a:effectLst>
+            </a:endParaRPr>
+          </a:p>
+        </p:txBody>
+      </p:sp>
+      <p:sp>
+        <p:nvSpPr>
+          <p:cNvPr id="5" name="Прямоугольник 4"/>
+          <p:cNvSpPr/>
+          <p:nvPr/>
+        </p:nvSpPr>
+        <p:spPr>
+          <a:xfrm>
+            <a:off x="1487977" y="2377749"/>
+            <a:ext cx="6932815" cy="1569660"/>
+          </a:xfrm>
+          <a:prstGeom prst="rect">
+            <a:avLst/>
+          </a:prstGeom>
+          <a:noFill/>
+        </p:spPr>
+        <p:txBody>
+          <a:bodyPr wrap="square" lIns="91440" tIns="45720" rIns="91440" bIns="45720">
+            <a:spAutoFit/>
+          </a:bodyPr>
+          <a:lstStyle/>
+          <a:p>
+            <a:pPr algn="ctr"/>
+            <a:r>
+              <a:rPr lang="ru-RU" sz="3200" dirty="0" smtClean="0"/>
+              <a:t>Пословица </a:t>
+            </a:r>
+            <a:r>
+              <a:rPr lang="ru-RU" sz="3200" dirty="0"/>
+              <a:t>— это </a:t>
+            </a:r>
+            <a:r>
+              <a:rPr lang="ru-RU" sz="3200" b="1" dirty="0" smtClean="0"/>
+              <a:t>краткое мудрое изречение, содержащее законченную мысль</a:t>
+            </a:r>
+            <a:endParaRPr lang="ru-RU" sz="3200" b="0" cap="none" spc="0" dirty="0">
+              <a:ln w="0"/>
+              <a:gradFill>
+                <a:gsLst>
+                  <a:gs pos="0">
+                    <a:schemeClr val="accent5">
+                      <a:lumMod val="50000"/>
+                    </a:schemeClr>
+                  </a:gs>
+                  <a:gs pos="50000">
+                    <a:schemeClr val="accent5"/>
+                  </a:gs>
+                  <a:gs pos="100000">
+                    <a:schemeClr val="accent5">
+                      <a:lumMod val="60000"/>
+                      <a:lumOff val="40000"/>
+                    </a:schemeClr>
+                  </a:gs>
+                </a:gsLst>
+                <a:lin ang="5400000"/>
+              </a:gradFill>
+              <a:effectLst>
+                <a:reflection blurRad="6350" stA="53000" endA="300" endPos="35500" dir="5400000" sy="-90000" algn="bl" rotWithShape="0"/>
+              </a:effectLst>
+            </a:endParaRPr>
+          </a:p>
+        </p:txBody>
+      </p:sp>
+      <p:sp>
+        <p:nvSpPr>
+          <p:cNvPr id="6" name="Овал 5">
+            <a:hlinkClick r:id="rId2" action="ppaction://hlinksldjump"/>
+          </p:cNvPr>
+          <p:cNvSpPr/>
+          <p:nvPr/>
+        </p:nvSpPr>
+        <p:spPr>
+          <a:xfrm>
+            <a:off x="4954385" y="5320145"/>
+            <a:ext cx="3117273" cy="781397"/>
+          </a:xfrm>
+          <a:prstGeom prst="ellipse">
+            <a:avLst/>
+          </a:prstGeom>
+        </p:spPr>
+        <p:style>
+          <a:lnRef idx="2">
+            <a:schemeClr val="accent1">
+              <a:shade val="50000"/>
+            </a:schemeClr>
+          </a:lnRef>
+          <a:fillRef idx="1">
+            <a:schemeClr val="accent1"/>
+          </a:fillRef>
+          <a:effectRef idx="0">
+            <a:schemeClr val="accent1"/>
+          </a:effectRef>
+          <a:fontRef idx="minor">
+            <a:schemeClr val="lt1"/>
+          </a:fontRef>
+        </p:style>
+        <p:txBody>
+          <a:bodyPr rtlCol="0" anchor="ctr"/>
+          <a:lstStyle/>
+          <a:p>
+            <a:pPr algn="ctr"/>
+            <a:r>
+              <a:rPr lang="ru-RU" sz="3600" dirty="0" smtClean="0"/>
+              <a:t>Назад</a:t>
+            </a:r>
+            <a:endParaRPr lang="ru-RU" sz="3600" dirty="0"/>
+          </a:p>
+        </p:txBody>
+      </p:sp>
+    </p:spTree>
+    <p:extLst>
+      <p:ext uri="{BB962C8B-B14F-4D97-AF65-F5344CB8AC3E}">
+        <p14:creationId xmlns:p14="http://schemas.microsoft.com/office/powerpoint/2010/main" val="2383407909"/>
+      </p:ext>
+    </p:extLst>
+  </p:cSld>
+  <p:clrMapOvr>
+    <a:masterClrMapping/>
+  </p:clrMapOvr>
+  <p:transition spd="slow">
+    <p:blinds dir="vert"/>
+  </p:transition>
+  <p:timing>
+    <p:tnLst>
+      <p:par>
+        <p:cTn id="1" dur="indefinite" restart="never" nodeType="tmRoot"/>
+      </p:par>
+    </p:tnLst>
+  </p:timing>
+</p:sld>
+</file>
+
+<file path=ppt/slides/slide21.xml><?xml version="1.0" encoding="utf-8"?>
+<p:sld xmlns:a="http://schemas.openxmlformats.org/drawingml/2006/main" xmlns:r="http://schemas.openxmlformats.org/officeDocument/2006/relationships" xmlns:p="http://schemas.openxmlformats.org/presentationml/2006/main">
+  <p:cSld>
+    <p:spTree>
+      <p:nvGrpSpPr>
+        <p:cNvPr id="1" name=""/>
+        <p:cNvGrpSpPr/>
+        <p:nvPr/>
+      </p:nvGrpSpPr>
+      <p:grpSpPr>
+        <a:xfrm>
+          <a:off x="0" y="0"/>
+          <a:ext cx="0" cy="0"/>
+          <a:chOff x="0" y="0"/>
+          <a:chExt cx="0" cy="0"/>
+        </a:xfrm>
+      </p:grpSpPr>
+      <p:sp>
+        <p:nvSpPr>
+          <p:cNvPr id="10" name="TextBox 9"/>
+          <p:cNvSpPr txBox="1"/>
+          <p:nvPr/>
+        </p:nvSpPr>
+        <p:spPr>
+          <a:xfrm>
+            <a:off x="706581" y="1743333"/>
+            <a:ext cx="7880466" cy="2339102"/>
+          </a:xfrm>
+          <a:prstGeom prst="rect">
+            <a:avLst/>
+          </a:prstGeom>
+          <a:noFill/>
+        </p:spPr>
+        <p:txBody>
+          <a:bodyPr wrap="square" rtlCol="0">
+            <a:spAutoFit/>
+          </a:bodyPr>
+          <a:lstStyle/>
+          <a:p>
+            <a:r>
+              <a:rPr lang="ru-RU" sz="2800" b="1" i="1" dirty="0" smtClean="0"/>
+              <a:t>       Определите название произведения:</a:t>
+            </a:r>
+          </a:p>
+          <a:p>
+            <a:endParaRPr lang="ru-RU" sz="2800" b="1" i="1" dirty="0"/>
+          </a:p>
+          <a:p>
+            <a:pPr lvl="2"/>
+            <a:r>
+              <a:rPr lang="ru-RU" dirty="0" smtClean="0"/>
+              <a:t>Мы </a:t>
+            </a:r>
+            <a:r>
+              <a:rPr lang="ru-RU" dirty="0"/>
+              <a:t>сразу по его голосу поняли, до чего это был фальшивый и никудышный подвиг, потому что, если бы Гераклу понадобилось совершить тринадцать подвигов, он бы сам их совершил, а раз он остановился на двенадцати, значит, так оно и надо было и нечего было лезть со своими поправками.</a:t>
+            </a:r>
+            <a:endParaRPr lang="ru-RU" sz="2800" b="1" i="1" dirty="0"/>
+          </a:p>
+        </p:txBody>
+      </p:sp>
+      <p:cxnSp>
+        <p:nvCxnSpPr>
+          <p:cNvPr id="12" name="Прямая со стрелкой 11"/>
+          <p:cNvCxnSpPr/>
+          <p:nvPr/>
+        </p:nvCxnSpPr>
+        <p:spPr>
+          <a:xfrm>
+            <a:off x="5145578" y="6251171"/>
+            <a:ext cx="1978429" cy="8313"/>
+          </a:xfrm>
+          <a:prstGeom prst="straightConnector1">
+            <a:avLst/>
+          </a:prstGeom>
+          <a:ln>
+            <a:tailEnd type="triangle"/>
+          </a:ln>
+        </p:spPr>
+        <p:style>
+          <a:lnRef idx="1">
+            <a:schemeClr val="accent1"/>
+          </a:lnRef>
+          <a:fillRef idx="0">
+            <a:schemeClr val="accent1"/>
+          </a:fillRef>
+          <a:effectRef idx="0">
+            <a:schemeClr val="accent1"/>
+          </a:effectRef>
+          <a:fontRef idx="minor">
+            <a:schemeClr val="tx1"/>
+          </a:fontRef>
+        </p:style>
+      </p:cxnSp>
+      <p:sp>
+        <p:nvSpPr>
+          <p:cNvPr id="13" name="TextBox 12"/>
+          <p:cNvSpPr txBox="1"/>
+          <p:nvPr/>
+        </p:nvSpPr>
+        <p:spPr>
+          <a:xfrm>
+            <a:off x="5203767" y="5881839"/>
+            <a:ext cx="1707519" cy="369332"/>
+          </a:xfrm>
+          <a:prstGeom prst="rect">
+            <a:avLst/>
+          </a:prstGeom>
+          <a:noFill/>
+        </p:spPr>
+        <p:txBody>
+          <a:bodyPr wrap="none" rtlCol="0">
+            <a:spAutoFit/>
+          </a:bodyPr>
+          <a:lstStyle/>
+          <a:p>
+            <a:r>
+              <a:rPr lang="ru-RU" dirty="0" smtClean="0"/>
+              <a:t>Узнать </a:t>
+            </a:r>
+            <a:r>
+              <a:rPr lang="ru-RU" dirty="0" smtClean="0"/>
+              <a:t>ответ…</a:t>
+            </a:r>
+            <a:endParaRPr lang="ru-RU" dirty="0"/>
+          </a:p>
+        </p:txBody>
+      </p:sp>
+    </p:spTree>
+    <p:extLst>
+      <p:ext uri="{BB962C8B-B14F-4D97-AF65-F5344CB8AC3E}">
+        <p14:creationId xmlns:p14="http://schemas.microsoft.com/office/powerpoint/2010/main" val="3036279760"/>
+      </p:ext>
+    </p:extLst>
+  </p:cSld>
+  <p:clrMapOvr>
+    <a:masterClrMapping/>
+  </p:clrMapOvr>
+  <mc:AlternateContent xmlns:mc="http://schemas.openxmlformats.org/markup-compatibility/2006">
+    <mc:Choice xmlns:p14="http://schemas.microsoft.com/office/powerpoint/2010/main" Requires="p14">
+      <p:transition spd="slow">
+        <p14:conveyor dir="l"/>
+      </p:transition>
+    </mc:Choice>
+    <mc:Fallback>
+      <p:transition spd="slow">
+        <p:fade/>
+      </p:transition>
+    </mc:Fallback>
+  </mc:AlternateContent>
+  <p:timing>
+    <p:tnLst>
+      <p:par>
+        <p:cTn id="1" dur="indefinite" restart="never" nodeType="tmRoot"/>
+      </p:par>
+    </p:tnLst>
+  </p:timing>
+</p:sld>
+</file>
+
+<file path=ppt/slides/slide22.xml><?xml version="1.0" encoding="utf-8"?>
+<p:sld xmlns:a="http://schemas.openxmlformats.org/drawingml/2006/main" xmlns:r="http://schemas.openxmlformats.org/officeDocument/2006/relationships" xmlns:p="http://schemas.openxmlformats.org/presentationml/2006/main">
+  <p:cSld>
+    <p:spTree>
+      <p:nvGrpSpPr>
+        <p:cNvPr id="1" name=""/>
+        <p:cNvGrpSpPr/>
+        <p:nvPr/>
+      </p:nvGrpSpPr>
+      <p:grpSpPr>
+        <a:xfrm>
+          <a:off x="0" y="0"/>
+          <a:ext cx="0" cy="0"/>
+          <a:chOff x="0" y="0"/>
+          <a:chExt cx="0" cy="0"/>
+        </a:xfrm>
+      </p:grpSpPr>
+      <p:sp>
+        <p:nvSpPr>
+          <p:cNvPr id="4" name="Прямоугольник 3"/>
+          <p:cNvSpPr/>
+          <p:nvPr/>
+        </p:nvSpPr>
+        <p:spPr>
+          <a:xfrm>
+            <a:off x="516061" y="722899"/>
+            <a:ext cx="6654386" cy="923330"/>
+          </a:xfrm>
+          <a:prstGeom prst="rect">
+            <a:avLst/>
+          </a:prstGeom>
+          <a:noFill/>
+        </p:spPr>
+        <p:txBody>
+          <a:bodyPr wrap="none" lIns="91440" tIns="45720" rIns="91440" bIns="45720">
+            <a:spAutoFit/>
+          </a:bodyPr>
+          <a:lstStyle/>
+          <a:p>
+            <a:pPr algn="ctr"/>
+            <a:r>
+              <a:rPr lang="ru-RU" sz="5400" b="1" cap="none" spc="0" dirty="0" smtClean="0">
+                <a:ln w="9525">
+                  <a:solidFill>
+                    <a:schemeClr val="bg1"/>
+                  </a:solidFill>
+                  <a:prstDash val="solid"/>
+                </a:ln>
+                <a:solidFill>
+                  <a:schemeClr val="tx1"/>
+                </a:solidFill>
+                <a:effectLst>
+                  <a:outerShdw blurRad="12700" dist="38100" dir="2700000" algn="tl" rotWithShape="0">
+                    <a:schemeClr val="bg1">
+                      <a:lumMod val="50000"/>
+                    </a:schemeClr>
+                  </a:outerShdw>
+                </a:effectLst>
+              </a:rPr>
+              <a:t>Правильный ответ:</a:t>
+            </a:r>
+            <a:endParaRPr lang="ru-RU" sz="5400" b="1" cap="none" spc="0" dirty="0">
+              <a:ln w="9525">
+                <a:solidFill>
+                  <a:schemeClr val="bg1"/>
+                </a:solidFill>
+                <a:prstDash val="solid"/>
+              </a:ln>
+              <a:solidFill>
+                <a:schemeClr val="tx1"/>
+              </a:solidFill>
+              <a:effectLst>
+                <a:outerShdw blurRad="12700" dist="38100" dir="2700000" algn="tl" rotWithShape="0">
+                  <a:schemeClr val="bg1">
+                    <a:lumMod val="50000"/>
+                  </a:schemeClr>
+                </a:outerShdw>
+              </a:effectLst>
+            </a:endParaRPr>
+          </a:p>
+        </p:txBody>
+      </p:sp>
+      <p:sp>
+        <p:nvSpPr>
+          <p:cNvPr id="6" name="Овал 5">
+            <a:hlinkClick r:id="rId2" action="ppaction://hlinksldjump"/>
+          </p:cNvPr>
+          <p:cNvSpPr/>
+          <p:nvPr/>
+        </p:nvSpPr>
+        <p:spPr>
+          <a:xfrm>
+            <a:off x="4954385" y="5320145"/>
+            <a:ext cx="3117273" cy="781397"/>
+          </a:xfrm>
+          <a:prstGeom prst="ellipse">
+            <a:avLst/>
+          </a:prstGeom>
+        </p:spPr>
+        <p:style>
+          <a:lnRef idx="2">
+            <a:schemeClr val="accent1">
+              <a:shade val="50000"/>
+            </a:schemeClr>
+          </a:lnRef>
+          <a:fillRef idx="1">
+            <a:schemeClr val="accent1"/>
+          </a:fillRef>
+          <a:effectRef idx="0">
+            <a:schemeClr val="accent1"/>
+          </a:effectRef>
+          <a:fontRef idx="minor">
+            <a:schemeClr val="lt1"/>
+          </a:fontRef>
+        </p:style>
+        <p:txBody>
+          <a:bodyPr rtlCol="0" anchor="ctr"/>
+          <a:lstStyle/>
+          <a:p>
+            <a:pPr algn="ctr"/>
+            <a:r>
+              <a:rPr lang="ru-RU" sz="3600" dirty="0" smtClean="0"/>
+              <a:t>Назад</a:t>
+            </a:r>
+            <a:endParaRPr lang="ru-RU" sz="3600" dirty="0"/>
+          </a:p>
+        </p:txBody>
+      </p:sp>
+      <p:sp>
+        <p:nvSpPr>
+          <p:cNvPr id="2" name="Прямоугольник 1"/>
+          <p:cNvSpPr/>
+          <p:nvPr/>
+        </p:nvSpPr>
+        <p:spPr>
+          <a:xfrm>
+            <a:off x="580026" y="2543385"/>
+            <a:ext cx="9203160" cy="1569660"/>
+          </a:xfrm>
+          <a:prstGeom prst="rect">
+            <a:avLst/>
+          </a:prstGeom>
+          <a:noFill/>
+        </p:spPr>
+        <p:txBody>
+          <a:bodyPr wrap="none" lIns="91440" tIns="45720" rIns="91440" bIns="45720">
+            <a:spAutoFit/>
+          </a:bodyPr>
+          <a:lstStyle/>
+          <a:p>
+            <a:pPr algn="ctr"/>
+            <a:r>
+              <a:rPr lang="ru-RU" sz="4800" b="0" cap="none" spc="0" dirty="0" smtClean="0">
+                <a:ln w="0"/>
+                <a:gradFill>
+                  <a:gsLst>
+                    <a:gs pos="0">
+                      <a:schemeClr val="accent5">
+                        <a:lumMod val="50000"/>
+                      </a:schemeClr>
+                    </a:gs>
+                    <a:gs pos="50000">
+                      <a:schemeClr val="accent5"/>
+                    </a:gs>
+                    <a:gs pos="100000">
+                      <a:schemeClr val="accent5">
+                        <a:lumMod val="60000"/>
+                        <a:lumOff val="40000"/>
+                      </a:schemeClr>
+                    </a:gs>
+                  </a:gsLst>
+                  <a:lin ang="5400000"/>
+                </a:gradFill>
+                <a:effectLst>
+                  <a:reflection blurRad="6350" stA="53000" endA="300" endPos="35500" dir="5400000" sy="-90000" algn="bl" rotWithShape="0"/>
+                </a:effectLst>
+              </a:rPr>
+              <a:t>Искандер</a:t>
+            </a:r>
+          </a:p>
+          <a:p>
+            <a:pPr algn="ctr"/>
+            <a:r>
+              <a:rPr lang="en-US" sz="4800" b="0" cap="none" spc="0" dirty="0" smtClean="0">
+                <a:ln w="0"/>
+                <a:gradFill>
+                  <a:gsLst>
+                    <a:gs pos="0">
+                      <a:schemeClr val="accent5">
+                        <a:lumMod val="50000"/>
+                      </a:schemeClr>
+                    </a:gs>
+                    <a:gs pos="50000">
+                      <a:schemeClr val="accent5"/>
+                    </a:gs>
+                    <a:gs pos="100000">
+                      <a:schemeClr val="accent5">
+                        <a:lumMod val="60000"/>
+                        <a:lumOff val="40000"/>
+                      </a:schemeClr>
+                    </a:gs>
+                  </a:gsLst>
+                  <a:lin ang="5400000"/>
+                </a:gradFill>
+                <a:effectLst>
+                  <a:reflection blurRad="6350" stA="53000" endA="300" endPos="35500" dir="5400000" sy="-90000" algn="bl" rotWithShape="0"/>
+                </a:effectLst>
+              </a:rPr>
+              <a:t>“</a:t>
+            </a:r>
+            <a:r>
+              <a:rPr lang="ru-RU" sz="4800" b="0" cap="none" spc="0" dirty="0" smtClean="0">
+                <a:ln w="0"/>
+                <a:gradFill>
+                  <a:gsLst>
+                    <a:gs pos="0">
+                      <a:schemeClr val="accent5">
+                        <a:lumMod val="50000"/>
+                      </a:schemeClr>
+                    </a:gs>
+                    <a:gs pos="50000">
+                      <a:schemeClr val="accent5"/>
+                    </a:gs>
+                    <a:gs pos="100000">
+                      <a:schemeClr val="accent5">
+                        <a:lumMod val="60000"/>
+                        <a:lumOff val="40000"/>
+                      </a:schemeClr>
+                    </a:gs>
+                  </a:gsLst>
+                  <a:lin ang="5400000"/>
+                </a:gradFill>
+                <a:effectLst>
+                  <a:reflection blurRad="6350" stA="53000" endA="300" endPos="35500" dir="5400000" sy="-90000" algn="bl" rotWithShape="0"/>
+                </a:effectLst>
+              </a:rPr>
+              <a:t>Тринадцатый подвиг </a:t>
+            </a:r>
+            <a:r>
+              <a:rPr lang="ru-RU" sz="4800" b="0" cap="none" spc="0" dirty="0" err="1" smtClean="0">
+                <a:ln w="0"/>
+                <a:gradFill>
+                  <a:gsLst>
+                    <a:gs pos="0">
+                      <a:schemeClr val="accent5">
+                        <a:lumMod val="50000"/>
+                      </a:schemeClr>
+                    </a:gs>
+                    <a:gs pos="50000">
+                      <a:schemeClr val="accent5"/>
+                    </a:gs>
+                    <a:gs pos="100000">
+                      <a:schemeClr val="accent5">
+                        <a:lumMod val="60000"/>
+                        <a:lumOff val="40000"/>
+                      </a:schemeClr>
+                    </a:gs>
+                  </a:gsLst>
+                  <a:lin ang="5400000"/>
+                </a:gradFill>
+                <a:effectLst>
+                  <a:reflection blurRad="6350" stA="53000" endA="300" endPos="35500" dir="5400000" sy="-90000" algn="bl" rotWithShape="0"/>
+                </a:effectLst>
+              </a:rPr>
+              <a:t>геракла</a:t>
+            </a:r>
+            <a:r>
+              <a:rPr lang="en-US" sz="4800" b="0" cap="none" spc="0" dirty="0" smtClean="0">
+                <a:ln w="0"/>
+                <a:gradFill>
+                  <a:gsLst>
+                    <a:gs pos="0">
+                      <a:schemeClr val="accent5">
+                        <a:lumMod val="50000"/>
+                      </a:schemeClr>
+                    </a:gs>
+                    <a:gs pos="50000">
+                      <a:schemeClr val="accent5"/>
+                    </a:gs>
+                    <a:gs pos="100000">
+                      <a:schemeClr val="accent5">
+                        <a:lumMod val="60000"/>
+                        <a:lumOff val="40000"/>
+                      </a:schemeClr>
+                    </a:gs>
+                  </a:gsLst>
+                  <a:lin ang="5400000"/>
+                </a:gradFill>
+                <a:effectLst>
+                  <a:reflection blurRad="6350" stA="53000" endA="300" endPos="35500" dir="5400000" sy="-90000" algn="bl" rotWithShape="0"/>
+                </a:effectLst>
+              </a:rPr>
+              <a:t>”</a:t>
+            </a:r>
+            <a:endParaRPr lang="ru-RU" sz="4800" b="0" cap="none" spc="0" dirty="0">
+              <a:ln w="0"/>
+              <a:gradFill>
+                <a:gsLst>
+                  <a:gs pos="0">
+                    <a:schemeClr val="accent5">
+                      <a:lumMod val="50000"/>
+                    </a:schemeClr>
+                  </a:gs>
+                  <a:gs pos="50000">
+                    <a:schemeClr val="accent5"/>
+                  </a:gs>
+                  <a:gs pos="100000">
+                    <a:schemeClr val="accent5">
+                      <a:lumMod val="60000"/>
+                      <a:lumOff val="40000"/>
+                    </a:schemeClr>
+                  </a:gs>
+                </a:gsLst>
+                <a:lin ang="5400000"/>
+              </a:gradFill>
+              <a:effectLst>
+                <a:reflection blurRad="6350" stA="53000" endA="300" endPos="35500" dir="5400000" sy="-90000" algn="bl" rotWithShape="0"/>
+              </a:effectLst>
+            </a:endParaRPr>
+          </a:p>
+        </p:txBody>
+      </p:sp>
+    </p:spTree>
+    <p:extLst>
+      <p:ext uri="{BB962C8B-B14F-4D97-AF65-F5344CB8AC3E}">
+        <p14:creationId xmlns:p14="http://schemas.microsoft.com/office/powerpoint/2010/main" val="2024652805"/>
+      </p:ext>
+    </p:extLst>
+  </p:cSld>
+  <p:clrMapOvr>
+    <a:masterClrMapping/>
+  </p:clrMapOvr>
+  <mc:AlternateContent xmlns:mc="http://schemas.openxmlformats.org/markup-compatibility/2006">
+    <mc:Choice xmlns:p14="http://schemas.microsoft.com/office/powerpoint/2010/main" Requires="p14">
+      <p:transition spd="slow">
+        <p14:honeycomb/>
+      </p:transition>
+    </mc:Choice>
+    <mc:Fallback>
+      <p:transition spd="slow">
+        <p:fade/>
+      </p:transition>
+    </mc:Fallback>
+  </mc:AlternateContent>
+  <p:timing>
+    <p:tnLst>
+      <p:par>
+        <p:cTn id="1" dur="indefinite" restart="never" nodeType="tmRoot"/>
+      </p:par>
+    </p:tnLst>
+  </p:timing>
+</p:sld>
+</file>
+
+<file path=ppt/slides/slide23.xml><?xml version="1.0" encoding="utf-8"?>
+<p:sld xmlns:a="http://schemas.openxmlformats.org/drawingml/2006/main" xmlns:r="http://schemas.openxmlformats.org/officeDocument/2006/relationships" xmlns:p="http://schemas.openxmlformats.org/presentationml/2006/main">
+  <p:cSld>
+    <p:spTree>
+      <p:nvGrpSpPr>
+        <p:cNvPr id="1" name=""/>
+        <p:cNvGrpSpPr/>
+        <p:nvPr/>
+      </p:nvGrpSpPr>
+      <p:grpSpPr>
+        <a:xfrm>
+          <a:off x="0" y="0"/>
+          <a:ext cx="0" cy="0"/>
+          <a:chOff x="0" y="0"/>
+          <a:chExt cx="0" cy="0"/>
+        </a:xfrm>
+      </p:grpSpPr>
+      <p:sp>
+        <p:nvSpPr>
+          <p:cNvPr id="10" name="TextBox 9"/>
+          <p:cNvSpPr txBox="1"/>
+          <p:nvPr/>
+        </p:nvSpPr>
+        <p:spPr>
+          <a:xfrm>
+            <a:off x="706581" y="1743333"/>
+            <a:ext cx="7880466" cy="1815882"/>
+          </a:xfrm>
+          <a:prstGeom prst="rect">
+            <a:avLst/>
+          </a:prstGeom>
+          <a:noFill/>
+        </p:spPr>
+        <p:txBody>
+          <a:bodyPr wrap="square" rtlCol="0">
+            <a:spAutoFit/>
+          </a:bodyPr>
+          <a:lstStyle/>
+          <a:p>
+            <a:r>
+              <a:rPr lang="ru-RU" sz="2800" b="1" i="1" dirty="0" smtClean="0"/>
+              <a:t>         Произнесите первые две строчки в стихотворения Блока </a:t>
+            </a:r>
+            <a:r>
+              <a:rPr lang="en-US" sz="2800" b="1" i="1" dirty="0" smtClean="0"/>
+              <a:t>“</a:t>
+            </a:r>
+            <a:r>
+              <a:rPr lang="ru-RU" sz="2800" b="1" i="1" dirty="0" smtClean="0"/>
+              <a:t>Летний вечер</a:t>
+            </a:r>
+            <a:r>
+              <a:rPr lang="en-US" sz="2800" b="1" i="1" dirty="0" smtClean="0"/>
+              <a:t>”</a:t>
+            </a:r>
+            <a:endParaRPr lang="ru-RU" sz="2800" b="1" i="1" dirty="0" smtClean="0"/>
+          </a:p>
+          <a:p>
+            <a:endParaRPr lang="ru-RU" sz="2800" b="1" i="1" dirty="0"/>
+          </a:p>
+          <a:p>
+            <a:pPr lvl="2"/>
+            <a:endParaRPr lang="ru-RU" sz="2800" b="1" i="1" dirty="0"/>
+          </a:p>
+        </p:txBody>
+      </p:sp>
+      <p:cxnSp>
+        <p:nvCxnSpPr>
+          <p:cNvPr id="12" name="Прямая со стрелкой 11"/>
+          <p:cNvCxnSpPr/>
+          <p:nvPr/>
+        </p:nvCxnSpPr>
+        <p:spPr>
+          <a:xfrm>
+            <a:off x="5145578" y="6251171"/>
+            <a:ext cx="1978429" cy="8313"/>
+          </a:xfrm>
+          <a:prstGeom prst="straightConnector1">
+            <a:avLst/>
+          </a:prstGeom>
+          <a:ln>
+            <a:tailEnd type="triangle"/>
+          </a:ln>
+        </p:spPr>
+        <p:style>
+          <a:lnRef idx="1">
+            <a:schemeClr val="accent1"/>
+          </a:lnRef>
+          <a:fillRef idx="0">
+            <a:schemeClr val="accent1"/>
+          </a:fillRef>
+          <a:effectRef idx="0">
+            <a:schemeClr val="accent1"/>
+          </a:effectRef>
+          <a:fontRef idx="minor">
+            <a:schemeClr val="tx1"/>
+          </a:fontRef>
+        </p:style>
+      </p:cxnSp>
+      <p:sp>
+        <p:nvSpPr>
+          <p:cNvPr id="13" name="TextBox 12"/>
+          <p:cNvSpPr txBox="1"/>
+          <p:nvPr/>
+        </p:nvSpPr>
+        <p:spPr>
+          <a:xfrm>
+            <a:off x="5203767" y="5881839"/>
+            <a:ext cx="1707519" cy="369332"/>
+          </a:xfrm>
+          <a:prstGeom prst="rect">
+            <a:avLst/>
+          </a:prstGeom>
+          <a:noFill/>
+        </p:spPr>
+        <p:txBody>
+          <a:bodyPr wrap="none" rtlCol="0">
+            <a:spAutoFit/>
+          </a:bodyPr>
+          <a:lstStyle/>
+          <a:p>
+            <a:r>
+              <a:rPr lang="ru-RU" dirty="0" smtClean="0"/>
+              <a:t>Узнать </a:t>
+            </a:r>
+            <a:r>
+              <a:rPr lang="ru-RU" dirty="0" smtClean="0"/>
+              <a:t>ответ…</a:t>
+            </a:r>
+            <a:endParaRPr lang="ru-RU" dirty="0"/>
+          </a:p>
+        </p:txBody>
+      </p:sp>
+    </p:spTree>
+    <p:extLst>
+      <p:ext uri="{BB962C8B-B14F-4D97-AF65-F5344CB8AC3E}">
+        <p14:creationId xmlns:p14="http://schemas.microsoft.com/office/powerpoint/2010/main" val="3388062992"/>
+      </p:ext>
+    </p:extLst>
+  </p:cSld>
+  <p:clrMapOvr>
+    <a:masterClrMapping/>
+  </p:clrMapOvr>
+  <mc:AlternateContent xmlns:mc="http://schemas.openxmlformats.org/markup-compatibility/2006">
+    <mc:Choice xmlns:p14="http://schemas.microsoft.com/office/powerpoint/2010/main" Requires="p14">
+      <p:transition spd="slow" p14:dur="1500">
+        <p:random/>
+      </p:transition>
+    </mc:Choice>
+    <mc:Fallback>
+      <p:transition spd="slow">
+        <p:random/>
+      </p:transition>
+    </mc:Fallback>
+  </mc:AlternateContent>
+  <p:timing>
+    <p:tnLst>
+      <p:par>
+        <p:cTn id="1" dur="indefinite" restart="never" nodeType="tmRoot"/>
+      </p:par>
+    </p:tnLst>
+  </p:timing>
+</p:sld>
+</file>
+
+<file path=ppt/slides/slide24.xml><?xml version="1.0" encoding="utf-8"?>
+<p:sld xmlns:a="http://schemas.openxmlformats.org/drawingml/2006/main" xmlns:r="http://schemas.openxmlformats.org/officeDocument/2006/relationships" xmlns:p="http://schemas.openxmlformats.org/presentationml/2006/main">
+  <p:cSld>
+    <p:spTree>
+      <p:nvGrpSpPr>
+        <p:cNvPr id="1" name=""/>
+        <p:cNvGrpSpPr/>
+        <p:nvPr/>
+      </p:nvGrpSpPr>
+      <p:grpSpPr>
+        <a:xfrm>
+          <a:off x="0" y="0"/>
+          <a:ext cx="0" cy="0"/>
+          <a:chOff x="0" y="0"/>
+          <a:chExt cx="0" cy="0"/>
+        </a:xfrm>
+      </p:grpSpPr>
+      <p:sp>
+        <p:nvSpPr>
+          <p:cNvPr id="4" name="Прямоугольник 3"/>
+          <p:cNvSpPr/>
+          <p:nvPr/>
+        </p:nvSpPr>
+        <p:spPr>
+          <a:xfrm>
+            <a:off x="516061" y="722899"/>
+            <a:ext cx="6654386" cy="923330"/>
+          </a:xfrm>
+          <a:prstGeom prst="rect">
+            <a:avLst/>
+          </a:prstGeom>
+          <a:noFill/>
+        </p:spPr>
+        <p:txBody>
+          <a:bodyPr wrap="none" lIns="91440" tIns="45720" rIns="91440" bIns="45720">
+            <a:spAutoFit/>
+          </a:bodyPr>
+          <a:lstStyle/>
+          <a:p>
+            <a:pPr algn="ctr"/>
+            <a:r>
+              <a:rPr lang="ru-RU" sz="5400" b="1" cap="none" spc="0" dirty="0" smtClean="0">
+                <a:ln w="9525">
+                  <a:solidFill>
+                    <a:schemeClr val="bg1"/>
+                  </a:solidFill>
+                  <a:prstDash val="solid"/>
+                </a:ln>
+                <a:solidFill>
+                  <a:schemeClr val="tx1"/>
+                </a:solidFill>
+                <a:effectLst>
+                  <a:outerShdw blurRad="12700" dist="38100" dir="2700000" algn="tl" rotWithShape="0">
+                    <a:schemeClr val="bg1">
+                      <a:lumMod val="50000"/>
+                    </a:schemeClr>
+                  </a:outerShdw>
+                </a:effectLst>
+              </a:rPr>
+              <a:t>Правильный ответ:</a:t>
+            </a:r>
+            <a:endParaRPr lang="ru-RU" sz="5400" b="1" cap="none" spc="0" dirty="0">
+              <a:ln w="9525">
+                <a:solidFill>
+                  <a:schemeClr val="bg1"/>
+                </a:solidFill>
+                <a:prstDash val="solid"/>
+              </a:ln>
+              <a:solidFill>
+                <a:schemeClr val="tx1"/>
+              </a:solidFill>
+              <a:effectLst>
+                <a:outerShdw blurRad="12700" dist="38100" dir="2700000" algn="tl" rotWithShape="0">
+                  <a:schemeClr val="bg1">
+                    <a:lumMod val="50000"/>
+                  </a:schemeClr>
+                </a:outerShdw>
+              </a:effectLst>
+            </a:endParaRPr>
+          </a:p>
+        </p:txBody>
+      </p:sp>
+      <p:sp>
+        <p:nvSpPr>
+          <p:cNvPr id="6" name="Овал 5">
+            <a:hlinkClick r:id="rId2" action="ppaction://hlinksldjump"/>
+          </p:cNvPr>
+          <p:cNvSpPr/>
+          <p:nvPr/>
+        </p:nvSpPr>
+        <p:spPr>
+          <a:xfrm>
+            <a:off x="4954385" y="5320145"/>
+            <a:ext cx="3117273" cy="781397"/>
+          </a:xfrm>
+          <a:prstGeom prst="ellipse">
+            <a:avLst/>
+          </a:prstGeom>
+        </p:spPr>
+        <p:style>
+          <a:lnRef idx="2">
+            <a:schemeClr val="accent1">
+              <a:shade val="50000"/>
+            </a:schemeClr>
+          </a:lnRef>
+          <a:fillRef idx="1">
+            <a:schemeClr val="accent1"/>
+          </a:fillRef>
+          <a:effectRef idx="0">
+            <a:schemeClr val="accent1"/>
+          </a:effectRef>
+          <a:fontRef idx="minor">
+            <a:schemeClr val="lt1"/>
+          </a:fontRef>
+        </p:style>
+        <p:txBody>
+          <a:bodyPr rtlCol="0" anchor="ctr"/>
+          <a:lstStyle/>
+          <a:p>
+            <a:pPr algn="ctr"/>
+            <a:r>
+              <a:rPr lang="ru-RU" sz="3600" dirty="0" smtClean="0"/>
+              <a:t>Назад</a:t>
+            </a:r>
+            <a:endParaRPr lang="ru-RU" sz="3600" dirty="0"/>
+          </a:p>
+        </p:txBody>
+      </p:sp>
+      <p:sp>
+        <p:nvSpPr>
+          <p:cNvPr id="2" name="Прямоугольник 1"/>
+          <p:cNvSpPr/>
+          <p:nvPr/>
+        </p:nvSpPr>
+        <p:spPr>
+          <a:xfrm>
+            <a:off x="880594" y="2543385"/>
+            <a:ext cx="8602035" cy="1569660"/>
+          </a:xfrm>
+          <a:prstGeom prst="rect">
+            <a:avLst/>
+          </a:prstGeom>
+          <a:noFill/>
+        </p:spPr>
+        <p:txBody>
+          <a:bodyPr wrap="none" lIns="91440" tIns="45720" rIns="91440" bIns="45720">
+            <a:spAutoFit/>
+          </a:bodyPr>
+          <a:lstStyle/>
+          <a:p>
+            <a:pPr algn="ctr"/>
+            <a:r>
+              <a:rPr lang="ru-RU" sz="4800" b="0" cap="none" spc="0" dirty="0" smtClean="0">
+                <a:ln w="0"/>
+                <a:gradFill>
+                  <a:gsLst>
+                    <a:gs pos="0">
+                      <a:schemeClr val="accent5">
+                        <a:lumMod val="50000"/>
+                      </a:schemeClr>
+                    </a:gs>
+                    <a:gs pos="50000">
+                      <a:schemeClr val="accent5"/>
+                    </a:gs>
+                    <a:gs pos="100000">
+                      <a:schemeClr val="accent5">
+                        <a:lumMod val="60000"/>
+                        <a:lumOff val="40000"/>
+                      </a:schemeClr>
+                    </a:gs>
+                  </a:gsLst>
+                  <a:lin ang="5400000"/>
+                </a:gradFill>
+                <a:effectLst>
+                  <a:reflection blurRad="6350" stA="53000" endA="300" endPos="35500" dir="5400000" sy="-90000" algn="bl" rotWithShape="0"/>
+                </a:effectLst>
+              </a:rPr>
+              <a:t>Последние лучи заката</a:t>
+            </a:r>
+          </a:p>
+          <a:p>
+            <a:pPr algn="ctr"/>
+            <a:r>
+              <a:rPr lang="ru-RU" sz="4800" dirty="0" smtClean="0">
+                <a:ln w="0"/>
+                <a:gradFill>
+                  <a:gsLst>
+                    <a:gs pos="0">
+                      <a:schemeClr val="accent5">
+                        <a:lumMod val="50000"/>
+                      </a:schemeClr>
+                    </a:gs>
+                    <a:gs pos="50000">
+                      <a:schemeClr val="accent5"/>
+                    </a:gs>
+                    <a:gs pos="100000">
+                      <a:schemeClr val="accent5">
+                        <a:lumMod val="60000"/>
+                        <a:lumOff val="40000"/>
+                      </a:schemeClr>
+                    </a:gs>
+                  </a:gsLst>
+                  <a:lin ang="5400000"/>
+                </a:gradFill>
+                <a:effectLst>
+                  <a:reflection blurRad="6350" stA="53000" endA="300" endPos="35500" dir="5400000" sy="-90000" algn="bl" rotWithShape="0"/>
+                </a:effectLst>
+              </a:rPr>
+              <a:t>Лежат на поле сжатой ржи…</a:t>
+            </a:r>
+            <a:endParaRPr lang="ru-RU" sz="4800" b="0" cap="none" spc="0" dirty="0">
+              <a:ln w="0"/>
+              <a:gradFill>
+                <a:gsLst>
+                  <a:gs pos="0">
+                    <a:schemeClr val="accent5">
+                      <a:lumMod val="50000"/>
+                    </a:schemeClr>
+                  </a:gs>
+                  <a:gs pos="50000">
+                    <a:schemeClr val="accent5"/>
+                  </a:gs>
+                  <a:gs pos="100000">
+                    <a:schemeClr val="accent5">
+                      <a:lumMod val="60000"/>
+                      <a:lumOff val="40000"/>
+                    </a:schemeClr>
+                  </a:gs>
+                </a:gsLst>
+                <a:lin ang="5400000"/>
+              </a:gradFill>
+              <a:effectLst>
+                <a:reflection blurRad="6350" stA="53000" endA="300" endPos="35500" dir="5400000" sy="-90000" algn="bl" rotWithShape="0"/>
+              </a:effectLst>
+            </a:endParaRPr>
+          </a:p>
+        </p:txBody>
+      </p:sp>
+    </p:spTree>
+    <p:extLst>
+      <p:ext uri="{BB962C8B-B14F-4D97-AF65-F5344CB8AC3E}">
+        <p14:creationId xmlns:p14="http://schemas.microsoft.com/office/powerpoint/2010/main" val="4196393319"/>
+      </p:ext>
+    </p:extLst>
+  </p:cSld>
+  <p:clrMapOvr>
+    <a:masterClrMapping/>
+  </p:clrMapOvr>
+  <mc:AlternateContent xmlns:mc="http://schemas.openxmlformats.org/markup-compatibility/2006">
+    <mc:Choice xmlns:p14="http://schemas.microsoft.com/office/powerpoint/2010/main" Requires="p14">
+      <p:transition spd="slow" p14:dur="1500">
+        <p:random/>
+      </p:transition>
+    </mc:Choice>
+    <mc:Fallback>
+      <p:transition spd="slow">
+        <p:random/>
+      </p:transition>
+    </mc:Fallback>
+  </mc:AlternateContent>
+  <p:timing>
+    <p:tnLst>
+      <p:par>
+        <p:cTn id="1" dur="indefinite" restart="never" nodeType="tmRoot"/>
+      </p:par>
+    </p:tnLst>
+  </p:timing>
+</p:sld>
+</file>
+
+<file path=ppt/slides/slide25.xml><?xml version="1.0" encoding="utf-8"?>
+<p:sld xmlns:a="http://schemas.openxmlformats.org/drawingml/2006/main" xmlns:r="http://schemas.openxmlformats.org/officeDocument/2006/relationships" xmlns:p="http://schemas.openxmlformats.org/presentationml/2006/main">
+  <p:cSld>
+    <p:spTree>
+      <p:nvGrpSpPr>
+        <p:cNvPr id="1" name=""/>
+        <p:cNvGrpSpPr/>
+        <p:nvPr/>
+      </p:nvGrpSpPr>
+      <p:grpSpPr>
+        <a:xfrm>
+          <a:off x="0" y="0"/>
+          <a:ext cx="0" cy="0"/>
+          <a:chOff x="0" y="0"/>
+          <a:chExt cx="0" cy="0"/>
+        </a:xfrm>
+      </p:grpSpPr>
+      <p:cxnSp>
+        <p:nvCxnSpPr>
+          <p:cNvPr id="12" name="Прямая со стрелкой 11"/>
+          <p:cNvCxnSpPr/>
+          <p:nvPr/>
+        </p:nvCxnSpPr>
+        <p:spPr>
+          <a:xfrm>
+            <a:off x="5145578" y="6251171"/>
+            <a:ext cx="1978429" cy="8313"/>
+          </a:xfrm>
+          <a:prstGeom prst="straightConnector1">
+            <a:avLst/>
+          </a:prstGeom>
+          <a:ln>
+            <a:tailEnd type="triangle"/>
+          </a:ln>
+        </p:spPr>
+        <p:style>
+          <a:lnRef idx="1">
+            <a:schemeClr val="accent1"/>
+          </a:lnRef>
+          <a:fillRef idx="0">
+            <a:schemeClr val="accent1"/>
+          </a:fillRef>
+          <a:effectRef idx="0">
+            <a:schemeClr val="accent1"/>
+          </a:effectRef>
+          <a:fontRef idx="minor">
+            <a:schemeClr val="tx1"/>
+          </a:fontRef>
+        </p:style>
+      </p:cxnSp>
+      <p:sp>
+        <p:nvSpPr>
+          <p:cNvPr id="13" name="TextBox 12"/>
+          <p:cNvSpPr txBox="1"/>
+          <p:nvPr/>
+        </p:nvSpPr>
+        <p:spPr>
+          <a:xfrm>
+            <a:off x="5203767" y="5881839"/>
+            <a:ext cx="1707519" cy="369332"/>
+          </a:xfrm>
+          <a:prstGeom prst="rect">
+            <a:avLst/>
+          </a:prstGeom>
+          <a:noFill/>
+        </p:spPr>
+        <p:txBody>
+          <a:bodyPr wrap="none" rtlCol="0">
+            <a:spAutoFit/>
+          </a:bodyPr>
+          <a:lstStyle/>
+          <a:p>
+            <a:r>
+              <a:rPr lang="ru-RU" dirty="0" smtClean="0"/>
+              <a:t>Узнать </a:t>
+            </a:r>
+            <a:r>
+              <a:rPr lang="ru-RU" dirty="0" smtClean="0"/>
+              <a:t>ответ…</a:t>
+            </a:r>
+            <a:endParaRPr lang="ru-RU" dirty="0"/>
+          </a:p>
+        </p:txBody>
+      </p:sp>
+      <p:sp>
+        <p:nvSpPr>
+          <p:cNvPr id="3" name="TextBox 2"/>
+          <p:cNvSpPr txBox="1"/>
+          <p:nvPr/>
+        </p:nvSpPr>
+        <p:spPr>
+          <a:xfrm>
+            <a:off x="1330037" y="748145"/>
+            <a:ext cx="5876930" cy="861774"/>
+          </a:xfrm>
+          <a:prstGeom prst="rect">
+            <a:avLst/>
+          </a:prstGeom>
+          <a:noFill/>
+        </p:spPr>
+        <p:txBody>
+          <a:bodyPr wrap="none" rtlCol="0">
+            <a:spAutoFit/>
+          </a:bodyPr>
+          <a:lstStyle/>
+          <a:p>
+            <a:r>
+              <a:rPr lang="ru-RU" sz="3200" dirty="0" smtClean="0"/>
+              <a:t>Угадайте фильм по картинке:</a:t>
+            </a:r>
+          </a:p>
+          <a:p>
+            <a:endParaRPr lang="ru-RU" dirty="0"/>
+          </a:p>
+        </p:txBody>
+      </p:sp>
+      <p:pic>
+        <p:nvPicPr>
+          <p:cNvPr id="4" name="Рисунок 3" descr="Киновечер «&lt;strong&gt;Мальчик&lt;/strong&gt; &lt;strong&gt;в&lt;/strong&gt; &lt;strong&gt;полосатой пижаме&lt;/strong&gt;» | Библиотеки Архангельска | МУК ..."/>
+          <p:cNvPicPr>
+            <a:picLocks noChangeAspect="1"/>
+          </p:cNvPicPr>
+          <p:nvPr/>
+        </p:nvPicPr>
+        <p:blipFill>
+          <a:blip r:embed="rId2">
+            <a:extLst>
+              <a:ext uri="{28A0092B-C50C-407E-A947-70E740481C1C}">
+                <a14:useLocalDpi xmlns:a14="http://schemas.microsoft.com/office/drawing/2010/main" val="0"/>
+              </a:ext>
+            </a:extLst>
+          </a:blip>
+          <a:stretch>
+            <a:fillRect/>
+          </a:stretch>
+        </p:blipFill>
+        <p:spPr>
+          <a:xfrm>
+            <a:off x="1504603" y="1488259"/>
+            <a:ext cx="6018415" cy="4008358"/>
+          </a:xfrm>
+          <a:prstGeom prst="rect">
+            <a:avLst/>
+          </a:prstGeom>
+        </p:spPr>
+      </p:pic>
+    </p:spTree>
+    <p:extLst>
+      <p:ext uri="{BB962C8B-B14F-4D97-AF65-F5344CB8AC3E}">
+        <p14:creationId xmlns:p14="http://schemas.microsoft.com/office/powerpoint/2010/main" val="948625282"/>
+      </p:ext>
+    </p:extLst>
+  </p:cSld>
+  <p:clrMapOvr>
+    <a:masterClrMapping/>
+  </p:clrMapOvr>
+  <mc:AlternateContent xmlns:mc="http://schemas.openxmlformats.org/markup-compatibility/2006">
+    <mc:Choice xmlns:p14="http://schemas.microsoft.com/office/powerpoint/2010/main" Requires="p14">
+      <p:transition spd="slow" p14:dur="1500">
+        <p:random/>
+      </p:transition>
+    </mc:Choice>
+    <mc:Fallback>
+      <p:transition spd="slow">
+        <p:random/>
+      </p:transition>
+    </mc:Fallback>
+  </mc:AlternateContent>
+  <p:timing>
+    <p:tnLst>
+      <p:par>
+        <p:cTn id="1" dur="indefinite" restart="never" nodeType="tmRoot"/>
+      </p:par>
+    </p:tnLst>
+  </p:timing>
+</p:sld>
+</file>
+
+<file path=ppt/slides/slide26.xml><?xml version="1.0" encoding="utf-8"?>
+<p:sld xmlns:a="http://schemas.openxmlformats.org/drawingml/2006/main" xmlns:r="http://schemas.openxmlformats.org/officeDocument/2006/relationships" xmlns:p="http://schemas.openxmlformats.org/presentationml/2006/main">
+  <p:cSld>
+    <p:spTree>
+      <p:nvGrpSpPr>
+        <p:cNvPr id="1" name=""/>
+        <p:cNvGrpSpPr/>
+        <p:nvPr/>
+      </p:nvGrpSpPr>
+      <p:grpSpPr>
+        <a:xfrm>
+          <a:off x="0" y="0"/>
+          <a:ext cx="0" cy="0"/>
+          <a:chOff x="0" y="0"/>
+          <a:chExt cx="0" cy="0"/>
+        </a:xfrm>
+      </p:grpSpPr>
+      <p:sp>
+        <p:nvSpPr>
+          <p:cNvPr id="4" name="Прямоугольник 3"/>
+          <p:cNvSpPr/>
+          <p:nvPr/>
+        </p:nvSpPr>
+        <p:spPr>
+          <a:xfrm>
+            <a:off x="516061" y="722899"/>
+            <a:ext cx="6654386" cy="923330"/>
+          </a:xfrm>
+          <a:prstGeom prst="rect">
+            <a:avLst/>
+          </a:prstGeom>
+          <a:noFill/>
+        </p:spPr>
+        <p:txBody>
+          <a:bodyPr wrap="none" lIns="91440" tIns="45720" rIns="91440" bIns="45720">
+            <a:spAutoFit/>
+          </a:bodyPr>
+          <a:lstStyle/>
+          <a:p>
+            <a:pPr algn="ctr"/>
+            <a:r>
+              <a:rPr lang="ru-RU" sz="5400" b="1" cap="none" spc="0" dirty="0" smtClean="0">
+                <a:ln w="9525">
+                  <a:solidFill>
+                    <a:schemeClr val="bg1"/>
+                  </a:solidFill>
+                  <a:prstDash val="solid"/>
+                </a:ln>
+                <a:solidFill>
+                  <a:schemeClr val="tx1"/>
+                </a:solidFill>
+                <a:effectLst>
+                  <a:outerShdw blurRad="12700" dist="38100" dir="2700000" algn="tl" rotWithShape="0">
+                    <a:schemeClr val="bg1">
+                      <a:lumMod val="50000"/>
+                    </a:schemeClr>
+                  </a:outerShdw>
+                </a:effectLst>
+              </a:rPr>
+              <a:t>Правильный ответ:</a:t>
+            </a:r>
+            <a:endParaRPr lang="ru-RU" sz="5400" b="1" cap="none" spc="0" dirty="0">
+              <a:ln w="9525">
+                <a:solidFill>
+                  <a:schemeClr val="bg1"/>
+                </a:solidFill>
+                <a:prstDash val="solid"/>
+              </a:ln>
+              <a:solidFill>
+                <a:schemeClr val="tx1"/>
+              </a:solidFill>
+              <a:effectLst>
+                <a:outerShdw blurRad="12700" dist="38100" dir="2700000" algn="tl" rotWithShape="0">
+                  <a:schemeClr val="bg1">
+                    <a:lumMod val="50000"/>
+                  </a:schemeClr>
+                </a:outerShdw>
+              </a:effectLst>
+            </a:endParaRPr>
+          </a:p>
+        </p:txBody>
+      </p:sp>
+      <p:sp>
+        <p:nvSpPr>
+          <p:cNvPr id="6" name="Овал 5">
+            <a:hlinkClick r:id="rId2" action="ppaction://hlinksldjump"/>
+          </p:cNvPr>
+          <p:cNvSpPr/>
+          <p:nvPr/>
+        </p:nvSpPr>
+        <p:spPr>
+          <a:xfrm>
+            <a:off x="4954385" y="5320145"/>
+            <a:ext cx="3117273" cy="781397"/>
+          </a:xfrm>
+          <a:prstGeom prst="ellipse">
+            <a:avLst/>
+          </a:prstGeom>
+        </p:spPr>
+        <p:style>
+          <a:lnRef idx="2">
+            <a:schemeClr val="accent1">
+              <a:shade val="50000"/>
+            </a:schemeClr>
+          </a:lnRef>
+          <a:fillRef idx="1">
+            <a:schemeClr val="accent1"/>
+          </a:fillRef>
+          <a:effectRef idx="0">
+            <a:schemeClr val="accent1"/>
+          </a:effectRef>
+          <a:fontRef idx="minor">
+            <a:schemeClr val="lt1"/>
+          </a:fontRef>
+        </p:style>
+        <p:txBody>
+          <a:bodyPr rtlCol="0" anchor="ctr"/>
+          <a:lstStyle/>
+          <a:p>
+            <a:pPr algn="ctr"/>
+            <a:r>
+              <a:rPr lang="ru-RU" sz="3600" dirty="0" smtClean="0"/>
+              <a:t>Назад</a:t>
+            </a:r>
+            <a:endParaRPr lang="ru-RU" sz="3600" dirty="0"/>
+          </a:p>
+        </p:txBody>
+      </p:sp>
+      <p:sp>
+        <p:nvSpPr>
+          <p:cNvPr id="2" name="Прямоугольник 1"/>
+          <p:cNvSpPr/>
+          <p:nvPr/>
+        </p:nvSpPr>
+        <p:spPr>
+          <a:xfrm>
+            <a:off x="420080" y="2510134"/>
+            <a:ext cx="9273693" cy="830997"/>
+          </a:xfrm>
+          <a:prstGeom prst="rect">
+            <a:avLst/>
+          </a:prstGeom>
+          <a:noFill/>
+        </p:spPr>
+        <p:txBody>
+          <a:bodyPr wrap="none" lIns="91440" tIns="45720" rIns="91440" bIns="45720">
+            <a:spAutoFit/>
+          </a:bodyPr>
+          <a:lstStyle/>
+          <a:p>
+            <a:pPr algn="ctr"/>
+            <a:r>
+              <a:rPr lang="en-US" sz="4800" b="0" cap="none" spc="0" dirty="0" smtClean="0">
+                <a:ln w="0"/>
+                <a:gradFill>
+                  <a:gsLst>
+                    <a:gs pos="0">
+                      <a:schemeClr val="accent5">
+                        <a:lumMod val="50000"/>
+                      </a:schemeClr>
+                    </a:gs>
+                    <a:gs pos="50000">
+                      <a:schemeClr val="accent5"/>
+                    </a:gs>
+                    <a:gs pos="100000">
+                      <a:schemeClr val="accent5">
+                        <a:lumMod val="60000"/>
+                        <a:lumOff val="40000"/>
+                      </a:schemeClr>
+                    </a:gs>
+                  </a:gsLst>
+                  <a:lin ang="5400000"/>
+                </a:gradFill>
+                <a:effectLst>
+                  <a:reflection blurRad="6350" stA="53000" endA="300" endPos="35500" dir="5400000" sy="-90000" algn="bl" rotWithShape="0"/>
+                </a:effectLst>
+              </a:rPr>
+              <a:t>“</a:t>
+            </a:r>
+            <a:r>
+              <a:rPr lang="ru-RU" sz="4800" b="0" cap="none" spc="0" dirty="0" smtClean="0">
+                <a:ln w="0"/>
+                <a:gradFill>
+                  <a:gsLst>
+                    <a:gs pos="0">
+                      <a:schemeClr val="accent5">
+                        <a:lumMod val="50000"/>
+                      </a:schemeClr>
+                    </a:gs>
+                    <a:gs pos="50000">
+                      <a:schemeClr val="accent5"/>
+                    </a:gs>
+                    <a:gs pos="100000">
+                      <a:schemeClr val="accent5">
+                        <a:lumMod val="60000"/>
+                        <a:lumOff val="40000"/>
+                      </a:schemeClr>
+                    </a:gs>
+                  </a:gsLst>
+                  <a:lin ang="5400000"/>
+                </a:gradFill>
+                <a:effectLst>
+                  <a:reflection blurRad="6350" stA="53000" endA="300" endPos="35500" dir="5400000" sy="-90000" algn="bl" rotWithShape="0"/>
+                </a:effectLst>
+              </a:rPr>
+              <a:t>Мальчик в полосатой пижаме</a:t>
+            </a:r>
+            <a:r>
+              <a:rPr lang="en-US" sz="4800" dirty="0" smtClean="0">
+                <a:ln w="0"/>
+                <a:gradFill>
+                  <a:gsLst>
+                    <a:gs pos="0">
+                      <a:schemeClr val="accent5">
+                        <a:lumMod val="50000"/>
+                      </a:schemeClr>
+                    </a:gs>
+                    <a:gs pos="50000">
+                      <a:schemeClr val="accent5"/>
+                    </a:gs>
+                    <a:gs pos="100000">
+                      <a:schemeClr val="accent5">
+                        <a:lumMod val="60000"/>
+                        <a:lumOff val="40000"/>
+                      </a:schemeClr>
+                    </a:gs>
+                  </a:gsLst>
+                  <a:lin ang="5400000"/>
+                </a:gradFill>
+                <a:effectLst>
+                  <a:reflection blurRad="6350" stA="53000" endA="300" endPos="35500" dir="5400000" sy="-90000" algn="bl" rotWithShape="0"/>
+                </a:effectLst>
+              </a:rPr>
+              <a:t>”</a:t>
+            </a:r>
+            <a:endParaRPr lang="ru-RU" sz="4800" b="0" cap="none" spc="0" dirty="0">
+              <a:ln w="0"/>
+              <a:gradFill>
+                <a:gsLst>
+                  <a:gs pos="0">
+                    <a:schemeClr val="accent5">
+                      <a:lumMod val="50000"/>
+                    </a:schemeClr>
+                  </a:gs>
+                  <a:gs pos="50000">
+                    <a:schemeClr val="accent5"/>
+                  </a:gs>
+                  <a:gs pos="100000">
+                    <a:schemeClr val="accent5">
+                      <a:lumMod val="60000"/>
+                      <a:lumOff val="40000"/>
+                    </a:schemeClr>
+                  </a:gs>
+                </a:gsLst>
+                <a:lin ang="5400000"/>
+              </a:gradFill>
+              <a:effectLst>
+                <a:reflection blurRad="6350" stA="53000" endA="300" endPos="35500" dir="5400000" sy="-90000" algn="bl" rotWithShape="0"/>
+              </a:effectLst>
+            </a:endParaRPr>
+          </a:p>
+        </p:txBody>
+      </p:sp>
+    </p:spTree>
+    <p:extLst>
+      <p:ext uri="{BB962C8B-B14F-4D97-AF65-F5344CB8AC3E}">
+        <p14:creationId xmlns:p14="http://schemas.microsoft.com/office/powerpoint/2010/main" val="4281655636"/>
+      </p:ext>
+    </p:extLst>
+  </p:cSld>
+  <p:clrMapOvr>
+    <a:masterClrMapping/>
+  </p:clrMapOvr>
+  <mc:AlternateContent xmlns:mc="http://schemas.openxmlformats.org/markup-compatibility/2006">
+    <mc:Choice xmlns:p14="http://schemas.microsoft.com/office/powerpoint/2010/main" Requires="p14">
+      <p:transition spd="slow" p14:dur="1500">
+        <p:random/>
+      </p:transition>
+    </mc:Choice>
+    <mc:Fallback>
+      <p:transition spd="slow">
+        <p:random/>
+      </p:transition>
+    </mc:Fallback>
+  </mc:AlternateContent>
+  <p:timing>
+    <p:tnLst>
+      <p:par>
+        <p:cTn id="1" dur="indefinite" restart="never" nodeType="tmRoot"/>
+      </p:par>
+    </p:tnLst>
+  </p:timing>
+</p:sld>
+</file>
+
+<file path=ppt/slides/slide27.xml><?xml version="1.0" encoding="utf-8"?>
+<p:sld xmlns:a="http://schemas.openxmlformats.org/drawingml/2006/main" xmlns:r="http://schemas.openxmlformats.org/officeDocument/2006/relationships" xmlns:p="http://schemas.openxmlformats.org/presentationml/2006/main">
+  <p:cSld>
+    <p:spTree>
+      <p:nvGrpSpPr>
+        <p:cNvPr id="1" name=""/>
+        <p:cNvGrpSpPr/>
+        <p:nvPr/>
+      </p:nvGrpSpPr>
+      <p:grpSpPr>
+        <a:xfrm>
+          <a:off x="0" y="0"/>
+          <a:ext cx="0" cy="0"/>
+          <a:chOff x="0" y="0"/>
+          <a:chExt cx="0" cy="0"/>
+        </a:xfrm>
+      </p:grpSpPr>
+      <p:cxnSp>
+        <p:nvCxnSpPr>
+          <p:cNvPr id="12" name="Прямая со стрелкой 11"/>
+          <p:cNvCxnSpPr/>
+          <p:nvPr/>
+        </p:nvCxnSpPr>
+        <p:spPr>
+          <a:xfrm>
+            <a:off x="5145578" y="6251171"/>
+            <a:ext cx="1978429" cy="8313"/>
+          </a:xfrm>
+          <a:prstGeom prst="straightConnector1">
+            <a:avLst/>
+          </a:prstGeom>
+          <a:ln>
+            <a:tailEnd type="triangle"/>
+          </a:ln>
+        </p:spPr>
+        <p:style>
+          <a:lnRef idx="1">
+            <a:schemeClr val="accent1"/>
+          </a:lnRef>
+          <a:fillRef idx="0">
+            <a:schemeClr val="accent1"/>
+          </a:fillRef>
+          <a:effectRef idx="0">
+            <a:schemeClr val="accent1"/>
+          </a:effectRef>
+          <a:fontRef idx="minor">
+            <a:schemeClr val="tx1"/>
+          </a:fontRef>
+        </p:style>
+      </p:cxnSp>
+      <p:sp>
+        <p:nvSpPr>
+          <p:cNvPr id="13" name="TextBox 12"/>
+          <p:cNvSpPr txBox="1"/>
+          <p:nvPr/>
+        </p:nvSpPr>
+        <p:spPr>
+          <a:xfrm>
+            <a:off x="5203767" y="5881839"/>
+            <a:ext cx="1707519" cy="369332"/>
+          </a:xfrm>
+          <a:prstGeom prst="rect">
+            <a:avLst/>
+          </a:prstGeom>
+          <a:noFill/>
+        </p:spPr>
+        <p:txBody>
+          <a:bodyPr wrap="none" rtlCol="0">
+            <a:spAutoFit/>
+          </a:bodyPr>
+          <a:lstStyle/>
+          <a:p>
+            <a:r>
+              <a:rPr lang="ru-RU" dirty="0" smtClean="0"/>
+              <a:t>Узнать </a:t>
+            </a:r>
+            <a:r>
+              <a:rPr lang="ru-RU" dirty="0" smtClean="0"/>
+              <a:t>ответ…</a:t>
+            </a:r>
+            <a:endParaRPr lang="ru-RU" dirty="0"/>
+          </a:p>
+        </p:txBody>
+      </p:sp>
+      <p:sp>
+        <p:nvSpPr>
+          <p:cNvPr id="3" name="TextBox 2"/>
+          <p:cNvSpPr txBox="1"/>
+          <p:nvPr/>
+        </p:nvSpPr>
+        <p:spPr>
+          <a:xfrm>
+            <a:off x="1330037" y="748145"/>
+            <a:ext cx="4384534" cy="861774"/>
+          </a:xfrm>
+          <a:prstGeom prst="rect">
+            <a:avLst/>
+          </a:prstGeom>
+          <a:noFill/>
+        </p:spPr>
+        <p:txBody>
+          <a:bodyPr wrap="none" rtlCol="0">
+            <a:spAutoFit/>
+          </a:bodyPr>
+          <a:lstStyle/>
+          <a:p>
+            <a:r>
+              <a:rPr lang="ru-RU" sz="3200" dirty="0" smtClean="0"/>
+              <a:t>Алые паруса написал:</a:t>
+            </a:r>
+          </a:p>
+          <a:p>
+            <a:endParaRPr lang="ru-RU" dirty="0"/>
+          </a:p>
+        </p:txBody>
+      </p:sp>
+      <p:sp>
+        <p:nvSpPr>
+          <p:cNvPr id="2" name="TextBox 1"/>
+          <p:cNvSpPr txBox="1"/>
+          <p:nvPr/>
+        </p:nvSpPr>
+        <p:spPr>
+          <a:xfrm>
+            <a:off x="2543695" y="2360885"/>
+            <a:ext cx="2834640" cy="1569660"/>
+          </a:xfrm>
+          <a:prstGeom prst="rect">
+            <a:avLst/>
+          </a:prstGeom>
+          <a:noFill/>
+        </p:spPr>
+        <p:txBody>
+          <a:bodyPr wrap="square" rtlCol="0">
+            <a:spAutoFit/>
+          </a:bodyPr>
+          <a:lstStyle/>
+          <a:p>
+            <a:pPr marL="342900" indent="-342900">
+              <a:buAutoNum type="arabicParenR"/>
+            </a:pPr>
+            <a:r>
+              <a:rPr lang="ru-RU" sz="3200" dirty="0" smtClean="0"/>
+              <a:t>Грин</a:t>
+            </a:r>
+          </a:p>
+          <a:p>
+            <a:pPr marL="342900" indent="-342900">
+              <a:buAutoNum type="arabicParenR"/>
+            </a:pPr>
+            <a:r>
+              <a:rPr lang="ru-RU" sz="3200" dirty="0" smtClean="0"/>
+              <a:t>Распутин</a:t>
+            </a:r>
+          </a:p>
+          <a:p>
+            <a:pPr marL="342900" indent="-342900">
+              <a:buAutoNum type="arabicParenR"/>
+            </a:pPr>
+            <a:r>
+              <a:rPr lang="ru-RU" sz="3200" dirty="0" smtClean="0"/>
+              <a:t>Симонов</a:t>
+            </a:r>
+            <a:endParaRPr lang="ru-RU" sz="3200" dirty="0"/>
+          </a:p>
+        </p:txBody>
+      </p:sp>
+    </p:spTree>
+    <p:extLst>
+      <p:ext uri="{BB962C8B-B14F-4D97-AF65-F5344CB8AC3E}">
+        <p14:creationId xmlns:p14="http://schemas.microsoft.com/office/powerpoint/2010/main" val="82460201"/>
+      </p:ext>
+    </p:extLst>
+  </p:cSld>
+  <p:clrMapOvr>
+    <a:masterClrMapping/>
+  </p:clrMapOvr>
+  <mc:AlternateContent xmlns:mc="http://schemas.openxmlformats.org/markup-compatibility/2006">
+    <mc:Choice xmlns:p14="http://schemas.microsoft.com/office/powerpoint/2010/main" Requires="p14">
+      <p:transition spd="slow" p14:dur="1500">
+        <p:random/>
+      </p:transition>
+    </mc:Choice>
+    <mc:Fallback>
+      <p:transition spd="slow">
+        <p:random/>
+      </p:transition>
+    </mc:Fallback>
+  </mc:AlternateContent>
+  <p:timing>
+    <p:tnLst>
+      <p:par>
+        <p:cTn id="1" dur="indefinite" restart="never" nodeType="tmRoot"/>
+      </p:par>
+    </p:tnLst>
+  </p:timing>
+</p:sld>
+</file>
+
+<file path=ppt/slides/slide28.xml><?xml version="1.0" encoding="utf-8"?>
+<p:sld xmlns:a="http://schemas.openxmlformats.org/drawingml/2006/main" xmlns:r="http://schemas.openxmlformats.org/officeDocument/2006/relationships" xmlns:p="http://schemas.openxmlformats.org/presentationml/2006/main">
+  <p:cSld>
+    <p:spTree>
+      <p:nvGrpSpPr>
+        <p:cNvPr id="1" name=""/>
+        <p:cNvGrpSpPr/>
+        <p:nvPr/>
+      </p:nvGrpSpPr>
+      <p:grpSpPr>
+        <a:xfrm>
+          <a:off x="0" y="0"/>
+          <a:ext cx="0" cy="0"/>
+          <a:chOff x="0" y="0"/>
+          <a:chExt cx="0" cy="0"/>
+        </a:xfrm>
+      </p:grpSpPr>
+      <p:sp>
+        <p:nvSpPr>
+          <p:cNvPr id="4" name="Прямоугольник 3"/>
+          <p:cNvSpPr/>
+          <p:nvPr/>
+        </p:nvSpPr>
+        <p:spPr>
+          <a:xfrm>
+            <a:off x="516061" y="722899"/>
+            <a:ext cx="6654386" cy="923330"/>
+          </a:xfrm>
+          <a:prstGeom prst="rect">
+            <a:avLst/>
+          </a:prstGeom>
+          <a:noFill/>
+        </p:spPr>
+        <p:txBody>
+          <a:bodyPr wrap="none" lIns="91440" tIns="45720" rIns="91440" bIns="45720">
+            <a:spAutoFit/>
+          </a:bodyPr>
+          <a:lstStyle/>
+          <a:p>
+            <a:pPr algn="ctr"/>
+            <a:r>
+              <a:rPr lang="ru-RU" sz="5400" b="1" cap="none" spc="0" dirty="0" smtClean="0">
+                <a:ln w="9525">
+                  <a:solidFill>
+                    <a:schemeClr val="bg1"/>
+                  </a:solidFill>
+                  <a:prstDash val="solid"/>
+                </a:ln>
+                <a:solidFill>
+                  <a:schemeClr val="tx1"/>
+                </a:solidFill>
+                <a:effectLst>
+                  <a:outerShdw blurRad="12700" dist="38100" dir="2700000" algn="tl" rotWithShape="0">
+                    <a:schemeClr val="bg1">
+                      <a:lumMod val="50000"/>
+                    </a:schemeClr>
+                  </a:outerShdw>
+                </a:effectLst>
+              </a:rPr>
+              <a:t>Правильный ответ:</a:t>
+            </a:r>
+            <a:endParaRPr lang="ru-RU" sz="5400" b="1" cap="none" spc="0" dirty="0">
+              <a:ln w="9525">
+                <a:solidFill>
+                  <a:schemeClr val="bg1"/>
+                </a:solidFill>
+                <a:prstDash val="solid"/>
+              </a:ln>
+              <a:solidFill>
+                <a:schemeClr val="tx1"/>
+              </a:solidFill>
+              <a:effectLst>
+                <a:outerShdw blurRad="12700" dist="38100" dir="2700000" algn="tl" rotWithShape="0">
+                  <a:schemeClr val="bg1">
+                    <a:lumMod val="50000"/>
+                  </a:schemeClr>
+                </a:outerShdw>
+              </a:effectLst>
+            </a:endParaRPr>
+          </a:p>
+        </p:txBody>
+      </p:sp>
+      <p:sp>
+        <p:nvSpPr>
+          <p:cNvPr id="6" name="Овал 5">
+            <a:hlinkClick r:id="rId2" action="ppaction://hlinksldjump"/>
+          </p:cNvPr>
+          <p:cNvSpPr/>
+          <p:nvPr/>
+        </p:nvSpPr>
+        <p:spPr>
+          <a:xfrm>
+            <a:off x="4954385" y="5320145"/>
+            <a:ext cx="3117273" cy="781397"/>
+          </a:xfrm>
+          <a:prstGeom prst="ellipse">
+            <a:avLst/>
+          </a:prstGeom>
+        </p:spPr>
+        <p:style>
+          <a:lnRef idx="2">
+            <a:schemeClr val="accent1">
+              <a:shade val="50000"/>
+            </a:schemeClr>
+          </a:lnRef>
+          <a:fillRef idx="1">
+            <a:schemeClr val="accent1"/>
+          </a:fillRef>
+          <a:effectRef idx="0">
+            <a:schemeClr val="accent1"/>
+          </a:effectRef>
+          <a:fontRef idx="minor">
+            <a:schemeClr val="lt1"/>
+          </a:fontRef>
+        </p:style>
+        <p:txBody>
+          <a:bodyPr rtlCol="0" anchor="ctr"/>
+          <a:lstStyle/>
+          <a:p>
+            <a:pPr algn="ctr"/>
+            <a:r>
+              <a:rPr lang="ru-RU" sz="3600" dirty="0" smtClean="0"/>
+              <a:t>Назад</a:t>
+            </a:r>
+            <a:endParaRPr lang="ru-RU" sz="3600" dirty="0"/>
+          </a:p>
+        </p:txBody>
+      </p:sp>
+      <p:sp>
+        <p:nvSpPr>
+          <p:cNvPr id="2" name="Прямоугольник 1"/>
+          <p:cNvSpPr/>
+          <p:nvPr/>
+        </p:nvSpPr>
+        <p:spPr>
+          <a:xfrm>
+            <a:off x="1243230" y="2510134"/>
+            <a:ext cx="7627409" cy="1569660"/>
+          </a:xfrm>
+          <a:prstGeom prst="rect">
+            <a:avLst/>
+          </a:prstGeom>
+          <a:noFill/>
+        </p:spPr>
+        <p:txBody>
+          <a:bodyPr wrap="none" lIns="91440" tIns="45720" rIns="91440" bIns="45720">
+            <a:spAutoFit/>
+          </a:bodyPr>
+          <a:lstStyle/>
+          <a:p>
+            <a:pPr marL="914400" indent="-914400" algn="ctr">
+              <a:buAutoNum type="arabicParenR"/>
+            </a:pPr>
+            <a:r>
+              <a:rPr lang="ru-RU" sz="4800" b="0" cap="none" spc="0" dirty="0" smtClean="0">
+                <a:ln w="0"/>
+                <a:gradFill>
+                  <a:gsLst>
+                    <a:gs pos="0">
+                      <a:schemeClr val="accent5">
+                        <a:lumMod val="50000"/>
+                      </a:schemeClr>
+                    </a:gs>
+                    <a:gs pos="50000">
+                      <a:schemeClr val="accent5"/>
+                    </a:gs>
+                    <a:gs pos="100000">
+                      <a:schemeClr val="accent5">
+                        <a:lumMod val="60000"/>
+                        <a:lumOff val="40000"/>
+                      </a:schemeClr>
+                    </a:gs>
+                  </a:gsLst>
+                  <a:lin ang="5400000"/>
+                </a:gradFill>
+                <a:effectLst>
+                  <a:reflection blurRad="6350" stA="53000" endA="300" endPos="35500" dir="5400000" sy="-90000" algn="bl" rotWithShape="0"/>
+                </a:effectLst>
+              </a:rPr>
+              <a:t>Александр Степанович</a:t>
+            </a:r>
+          </a:p>
+          <a:p>
+            <a:pPr algn="ctr"/>
+            <a:r>
+              <a:rPr lang="ru-RU" sz="4800" b="0" cap="none" spc="0" dirty="0" smtClean="0">
+                <a:ln w="0"/>
+                <a:gradFill>
+                  <a:gsLst>
+                    <a:gs pos="0">
+                      <a:schemeClr val="accent5">
+                        <a:lumMod val="50000"/>
+                      </a:schemeClr>
+                    </a:gs>
+                    <a:gs pos="50000">
+                      <a:schemeClr val="accent5"/>
+                    </a:gs>
+                    <a:gs pos="100000">
+                      <a:schemeClr val="accent5">
+                        <a:lumMod val="60000"/>
+                        <a:lumOff val="40000"/>
+                      </a:schemeClr>
+                    </a:gs>
+                  </a:gsLst>
+                  <a:lin ang="5400000"/>
+                </a:gradFill>
+                <a:effectLst>
+                  <a:reflection blurRad="6350" stA="53000" endA="300" endPos="35500" dir="5400000" sy="-90000" algn="bl" rotWithShape="0"/>
+                </a:effectLst>
+              </a:rPr>
+              <a:t>Грин</a:t>
+            </a:r>
+            <a:endParaRPr lang="ru-RU" sz="4800" b="0" cap="none" spc="0" dirty="0">
+              <a:ln w="0"/>
+              <a:gradFill>
+                <a:gsLst>
+                  <a:gs pos="0">
+                    <a:schemeClr val="accent5">
+                      <a:lumMod val="50000"/>
+                    </a:schemeClr>
+                  </a:gs>
+                  <a:gs pos="50000">
+                    <a:schemeClr val="accent5"/>
+                  </a:gs>
+                  <a:gs pos="100000">
+                    <a:schemeClr val="accent5">
+                      <a:lumMod val="60000"/>
+                      <a:lumOff val="40000"/>
+                    </a:schemeClr>
+                  </a:gs>
+                </a:gsLst>
+                <a:lin ang="5400000"/>
+              </a:gradFill>
+              <a:effectLst>
+                <a:reflection blurRad="6350" stA="53000" endA="300" endPos="35500" dir="5400000" sy="-90000" algn="bl" rotWithShape="0"/>
+              </a:effectLst>
+            </a:endParaRPr>
+          </a:p>
+        </p:txBody>
+      </p:sp>
+    </p:spTree>
+    <p:extLst>
+      <p:ext uri="{BB962C8B-B14F-4D97-AF65-F5344CB8AC3E}">
+        <p14:creationId xmlns:p14="http://schemas.microsoft.com/office/powerpoint/2010/main" val="3945887540"/>
+      </p:ext>
+    </p:extLst>
+  </p:cSld>
+  <p:clrMapOvr>
+    <a:masterClrMapping/>
+  </p:clrMapOvr>
+  <mc:AlternateContent xmlns:mc="http://schemas.openxmlformats.org/markup-compatibility/2006">
+    <mc:Choice xmlns:p14="http://schemas.microsoft.com/office/powerpoint/2010/main" Requires="p14">
+      <p:transition spd="slow" p14:dur="1500">
+        <p:random/>
+      </p:transition>
+    </mc:Choice>
+    <mc:Fallback>
+      <p:transition spd="slow">
+        <p:random/>
+      </p:transition>
+    </mc:Fallback>
+  </mc:AlternateContent>
+  <p:timing>
+    <p:tnLst>
+      <p:par>
+        <p:cTn id="1" dur="indefinite" restart="never" nodeType="tmRoot"/>
+      </p:par>
+    </p:tnLst>
+  </p:timing>
+</p:sld>
+</file>
+
+<file path=ppt/slides/slide29.xml><?xml version="1.0" encoding="utf-8"?>
+<p:sld xmlns:a="http://schemas.openxmlformats.org/drawingml/2006/main" xmlns:r="http://schemas.openxmlformats.org/officeDocument/2006/relationships" xmlns:p="http://schemas.openxmlformats.org/presentationml/2006/main">
+  <p:cSld>
+    <p:spTree>
+      <p:nvGrpSpPr>
+        <p:cNvPr id="1" name=""/>
+        <p:cNvGrpSpPr/>
+        <p:nvPr/>
+      </p:nvGrpSpPr>
+      <p:grpSpPr>
+        <a:xfrm>
+          <a:off x="0" y="0"/>
+          <a:ext cx="0" cy="0"/>
+          <a:chOff x="0" y="0"/>
+          <a:chExt cx="0" cy="0"/>
+        </a:xfrm>
+      </p:grpSpPr>
+      <p:cxnSp>
+        <p:nvCxnSpPr>
+          <p:cNvPr id="12" name="Прямая со стрелкой 11"/>
+          <p:cNvCxnSpPr/>
+          <p:nvPr/>
+        </p:nvCxnSpPr>
+        <p:spPr>
+          <a:xfrm>
+            <a:off x="5145578" y="6251171"/>
+            <a:ext cx="1978429" cy="8313"/>
+          </a:xfrm>
+          <a:prstGeom prst="straightConnector1">
+            <a:avLst/>
+          </a:prstGeom>
+          <a:ln>
+            <a:tailEnd type="triangle"/>
+          </a:ln>
+        </p:spPr>
+        <p:style>
+          <a:lnRef idx="1">
+            <a:schemeClr val="accent1"/>
+          </a:lnRef>
+          <a:fillRef idx="0">
+            <a:schemeClr val="accent1"/>
+          </a:fillRef>
+          <a:effectRef idx="0">
+            <a:schemeClr val="accent1"/>
+          </a:effectRef>
+          <a:fontRef idx="minor">
+            <a:schemeClr val="tx1"/>
+          </a:fontRef>
+        </p:style>
+      </p:cxnSp>
+      <p:sp>
+        <p:nvSpPr>
+          <p:cNvPr id="13" name="TextBox 12"/>
+          <p:cNvSpPr txBox="1"/>
+          <p:nvPr/>
+        </p:nvSpPr>
+        <p:spPr>
+          <a:xfrm>
+            <a:off x="5203767" y="5881839"/>
+            <a:ext cx="1707519" cy="369332"/>
+          </a:xfrm>
+          <a:prstGeom prst="rect">
+            <a:avLst/>
+          </a:prstGeom>
+          <a:noFill/>
+        </p:spPr>
+        <p:txBody>
+          <a:bodyPr wrap="none" rtlCol="0">
+            <a:spAutoFit/>
+          </a:bodyPr>
+          <a:lstStyle/>
+          <a:p>
+            <a:r>
+              <a:rPr lang="ru-RU" dirty="0" smtClean="0"/>
+              <a:t>Узнать </a:t>
+            </a:r>
+            <a:r>
+              <a:rPr lang="ru-RU" dirty="0" smtClean="0"/>
+              <a:t>ответ…</a:t>
+            </a:r>
+            <a:endParaRPr lang="ru-RU" dirty="0"/>
+          </a:p>
+        </p:txBody>
+      </p:sp>
+      <p:sp>
+        <p:nvSpPr>
+          <p:cNvPr id="3" name="TextBox 2"/>
+          <p:cNvSpPr txBox="1"/>
+          <p:nvPr/>
+        </p:nvSpPr>
+        <p:spPr>
+          <a:xfrm>
+            <a:off x="224445" y="140148"/>
+            <a:ext cx="7284366" cy="584775"/>
+          </a:xfrm>
+          <a:prstGeom prst="rect">
+            <a:avLst/>
+          </a:prstGeom>
+          <a:noFill/>
+        </p:spPr>
+        <p:txBody>
+          <a:bodyPr wrap="none" rtlCol="0">
+            <a:spAutoFit/>
+          </a:bodyPr>
+          <a:lstStyle/>
+          <a:p>
+            <a:r>
+              <a:rPr lang="ru-RU" sz="3200" dirty="0"/>
+              <a:t>Угадайте </a:t>
+            </a:r>
+            <a:r>
+              <a:rPr lang="ru-RU" sz="3200" dirty="0" smtClean="0"/>
+              <a:t>произведение </a:t>
+            </a:r>
+            <a:r>
+              <a:rPr lang="ru-RU" sz="3200" dirty="0"/>
+              <a:t>по </a:t>
+            </a:r>
+            <a:r>
+              <a:rPr lang="ru-RU" sz="3200" dirty="0" smtClean="0"/>
+              <a:t>картинке:</a:t>
+            </a:r>
+            <a:endParaRPr lang="ru-RU" dirty="0"/>
+          </a:p>
+        </p:txBody>
+      </p:sp>
+      <p:pic>
+        <p:nvPicPr>
+          <p:cNvPr id="5" name="Рисунок 4"/>
+          <p:cNvPicPr>
+            <a:picLocks noChangeAspect="1"/>
+          </p:cNvPicPr>
+          <p:nvPr/>
+        </p:nvPicPr>
+        <p:blipFill>
+          <a:blip r:embed="rId2">
+            <a:extLst>
+              <a:ext uri="{28A0092B-C50C-407E-A947-70E740481C1C}">
+                <a14:useLocalDpi xmlns:a14="http://schemas.microsoft.com/office/drawing/2010/main" val="0"/>
+              </a:ext>
+            </a:extLst>
+          </a:blip>
+          <a:stretch>
+            <a:fillRect/>
+          </a:stretch>
+        </p:blipFill>
+        <p:spPr>
+          <a:xfrm>
+            <a:off x="2887569" y="1190163"/>
+            <a:ext cx="3330349" cy="3990109"/>
+          </a:xfrm>
+          <a:prstGeom prst="rect">
+            <a:avLst/>
+          </a:prstGeom>
+        </p:spPr>
+      </p:pic>
+    </p:spTree>
+    <p:extLst>
+      <p:ext uri="{BB962C8B-B14F-4D97-AF65-F5344CB8AC3E}">
+        <p14:creationId xmlns:p14="http://schemas.microsoft.com/office/powerpoint/2010/main" val="2127111596"/>
+      </p:ext>
+    </p:extLst>
+  </p:cSld>
+  <p:clrMapOvr>
+    <a:masterClrMapping/>
+  </p:clrMapOvr>
+  <mc:AlternateContent xmlns:mc="http://schemas.openxmlformats.org/markup-compatibility/2006">
+    <mc:Choice xmlns:p14="http://schemas.microsoft.com/office/powerpoint/2010/main" Requires="p14">
+      <p:transition spd="slow" p14:dur="1500">
+        <p:random/>
+      </p:transition>
+    </mc:Choice>
+    <mc:Fallback>
+      <p:transition spd="slow">
+        <p:random/>
+      </p:transition>
+    </mc:Fallback>
+  </mc:AlternateContent>
   <p:timing>
     <p:tnLst>
       <p:par>
@@ -6566,7 +11667,9 @@
       </p:sp>
       <p:sp>
         <p:nvSpPr>
-          <p:cNvPr id="7" name="Овал 6"/>
+          <p:cNvPr id="7" name="Овал 6">
+            <a:hlinkClick r:id="rId4" action="ppaction://hlinksldjump"/>
+          </p:cNvPr>
           <p:cNvSpPr/>
           <p:nvPr/>
         </p:nvSpPr>
@@ -6610,7 +11713,9 @@
       </p:sp>
       <p:sp>
         <p:nvSpPr>
-          <p:cNvPr id="8" name="Овал 7"/>
+          <p:cNvPr id="8" name="Овал 7">
+            <a:hlinkClick r:id="rId5" action="ppaction://hlinksldjump"/>
+          </p:cNvPr>
           <p:cNvSpPr/>
           <p:nvPr/>
         </p:nvSpPr>
@@ -6648,13 +11753,14 @@
               <a:rPr lang="ru-RU" dirty="0"/>
               <a:t>4</a:t>
             </a:r>
-            <a:endParaRPr lang="ru-RU" dirty="0"/>
-          </a:p>
-        </p:txBody>
-      </p:sp>
-      <p:sp>
-        <p:nvSpPr>
-          <p:cNvPr id="9" name="Овал 8"/>
+          </a:p>
+        </p:txBody>
+      </p:sp>
+      <p:sp>
+        <p:nvSpPr>
+          <p:cNvPr id="9" name="Овал 8">
+            <a:hlinkClick r:id="rId6" action="ppaction://hlinksldjump"/>
+          </p:cNvPr>
           <p:cNvSpPr/>
           <p:nvPr/>
         </p:nvSpPr>
@@ -6692,13 +11798,14 @@
               <a:rPr lang="ru-RU" dirty="0"/>
               <a:t>5</a:t>
             </a:r>
-            <a:endParaRPr lang="ru-RU" dirty="0"/>
-          </a:p>
-        </p:txBody>
-      </p:sp>
-      <p:sp>
-        <p:nvSpPr>
-          <p:cNvPr id="10" name="Овал 9"/>
+          </a:p>
+        </p:txBody>
+      </p:sp>
+      <p:sp>
+        <p:nvSpPr>
+          <p:cNvPr id="10" name="Овал 9">
+            <a:hlinkClick r:id="rId7" action="ppaction://hlinksldjump"/>
+          </p:cNvPr>
           <p:cNvSpPr/>
           <p:nvPr/>
         </p:nvSpPr>
@@ -6736,13 +11843,14 @@
               <a:rPr lang="ru-RU" dirty="0"/>
               <a:t>6</a:t>
             </a:r>
-            <a:endParaRPr lang="ru-RU" dirty="0"/>
-          </a:p>
-        </p:txBody>
-      </p:sp>
-      <p:sp>
-        <p:nvSpPr>
-          <p:cNvPr id="11" name="Овал 10"/>
+          </a:p>
+        </p:txBody>
+      </p:sp>
+      <p:sp>
+        <p:nvSpPr>
+          <p:cNvPr id="11" name="Овал 10">
+            <a:hlinkClick r:id="rId8" action="ppaction://hlinksldjump"/>
+          </p:cNvPr>
           <p:cNvSpPr/>
           <p:nvPr/>
         </p:nvSpPr>
@@ -6780,13 +11888,14 @@
               <a:rPr lang="ru-RU" dirty="0"/>
               <a:t>7</a:t>
             </a:r>
-            <a:endParaRPr lang="ru-RU" dirty="0"/>
-          </a:p>
-        </p:txBody>
-      </p:sp>
-      <p:sp>
-        <p:nvSpPr>
-          <p:cNvPr id="12" name="Овал 11"/>
+          </a:p>
+        </p:txBody>
+      </p:sp>
+      <p:sp>
+        <p:nvSpPr>
+          <p:cNvPr id="12" name="Овал 11">
+            <a:hlinkClick r:id="rId9" action="ppaction://hlinksldjump"/>
+          </p:cNvPr>
           <p:cNvSpPr/>
           <p:nvPr/>
         </p:nvSpPr>
@@ -6824,13 +11933,14 @@
               <a:rPr lang="ru-RU" dirty="0"/>
               <a:t>8</a:t>
             </a:r>
-            <a:endParaRPr lang="ru-RU" dirty="0"/>
-          </a:p>
-        </p:txBody>
-      </p:sp>
-      <p:sp>
-        <p:nvSpPr>
-          <p:cNvPr id="13" name="Овал 12"/>
+          </a:p>
+        </p:txBody>
+      </p:sp>
+      <p:sp>
+        <p:nvSpPr>
+          <p:cNvPr id="13" name="Овал 12">
+            <a:hlinkClick r:id="rId10" action="ppaction://hlinksldjump"/>
+          </p:cNvPr>
           <p:cNvSpPr/>
           <p:nvPr/>
         </p:nvSpPr>
@@ -6868,13 +11978,14 @@
               <a:rPr lang="ru-RU" dirty="0"/>
               <a:t>9</a:t>
             </a:r>
-            <a:endParaRPr lang="ru-RU" dirty="0"/>
-          </a:p>
-        </p:txBody>
-      </p:sp>
-      <p:sp>
-        <p:nvSpPr>
-          <p:cNvPr id="14" name="Овал 13"/>
+          </a:p>
+        </p:txBody>
+      </p:sp>
+      <p:sp>
+        <p:nvSpPr>
+          <p:cNvPr id="14" name="Овал 13">
+            <a:hlinkClick r:id="rId11" action="ppaction://hlinksldjump"/>
+          </p:cNvPr>
           <p:cNvSpPr/>
           <p:nvPr/>
         </p:nvSpPr>
@@ -6918,7 +12029,9 @@
       </p:sp>
       <p:sp>
         <p:nvSpPr>
-          <p:cNvPr id="15" name="Овал 14"/>
+          <p:cNvPr id="15" name="Овал 14">
+            <a:hlinkClick r:id="rId12" action="ppaction://hlinksldjump"/>
+          </p:cNvPr>
           <p:cNvSpPr/>
           <p:nvPr/>
         </p:nvSpPr>
@@ -6962,7 +12075,9 @@
       </p:sp>
       <p:sp>
         <p:nvSpPr>
-          <p:cNvPr id="16" name="Овал 15"/>
+          <p:cNvPr id="16" name="Овал 15">
+            <a:hlinkClick r:id="rId13" action="ppaction://hlinksldjump"/>
+          </p:cNvPr>
           <p:cNvSpPr/>
           <p:nvPr/>
         </p:nvSpPr>
@@ -7050,7 +12165,9 @@
       </p:sp>
       <p:sp>
         <p:nvSpPr>
-          <p:cNvPr id="18" name="Овал 17"/>
+          <p:cNvPr id="18" name="Овал 17">
+            <a:hlinkClick r:id="rId14" action="ppaction://hlinksldjump"/>
+          </p:cNvPr>
           <p:cNvSpPr/>
           <p:nvPr/>
         </p:nvSpPr>
@@ -7094,7 +12211,9 @@
       </p:sp>
       <p:sp>
         <p:nvSpPr>
-          <p:cNvPr id="19" name="Овал 18"/>
+          <p:cNvPr id="19" name="Овал 18">
+            <a:hlinkClick r:id="rId3" action="ppaction://hlinksldjump"/>
+          </p:cNvPr>
           <p:cNvSpPr/>
           <p:nvPr/>
         </p:nvSpPr>
@@ -7146,15 +12265,811 @@
   <p:clrMapOvr>
     <a:masterClrMapping/>
   </p:clrMapOvr>
-  <mc:AlternateContent xmlns:mc="http://schemas.openxmlformats.org/markup-compatibility/2006">
-    <mc:Choice xmlns:p15="http://schemas.microsoft.com/office/powerpoint/2012/main" Requires="p15">
+  <mc:AlternateContent xmlns:mc="http://schemas.openxmlformats.org/markup-compatibility/2006" xmlns:p15="http://schemas.microsoft.com/office/powerpoint/2012/main">
+    <mc:Choice Requires="p15">
       <p:transition xmlns:p14="http://schemas.microsoft.com/office/powerpoint/2010/main" spd="slow" p14:dur="2750">
         <p15:prstTrans prst="curtains"/>
       </p:transition>
     </mc:Choice>
+    <mc:Fallback xmlns="">
+      <p:transition spd="slow">
+        <p:fade/>
+      </p:transition>
+    </mc:Fallback>
+  </mc:AlternateContent>
+  <p:timing>
+    <p:tnLst>
+      <p:par>
+        <p:cTn id="1" dur="indefinite" restart="never" nodeType="tmRoot"/>
+      </p:par>
+    </p:tnLst>
+  </p:timing>
+</p:sld>
+</file>
+
+<file path=ppt/slides/slide30.xml><?xml version="1.0" encoding="utf-8"?>
+<p:sld xmlns:a="http://schemas.openxmlformats.org/drawingml/2006/main" xmlns:r="http://schemas.openxmlformats.org/officeDocument/2006/relationships" xmlns:p="http://schemas.openxmlformats.org/presentationml/2006/main">
+  <p:cSld>
+    <p:spTree>
+      <p:nvGrpSpPr>
+        <p:cNvPr id="1" name=""/>
+        <p:cNvGrpSpPr/>
+        <p:nvPr/>
+      </p:nvGrpSpPr>
+      <p:grpSpPr>
+        <a:xfrm>
+          <a:off x="0" y="0"/>
+          <a:ext cx="0" cy="0"/>
+          <a:chOff x="0" y="0"/>
+          <a:chExt cx="0" cy="0"/>
+        </a:xfrm>
+      </p:grpSpPr>
+      <p:sp>
+        <p:nvSpPr>
+          <p:cNvPr id="4" name="Прямоугольник 3"/>
+          <p:cNvSpPr/>
+          <p:nvPr/>
+        </p:nvSpPr>
+        <p:spPr>
+          <a:xfrm>
+            <a:off x="516061" y="722899"/>
+            <a:ext cx="6654386" cy="923330"/>
+          </a:xfrm>
+          <a:prstGeom prst="rect">
+            <a:avLst/>
+          </a:prstGeom>
+          <a:noFill/>
+        </p:spPr>
+        <p:txBody>
+          <a:bodyPr wrap="none" lIns="91440" tIns="45720" rIns="91440" bIns="45720">
+            <a:spAutoFit/>
+          </a:bodyPr>
+          <a:lstStyle/>
+          <a:p>
+            <a:pPr algn="ctr"/>
+            <a:r>
+              <a:rPr lang="ru-RU" sz="5400" b="1" cap="none" spc="0" dirty="0" smtClean="0">
+                <a:ln w="9525">
+                  <a:solidFill>
+                    <a:schemeClr val="bg1"/>
+                  </a:solidFill>
+                  <a:prstDash val="solid"/>
+                </a:ln>
+                <a:solidFill>
+                  <a:schemeClr val="tx1"/>
+                </a:solidFill>
+                <a:effectLst>
+                  <a:outerShdw blurRad="12700" dist="38100" dir="2700000" algn="tl" rotWithShape="0">
+                    <a:schemeClr val="bg1">
+                      <a:lumMod val="50000"/>
+                    </a:schemeClr>
+                  </a:outerShdw>
+                </a:effectLst>
+              </a:rPr>
+              <a:t>Правильный ответ:</a:t>
+            </a:r>
+            <a:endParaRPr lang="ru-RU" sz="5400" b="1" cap="none" spc="0" dirty="0">
+              <a:ln w="9525">
+                <a:solidFill>
+                  <a:schemeClr val="bg1"/>
+                </a:solidFill>
+                <a:prstDash val="solid"/>
+              </a:ln>
+              <a:solidFill>
+                <a:schemeClr val="tx1"/>
+              </a:solidFill>
+              <a:effectLst>
+                <a:outerShdw blurRad="12700" dist="38100" dir="2700000" algn="tl" rotWithShape="0">
+                  <a:schemeClr val="bg1">
+                    <a:lumMod val="50000"/>
+                  </a:schemeClr>
+                </a:outerShdw>
+              </a:effectLst>
+            </a:endParaRPr>
+          </a:p>
+        </p:txBody>
+      </p:sp>
+      <p:sp>
+        <p:nvSpPr>
+          <p:cNvPr id="6" name="Овал 5">
+            <a:hlinkClick r:id="rId2" action="ppaction://hlinksldjump"/>
+          </p:cNvPr>
+          <p:cNvSpPr/>
+          <p:nvPr/>
+        </p:nvSpPr>
+        <p:spPr>
+          <a:xfrm>
+            <a:off x="4954385" y="5320145"/>
+            <a:ext cx="3117273" cy="781397"/>
+          </a:xfrm>
+          <a:prstGeom prst="ellipse">
+            <a:avLst/>
+          </a:prstGeom>
+        </p:spPr>
+        <p:style>
+          <a:lnRef idx="2">
+            <a:schemeClr val="accent1">
+              <a:shade val="50000"/>
+            </a:schemeClr>
+          </a:lnRef>
+          <a:fillRef idx="1">
+            <a:schemeClr val="accent1"/>
+          </a:fillRef>
+          <a:effectRef idx="0">
+            <a:schemeClr val="accent1"/>
+          </a:effectRef>
+          <a:fontRef idx="minor">
+            <a:schemeClr val="lt1"/>
+          </a:fontRef>
+        </p:style>
+        <p:txBody>
+          <a:bodyPr rtlCol="0" anchor="ctr"/>
+          <a:lstStyle/>
+          <a:p>
+            <a:pPr algn="ctr"/>
+            <a:r>
+              <a:rPr lang="ru-RU" sz="3600" dirty="0" smtClean="0"/>
+              <a:t>Назад</a:t>
+            </a:r>
+            <a:endParaRPr lang="ru-RU" sz="3600" dirty="0"/>
+          </a:p>
+        </p:txBody>
+      </p:sp>
+      <p:sp>
+        <p:nvSpPr>
+          <p:cNvPr id="2" name="Прямоугольник 1"/>
+          <p:cNvSpPr/>
+          <p:nvPr/>
+        </p:nvSpPr>
+        <p:spPr>
+          <a:xfrm>
+            <a:off x="3329541" y="2510134"/>
+            <a:ext cx="3454793" cy="1569660"/>
+          </a:xfrm>
+          <a:prstGeom prst="rect">
+            <a:avLst/>
+          </a:prstGeom>
+          <a:noFill/>
+        </p:spPr>
+        <p:txBody>
+          <a:bodyPr wrap="none" lIns="91440" tIns="45720" rIns="91440" bIns="45720">
+            <a:spAutoFit/>
+          </a:bodyPr>
+          <a:lstStyle/>
+          <a:p>
+            <a:pPr algn="ctr"/>
+            <a:r>
+              <a:rPr lang="ru-RU" sz="4800" dirty="0" smtClean="0">
+                <a:ln w="0"/>
+                <a:gradFill>
+                  <a:gsLst>
+                    <a:gs pos="0">
+                      <a:schemeClr val="accent5">
+                        <a:lumMod val="50000"/>
+                      </a:schemeClr>
+                    </a:gs>
+                    <a:gs pos="50000">
+                      <a:schemeClr val="accent5"/>
+                    </a:gs>
+                    <a:gs pos="100000">
+                      <a:schemeClr val="accent5">
+                        <a:lumMod val="60000"/>
+                        <a:lumOff val="40000"/>
+                      </a:schemeClr>
+                    </a:gs>
+                  </a:gsLst>
+                  <a:lin ang="5400000"/>
+                </a:gradFill>
+                <a:effectLst>
+                  <a:reflection blurRad="6350" stA="53000" endA="300" endPos="35500" dir="5400000" sy="-90000" algn="bl" rotWithShape="0"/>
+                </a:effectLst>
+              </a:rPr>
+              <a:t>Шиллер</a:t>
+            </a:r>
+          </a:p>
+          <a:p>
+            <a:pPr algn="ctr"/>
+            <a:r>
+              <a:rPr lang="en-US" sz="4800" b="0" cap="none" spc="0" dirty="0" smtClean="0">
+                <a:ln w="0"/>
+                <a:gradFill>
+                  <a:gsLst>
+                    <a:gs pos="0">
+                      <a:schemeClr val="accent5">
+                        <a:lumMod val="50000"/>
+                      </a:schemeClr>
+                    </a:gs>
+                    <a:gs pos="50000">
+                      <a:schemeClr val="accent5"/>
+                    </a:gs>
+                    <a:gs pos="100000">
+                      <a:schemeClr val="accent5">
+                        <a:lumMod val="60000"/>
+                        <a:lumOff val="40000"/>
+                      </a:schemeClr>
+                    </a:gs>
+                  </a:gsLst>
+                  <a:lin ang="5400000"/>
+                </a:gradFill>
+                <a:effectLst>
+                  <a:reflection blurRad="6350" stA="53000" endA="300" endPos="35500" dir="5400000" sy="-90000" algn="bl" rotWithShape="0"/>
+                </a:effectLst>
+              </a:rPr>
+              <a:t>“</a:t>
+            </a:r>
+            <a:r>
+              <a:rPr lang="ru-RU" sz="4800" b="0" cap="none" spc="0" dirty="0" smtClean="0">
+                <a:ln w="0"/>
+                <a:gradFill>
+                  <a:gsLst>
+                    <a:gs pos="0">
+                      <a:schemeClr val="accent5">
+                        <a:lumMod val="50000"/>
+                      </a:schemeClr>
+                    </a:gs>
+                    <a:gs pos="50000">
+                      <a:schemeClr val="accent5"/>
+                    </a:gs>
+                    <a:gs pos="100000">
+                      <a:schemeClr val="accent5">
+                        <a:lumMod val="60000"/>
+                        <a:lumOff val="40000"/>
+                      </a:schemeClr>
+                    </a:gs>
+                  </a:gsLst>
+                  <a:lin ang="5400000"/>
+                </a:gradFill>
+                <a:effectLst>
+                  <a:reflection blurRad="6350" stA="53000" endA="300" endPos="35500" dir="5400000" sy="-90000" algn="bl" rotWithShape="0"/>
+                </a:effectLst>
+              </a:rPr>
+              <a:t>Перчатка</a:t>
+            </a:r>
+            <a:r>
+              <a:rPr lang="en-US" sz="4800" b="0" cap="none" spc="0" dirty="0" smtClean="0">
+                <a:ln w="0"/>
+                <a:gradFill>
+                  <a:gsLst>
+                    <a:gs pos="0">
+                      <a:schemeClr val="accent5">
+                        <a:lumMod val="50000"/>
+                      </a:schemeClr>
+                    </a:gs>
+                    <a:gs pos="50000">
+                      <a:schemeClr val="accent5"/>
+                    </a:gs>
+                    <a:gs pos="100000">
+                      <a:schemeClr val="accent5">
+                        <a:lumMod val="60000"/>
+                        <a:lumOff val="40000"/>
+                      </a:schemeClr>
+                    </a:gs>
+                  </a:gsLst>
+                  <a:lin ang="5400000"/>
+                </a:gradFill>
+                <a:effectLst>
+                  <a:reflection blurRad="6350" stA="53000" endA="300" endPos="35500" dir="5400000" sy="-90000" algn="bl" rotWithShape="0"/>
+                </a:effectLst>
+              </a:rPr>
+              <a:t>”</a:t>
+            </a:r>
+            <a:endParaRPr lang="ru-RU" sz="4800" b="0" cap="none" spc="0" dirty="0">
+              <a:ln w="0"/>
+              <a:gradFill>
+                <a:gsLst>
+                  <a:gs pos="0">
+                    <a:schemeClr val="accent5">
+                      <a:lumMod val="50000"/>
+                    </a:schemeClr>
+                  </a:gs>
+                  <a:gs pos="50000">
+                    <a:schemeClr val="accent5"/>
+                  </a:gs>
+                  <a:gs pos="100000">
+                    <a:schemeClr val="accent5">
+                      <a:lumMod val="60000"/>
+                      <a:lumOff val="40000"/>
+                    </a:schemeClr>
+                  </a:gs>
+                </a:gsLst>
+                <a:lin ang="5400000"/>
+              </a:gradFill>
+              <a:effectLst>
+                <a:reflection blurRad="6350" stA="53000" endA="300" endPos="35500" dir="5400000" sy="-90000" algn="bl" rotWithShape="0"/>
+              </a:effectLst>
+            </a:endParaRPr>
+          </a:p>
+        </p:txBody>
+      </p:sp>
+    </p:spTree>
+    <p:extLst>
+      <p:ext uri="{BB962C8B-B14F-4D97-AF65-F5344CB8AC3E}">
+        <p14:creationId xmlns:p14="http://schemas.microsoft.com/office/powerpoint/2010/main" val="4131236631"/>
+      </p:ext>
+    </p:extLst>
+  </p:cSld>
+  <p:clrMapOvr>
+    <a:masterClrMapping/>
+  </p:clrMapOvr>
+  <mc:AlternateContent xmlns:mc="http://schemas.openxmlformats.org/markup-compatibility/2006">
+    <mc:Choice xmlns:p14="http://schemas.microsoft.com/office/powerpoint/2010/main" Requires="p14">
+      <p:transition spd="slow" p14:dur="1500">
+        <p:random/>
+      </p:transition>
+    </mc:Choice>
     <mc:Fallback>
       <p:transition spd="slow">
-        <p:fade/>
+        <p:random/>
+      </p:transition>
+    </mc:Fallback>
+  </mc:AlternateContent>
+  <p:timing>
+    <p:tnLst>
+      <p:par>
+        <p:cTn id="1" dur="indefinite" restart="never" nodeType="tmRoot"/>
+      </p:par>
+    </p:tnLst>
+  </p:timing>
+</p:sld>
+</file>
+
+<file path=ppt/slides/slide31.xml><?xml version="1.0" encoding="utf-8"?>
+<p:sld xmlns:a="http://schemas.openxmlformats.org/drawingml/2006/main" xmlns:r="http://schemas.openxmlformats.org/officeDocument/2006/relationships" xmlns:p="http://schemas.openxmlformats.org/presentationml/2006/main">
+  <p:cSld>
+    <p:spTree>
+      <p:nvGrpSpPr>
+        <p:cNvPr id="1" name=""/>
+        <p:cNvGrpSpPr/>
+        <p:nvPr/>
+      </p:nvGrpSpPr>
+      <p:grpSpPr>
+        <a:xfrm>
+          <a:off x="0" y="0"/>
+          <a:ext cx="0" cy="0"/>
+          <a:chOff x="0" y="0"/>
+          <a:chExt cx="0" cy="0"/>
+        </a:xfrm>
+      </p:grpSpPr>
+      <p:cxnSp>
+        <p:nvCxnSpPr>
+          <p:cNvPr id="12" name="Прямая со стрелкой 11"/>
+          <p:cNvCxnSpPr/>
+          <p:nvPr/>
+        </p:nvCxnSpPr>
+        <p:spPr>
+          <a:xfrm>
+            <a:off x="5145578" y="6251171"/>
+            <a:ext cx="1978429" cy="8313"/>
+          </a:xfrm>
+          <a:prstGeom prst="straightConnector1">
+            <a:avLst/>
+          </a:prstGeom>
+          <a:ln>
+            <a:tailEnd type="triangle"/>
+          </a:ln>
+        </p:spPr>
+        <p:style>
+          <a:lnRef idx="1">
+            <a:schemeClr val="accent1"/>
+          </a:lnRef>
+          <a:fillRef idx="0">
+            <a:schemeClr val="accent1"/>
+          </a:fillRef>
+          <a:effectRef idx="0">
+            <a:schemeClr val="accent1"/>
+          </a:effectRef>
+          <a:fontRef idx="minor">
+            <a:schemeClr val="tx1"/>
+          </a:fontRef>
+        </p:style>
+      </p:cxnSp>
+      <p:sp>
+        <p:nvSpPr>
+          <p:cNvPr id="13" name="TextBox 12"/>
+          <p:cNvSpPr txBox="1"/>
+          <p:nvPr/>
+        </p:nvSpPr>
+        <p:spPr>
+          <a:xfrm>
+            <a:off x="5203767" y="5881839"/>
+            <a:ext cx="1707519" cy="369332"/>
+          </a:xfrm>
+          <a:prstGeom prst="rect">
+            <a:avLst/>
+          </a:prstGeom>
+          <a:noFill/>
+        </p:spPr>
+        <p:txBody>
+          <a:bodyPr wrap="none" rtlCol="0">
+            <a:spAutoFit/>
+          </a:bodyPr>
+          <a:lstStyle/>
+          <a:p>
+            <a:r>
+              <a:rPr lang="ru-RU" dirty="0" smtClean="0"/>
+              <a:t>Узнать </a:t>
+            </a:r>
+            <a:r>
+              <a:rPr lang="ru-RU" dirty="0" smtClean="0"/>
+              <a:t>ответ…</a:t>
+            </a:r>
+            <a:endParaRPr lang="ru-RU" dirty="0"/>
+          </a:p>
+        </p:txBody>
+      </p:sp>
+      <p:sp>
+        <p:nvSpPr>
+          <p:cNvPr id="3" name="TextBox 2"/>
+          <p:cNvSpPr txBox="1"/>
+          <p:nvPr/>
+        </p:nvSpPr>
+        <p:spPr>
+          <a:xfrm>
+            <a:off x="1330037" y="748145"/>
+            <a:ext cx="5668539" cy="861774"/>
+          </a:xfrm>
+          <a:prstGeom prst="rect">
+            <a:avLst/>
+          </a:prstGeom>
+          <a:noFill/>
+        </p:spPr>
+        <p:txBody>
+          <a:bodyPr wrap="none" rtlCol="0">
+            <a:spAutoFit/>
+          </a:bodyPr>
+          <a:lstStyle/>
+          <a:p>
+            <a:r>
+              <a:rPr lang="ru-RU" sz="3200" dirty="0" err="1" smtClean="0"/>
+              <a:t>Проспер</a:t>
+            </a:r>
+            <a:r>
+              <a:rPr lang="ru-RU" sz="3200" dirty="0" smtClean="0"/>
+              <a:t> Мериме … писатель</a:t>
+            </a:r>
+          </a:p>
+          <a:p>
+            <a:endParaRPr lang="ru-RU" dirty="0"/>
+          </a:p>
+        </p:txBody>
+      </p:sp>
+      <p:sp>
+        <p:nvSpPr>
+          <p:cNvPr id="2" name="TextBox 1"/>
+          <p:cNvSpPr txBox="1"/>
+          <p:nvPr/>
+        </p:nvSpPr>
+        <p:spPr>
+          <a:xfrm>
+            <a:off x="2826327" y="2908185"/>
+            <a:ext cx="3698424" cy="1569660"/>
+          </a:xfrm>
+          <a:prstGeom prst="rect">
+            <a:avLst/>
+          </a:prstGeom>
+          <a:noFill/>
+        </p:spPr>
+        <p:txBody>
+          <a:bodyPr wrap="square" rtlCol="0">
+            <a:spAutoFit/>
+          </a:bodyPr>
+          <a:lstStyle/>
+          <a:p>
+            <a:pPr marL="342900" indent="-342900">
+              <a:buAutoNum type="arabicParenR"/>
+            </a:pPr>
+            <a:r>
+              <a:rPr lang="ru-RU" sz="3200" dirty="0" smtClean="0"/>
+              <a:t>Русский</a:t>
+            </a:r>
+          </a:p>
+          <a:p>
+            <a:pPr marL="342900" indent="-342900">
+              <a:buAutoNum type="arabicParenR"/>
+            </a:pPr>
+            <a:r>
+              <a:rPr lang="ru-RU" sz="3200" dirty="0" smtClean="0"/>
+              <a:t>Американский</a:t>
+            </a:r>
+          </a:p>
+          <a:p>
+            <a:pPr marL="342900" indent="-342900">
+              <a:buAutoNum type="arabicParenR"/>
+            </a:pPr>
+            <a:r>
+              <a:rPr lang="ru-RU" sz="3200" dirty="0" err="1" smtClean="0"/>
+              <a:t>Французкий</a:t>
+            </a:r>
+            <a:endParaRPr lang="ru-RU" sz="3200" dirty="0"/>
+          </a:p>
+        </p:txBody>
+      </p:sp>
+    </p:spTree>
+    <p:extLst>
+      <p:ext uri="{BB962C8B-B14F-4D97-AF65-F5344CB8AC3E}">
+        <p14:creationId xmlns:p14="http://schemas.microsoft.com/office/powerpoint/2010/main" val="2307388009"/>
+      </p:ext>
+    </p:extLst>
+  </p:cSld>
+  <p:clrMapOvr>
+    <a:masterClrMapping/>
+  </p:clrMapOvr>
+  <mc:AlternateContent xmlns:mc="http://schemas.openxmlformats.org/markup-compatibility/2006">
+    <mc:Choice xmlns:p14="http://schemas.microsoft.com/office/powerpoint/2010/main" Requires="p14">
+      <p:transition spd="slow" p14:dur="1500">
+        <p:random/>
+      </p:transition>
+    </mc:Choice>
+    <mc:Fallback>
+      <p:transition spd="slow">
+        <p:random/>
+      </p:transition>
+    </mc:Fallback>
+  </mc:AlternateContent>
+  <p:timing>
+    <p:tnLst>
+      <p:par>
+        <p:cTn id="1" dur="indefinite" restart="never" nodeType="tmRoot"/>
+      </p:par>
+    </p:tnLst>
+  </p:timing>
+</p:sld>
+</file>
+
+<file path=ppt/slides/slide32.xml><?xml version="1.0" encoding="utf-8"?>
+<p:sld xmlns:a="http://schemas.openxmlformats.org/drawingml/2006/main" xmlns:r="http://schemas.openxmlformats.org/officeDocument/2006/relationships" xmlns:p="http://schemas.openxmlformats.org/presentationml/2006/main">
+  <p:cSld>
+    <p:spTree>
+      <p:nvGrpSpPr>
+        <p:cNvPr id="1" name=""/>
+        <p:cNvGrpSpPr/>
+        <p:nvPr/>
+      </p:nvGrpSpPr>
+      <p:grpSpPr>
+        <a:xfrm>
+          <a:off x="0" y="0"/>
+          <a:ext cx="0" cy="0"/>
+          <a:chOff x="0" y="0"/>
+          <a:chExt cx="0" cy="0"/>
+        </a:xfrm>
+      </p:grpSpPr>
+      <p:sp>
+        <p:nvSpPr>
+          <p:cNvPr id="4" name="Прямоугольник 3"/>
+          <p:cNvSpPr/>
+          <p:nvPr/>
+        </p:nvSpPr>
+        <p:spPr>
+          <a:xfrm>
+            <a:off x="516061" y="722899"/>
+            <a:ext cx="6654386" cy="923330"/>
+          </a:xfrm>
+          <a:prstGeom prst="rect">
+            <a:avLst/>
+          </a:prstGeom>
+          <a:noFill/>
+        </p:spPr>
+        <p:txBody>
+          <a:bodyPr wrap="none" lIns="91440" tIns="45720" rIns="91440" bIns="45720">
+            <a:spAutoFit/>
+          </a:bodyPr>
+          <a:lstStyle/>
+          <a:p>
+            <a:pPr algn="ctr"/>
+            <a:r>
+              <a:rPr lang="ru-RU" sz="5400" b="1" cap="none" spc="0" dirty="0" smtClean="0">
+                <a:ln w="9525">
+                  <a:solidFill>
+                    <a:schemeClr val="bg1"/>
+                  </a:solidFill>
+                  <a:prstDash val="solid"/>
+                </a:ln>
+                <a:solidFill>
+                  <a:schemeClr val="tx1"/>
+                </a:solidFill>
+                <a:effectLst>
+                  <a:outerShdw blurRad="12700" dist="38100" dir="2700000" algn="tl" rotWithShape="0">
+                    <a:schemeClr val="bg1">
+                      <a:lumMod val="50000"/>
+                    </a:schemeClr>
+                  </a:outerShdw>
+                </a:effectLst>
+              </a:rPr>
+              <a:t>Правильный ответ:</a:t>
+            </a:r>
+            <a:endParaRPr lang="ru-RU" sz="5400" b="1" cap="none" spc="0" dirty="0">
+              <a:ln w="9525">
+                <a:solidFill>
+                  <a:schemeClr val="bg1"/>
+                </a:solidFill>
+                <a:prstDash val="solid"/>
+              </a:ln>
+              <a:solidFill>
+                <a:schemeClr val="tx1"/>
+              </a:solidFill>
+              <a:effectLst>
+                <a:outerShdw blurRad="12700" dist="38100" dir="2700000" algn="tl" rotWithShape="0">
+                  <a:schemeClr val="bg1">
+                    <a:lumMod val="50000"/>
+                  </a:schemeClr>
+                </a:outerShdw>
+              </a:effectLst>
+            </a:endParaRPr>
+          </a:p>
+        </p:txBody>
+      </p:sp>
+      <p:sp>
+        <p:nvSpPr>
+          <p:cNvPr id="6" name="Овал 5">
+            <a:hlinkClick r:id="rId2" action="ppaction://hlinksldjump"/>
+          </p:cNvPr>
+          <p:cNvSpPr/>
+          <p:nvPr/>
+        </p:nvSpPr>
+        <p:spPr>
+          <a:xfrm>
+            <a:off x="4954385" y="5320145"/>
+            <a:ext cx="3117273" cy="781397"/>
+          </a:xfrm>
+          <a:prstGeom prst="ellipse">
+            <a:avLst/>
+          </a:prstGeom>
+        </p:spPr>
+        <p:style>
+          <a:lnRef idx="2">
+            <a:schemeClr val="accent1">
+              <a:shade val="50000"/>
+            </a:schemeClr>
+          </a:lnRef>
+          <a:fillRef idx="1">
+            <a:schemeClr val="accent1"/>
+          </a:fillRef>
+          <a:effectRef idx="0">
+            <a:schemeClr val="accent1"/>
+          </a:effectRef>
+          <a:fontRef idx="minor">
+            <a:schemeClr val="lt1"/>
+          </a:fontRef>
+        </p:style>
+        <p:txBody>
+          <a:bodyPr rtlCol="0" anchor="ctr"/>
+          <a:lstStyle/>
+          <a:p>
+            <a:pPr algn="ctr"/>
+            <a:r>
+              <a:rPr lang="ru-RU" sz="3600" dirty="0" smtClean="0"/>
+              <a:t>Назад</a:t>
+            </a:r>
+            <a:endParaRPr lang="ru-RU" sz="3600" dirty="0"/>
+          </a:p>
+        </p:txBody>
+      </p:sp>
+      <p:sp>
+        <p:nvSpPr>
+          <p:cNvPr id="2" name="Прямоугольник 1"/>
+          <p:cNvSpPr/>
+          <p:nvPr/>
+        </p:nvSpPr>
+        <p:spPr>
+          <a:xfrm>
+            <a:off x="1595099" y="2510134"/>
+            <a:ext cx="6923690" cy="830997"/>
+          </a:xfrm>
+          <a:prstGeom prst="rect">
+            <a:avLst/>
+          </a:prstGeom>
+          <a:noFill/>
+        </p:spPr>
+        <p:txBody>
+          <a:bodyPr wrap="none" lIns="91440" tIns="45720" rIns="91440" bIns="45720">
+            <a:spAutoFit/>
+          </a:bodyPr>
+          <a:lstStyle/>
+          <a:p>
+            <a:pPr algn="ctr"/>
+            <a:r>
+              <a:rPr lang="ru-RU" sz="4800" b="0" cap="none" spc="0" dirty="0" smtClean="0">
+                <a:ln w="0"/>
+                <a:gradFill>
+                  <a:gsLst>
+                    <a:gs pos="0">
+                      <a:schemeClr val="accent5">
+                        <a:lumMod val="50000"/>
+                      </a:schemeClr>
+                    </a:gs>
+                    <a:gs pos="50000">
+                      <a:schemeClr val="accent5"/>
+                    </a:gs>
+                    <a:gs pos="100000">
+                      <a:schemeClr val="accent5">
+                        <a:lumMod val="60000"/>
+                        <a:lumOff val="40000"/>
+                      </a:schemeClr>
+                    </a:gs>
+                  </a:gsLst>
+                  <a:lin ang="5400000"/>
+                </a:gradFill>
+                <a:effectLst>
+                  <a:reflection blurRad="6350" stA="53000" endA="300" endPos="35500" dir="5400000" sy="-90000" algn="bl" rotWithShape="0"/>
+                </a:effectLst>
+              </a:rPr>
+              <a:t>3) Конечно </a:t>
+            </a:r>
+            <a:r>
+              <a:rPr lang="ru-RU" sz="4800" b="0" cap="none" spc="0" dirty="0" err="1" smtClean="0">
+                <a:ln w="0"/>
+                <a:gradFill>
+                  <a:gsLst>
+                    <a:gs pos="0">
+                      <a:schemeClr val="accent5">
+                        <a:lumMod val="50000"/>
+                      </a:schemeClr>
+                    </a:gs>
+                    <a:gs pos="50000">
+                      <a:schemeClr val="accent5"/>
+                    </a:gs>
+                    <a:gs pos="100000">
+                      <a:schemeClr val="accent5">
+                        <a:lumMod val="60000"/>
+                        <a:lumOff val="40000"/>
+                      </a:schemeClr>
+                    </a:gs>
+                  </a:gsLst>
+                  <a:lin ang="5400000"/>
+                </a:gradFill>
+                <a:effectLst>
+                  <a:reflection blurRad="6350" stA="53000" endA="300" endPos="35500" dir="5400000" sy="-90000" algn="bl" rotWithShape="0"/>
+                </a:effectLst>
+              </a:rPr>
+              <a:t>французкий</a:t>
+            </a:r>
+            <a:endParaRPr lang="ru-RU" sz="4800" b="0" cap="none" spc="0" dirty="0">
+              <a:ln w="0"/>
+              <a:gradFill>
+                <a:gsLst>
+                  <a:gs pos="0">
+                    <a:schemeClr val="accent5">
+                      <a:lumMod val="50000"/>
+                    </a:schemeClr>
+                  </a:gs>
+                  <a:gs pos="50000">
+                    <a:schemeClr val="accent5"/>
+                  </a:gs>
+                  <a:gs pos="100000">
+                    <a:schemeClr val="accent5">
+                      <a:lumMod val="60000"/>
+                      <a:lumOff val="40000"/>
+                    </a:schemeClr>
+                  </a:gs>
+                </a:gsLst>
+                <a:lin ang="5400000"/>
+              </a:gradFill>
+              <a:effectLst>
+                <a:reflection blurRad="6350" stA="53000" endA="300" endPos="35500" dir="5400000" sy="-90000" algn="bl" rotWithShape="0"/>
+              </a:effectLst>
+            </a:endParaRPr>
+          </a:p>
+        </p:txBody>
+      </p:sp>
+    </p:spTree>
+    <p:extLst>
+      <p:ext uri="{BB962C8B-B14F-4D97-AF65-F5344CB8AC3E}">
+        <p14:creationId xmlns:p14="http://schemas.microsoft.com/office/powerpoint/2010/main" val="3049232095"/>
+      </p:ext>
+    </p:extLst>
+  </p:cSld>
+  <p:clrMapOvr>
+    <a:masterClrMapping/>
+  </p:clrMapOvr>
+  <mc:AlternateContent xmlns:mc="http://schemas.openxmlformats.org/markup-compatibility/2006">
+    <mc:Choice xmlns:p14="http://schemas.microsoft.com/office/powerpoint/2010/main" Requires="p14">
+      <p:transition spd="slow" p14:dur="1500">
+        <p:random/>
+      </p:transition>
+    </mc:Choice>
+    <mc:Fallback>
+      <p:transition spd="slow">
+        <p:random/>
       </p:transition>
     </mc:Fallback>
   </mc:AlternateContent>
@@ -7327,6 +13242,18 @@
   <p:clrMapOvr>
     <a:masterClrMapping/>
   </p:clrMapOvr>
+  <mc:AlternateContent xmlns:mc="http://schemas.openxmlformats.org/markup-compatibility/2006">
+    <mc:Choice xmlns:p15="http://schemas.microsoft.com/office/powerpoint/2012/main" Requires="p15">
+      <p:transition spd="slow">
+        <p15:prstTrans prst="wind"/>
+      </p:transition>
+    </mc:Choice>
+    <mc:Fallback>
+      <p:transition spd="slow">
+        <p:fade/>
+      </p:transition>
+    </mc:Fallback>
+  </mc:AlternateContent>
   <p:timing>
     <p:tnLst>
       <p:par>
@@ -7673,6 +13600,18 @@
   <p:clrMapOvr>
     <a:masterClrMapping/>
   </p:clrMapOvr>
+  <mc:AlternateContent xmlns:mc="http://schemas.openxmlformats.org/markup-compatibility/2006">
+    <mc:Choice xmlns:p15="http://schemas.microsoft.com/office/powerpoint/2012/main" Requires="p15">
+      <p:transition spd="slow">
+        <p15:prstTrans prst="fallOver"/>
+      </p:transition>
+    </mc:Choice>
+    <mc:Fallback>
+      <p:transition spd="slow">
+        <p:fade/>
+      </p:transition>
+    </mc:Fallback>
+  </mc:AlternateContent>
   <p:timing>
     <p:tnLst>
       <p:par>
@@ -7920,6 +13859,18 @@
   <p:clrMapOvr>
     <a:masterClrMapping/>
   </p:clrMapOvr>
+  <mc:AlternateContent xmlns:mc="http://schemas.openxmlformats.org/markup-compatibility/2006">
+    <mc:Choice xmlns:p15="http://schemas.microsoft.com/office/powerpoint/2012/main" Requires="p15">
+      <p:transition spd="slow">
+        <p15:prstTrans prst="wind"/>
+      </p:transition>
+    </mc:Choice>
+    <mc:Fallback>
+      <p:transition spd="slow">
+        <p:fade/>
+      </p:transition>
+    </mc:Fallback>
+  </mc:AlternateContent>
   <p:timing>
     <p:tnLst>
       <p:par>
@@ -8290,6 +14241,605 @@
   <p:clrMapOvr>
     <a:masterClrMapping/>
   </p:clrMapOvr>
+  <p:transition spd="slow">
+    <p:cover/>
+  </p:transition>
+  <p:timing>
+    <p:tnLst>
+      <p:par>
+        <p:cTn id="1" dur="indefinite" restart="never" nodeType="tmRoot"/>
+      </p:par>
+    </p:tnLst>
+  </p:timing>
+</p:sld>
+</file>
+
+<file path=ppt/slides/slide8.xml><?xml version="1.0" encoding="utf-8"?>
+<p:sld xmlns:a="http://schemas.openxmlformats.org/drawingml/2006/main" xmlns:r="http://schemas.openxmlformats.org/officeDocument/2006/relationships" xmlns:p="http://schemas.openxmlformats.org/presentationml/2006/main">
+  <p:cSld>
+    <p:spTree>
+      <p:nvGrpSpPr>
+        <p:cNvPr id="1" name=""/>
+        <p:cNvGrpSpPr/>
+        <p:nvPr/>
+      </p:nvGrpSpPr>
+      <p:grpSpPr>
+        <a:xfrm>
+          <a:off x="0" y="0"/>
+          <a:ext cx="0" cy="0"/>
+          <a:chOff x="0" y="0"/>
+          <a:chExt cx="0" cy="0"/>
+        </a:xfrm>
+      </p:grpSpPr>
+      <p:sp>
+        <p:nvSpPr>
+          <p:cNvPr id="8" name="Прямоугольник 7"/>
+          <p:cNvSpPr/>
+          <p:nvPr/>
+        </p:nvSpPr>
+        <p:spPr>
+          <a:xfrm>
+            <a:off x="1609899" y="2294281"/>
+            <a:ext cx="6096000" cy="3139321"/>
+          </a:xfrm>
+          <a:prstGeom prst="rect">
+            <a:avLst/>
+          </a:prstGeom>
+        </p:spPr>
+        <p:txBody>
+          <a:bodyPr>
+            <a:spAutoFit/>
+          </a:bodyPr>
+          <a:lstStyle/>
+          <a:p>
+            <a:r>
+              <a:rPr lang="ru-RU" dirty="0"/>
+              <a:t>Весь сегодняшний день был занят тем, чтобы посредством нечеловеческих усилий выжать откуда-нибудь хоть несколько копеек на лекарство </a:t>
+            </a:r>
+            <a:r>
+              <a:rPr lang="ru-RU" dirty="0" err="1"/>
+              <a:t>Машутке</a:t>
+            </a:r>
+            <a:r>
+              <a:rPr lang="ru-RU" dirty="0"/>
+              <a:t>. С этой целью </a:t>
+            </a:r>
+            <a:r>
+              <a:rPr lang="ru-RU" dirty="0" err="1"/>
+              <a:t>Мерцалов</a:t>
+            </a:r>
+            <a:r>
+              <a:rPr lang="ru-RU" dirty="0"/>
+              <a:t> обегал чуть ли не полгорода, клянча и унижаясь повсюду; Елизавета Ивановна ходила к своей барыне, дети были посланы с письмом к тому барину, домом которого управлял раньше </a:t>
+            </a:r>
+            <a:r>
+              <a:rPr lang="ru-RU" dirty="0" err="1"/>
+              <a:t>Мерцалов</a:t>
+            </a:r>
+            <a:r>
+              <a:rPr lang="ru-RU" dirty="0"/>
+              <a:t>... Но все отговаривались или праздничными хлопотами, или неимением денег... Иные, как, например, швейцар бывшего патрона, просто-напросто гнали просителей с крыльца.</a:t>
+            </a:r>
+            <a:endParaRPr lang="ru-RU" dirty="0">
+              <a:latin typeface="Verdana" panose="020B0604030504040204" pitchFamily="34" charset="0"/>
+              <a:ea typeface="Verdana" panose="020B0604030504040204" pitchFamily="34" charset="0"/>
+            </a:endParaRPr>
+          </a:p>
+        </p:txBody>
+      </p:sp>
+      <p:sp>
+        <p:nvSpPr>
+          <p:cNvPr id="10" name="TextBox 9"/>
+          <p:cNvSpPr txBox="1"/>
+          <p:nvPr/>
+        </p:nvSpPr>
+        <p:spPr>
+          <a:xfrm>
+            <a:off x="1670858" y="1296785"/>
+            <a:ext cx="3017173" cy="369332"/>
+          </a:xfrm>
+          <a:prstGeom prst="rect">
+            <a:avLst/>
+          </a:prstGeom>
+          <a:noFill/>
+        </p:spPr>
+        <p:txBody>
+          <a:bodyPr wrap="none" rtlCol="0">
+            <a:spAutoFit/>
+          </a:bodyPr>
+          <a:lstStyle/>
+          <a:p>
+            <a:r>
+              <a:rPr lang="ru-RU" b="1" i="1" dirty="0" smtClean="0"/>
+              <a:t>Назовите произведение:</a:t>
+            </a:r>
+            <a:endParaRPr lang="ru-RU" b="1" i="1" dirty="0"/>
+          </a:p>
+        </p:txBody>
+      </p:sp>
+      <p:cxnSp>
+        <p:nvCxnSpPr>
+          <p:cNvPr id="12" name="Прямая со стрелкой 11"/>
+          <p:cNvCxnSpPr/>
+          <p:nvPr/>
+        </p:nvCxnSpPr>
+        <p:spPr>
+          <a:xfrm>
+            <a:off x="5145578" y="6251171"/>
+            <a:ext cx="1978429" cy="8313"/>
+          </a:xfrm>
+          <a:prstGeom prst="straightConnector1">
+            <a:avLst/>
+          </a:prstGeom>
+          <a:ln>
+            <a:tailEnd type="triangle"/>
+          </a:ln>
+        </p:spPr>
+        <p:style>
+          <a:lnRef idx="1">
+            <a:schemeClr val="accent1"/>
+          </a:lnRef>
+          <a:fillRef idx="0">
+            <a:schemeClr val="accent1"/>
+          </a:fillRef>
+          <a:effectRef idx="0">
+            <a:schemeClr val="accent1"/>
+          </a:effectRef>
+          <a:fontRef idx="minor">
+            <a:schemeClr val="tx1"/>
+          </a:fontRef>
+        </p:style>
+      </p:cxnSp>
+      <p:sp>
+        <p:nvSpPr>
+          <p:cNvPr id="13" name="TextBox 12"/>
+          <p:cNvSpPr txBox="1"/>
+          <p:nvPr/>
+        </p:nvSpPr>
+        <p:spPr>
+          <a:xfrm>
+            <a:off x="5203767" y="5881839"/>
+            <a:ext cx="1707519" cy="369332"/>
+          </a:xfrm>
+          <a:prstGeom prst="rect">
+            <a:avLst/>
+          </a:prstGeom>
+          <a:noFill/>
+        </p:spPr>
+        <p:txBody>
+          <a:bodyPr wrap="none" rtlCol="0">
+            <a:spAutoFit/>
+          </a:bodyPr>
+          <a:lstStyle/>
+          <a:p>
+            <a:r>
+              <a:rPr lang="ru-RU" dirty="0" smtClean="0"/>
+              <a:t>Узнать ответ…</a:t>
+            </a:r>
+            <a:endParaRPr lang="ru-RU" dirty="0"/>
+          </a:p>
+        </p:txBody>
+      </p:sp>
+    </p:spTree>
+    <p:extLst>
+      <p:ext uri="{BB962C8B-B14F-4D97-AF65-F5344CB8AC3E}">
+        <p14:creationId xmlns:p14="http://schemas.microsoft.com/office/powerpoint/2010/main" val="2269282576"/>
+      </p:ext>
+    </p:extLst>
+  </p:cSld>
+  <p:clrMapOvr>
+    <a:masterClrMapping/>
+  </p:clrMapOvr>
+  <mc:AlternateContent xmlns:mc="http://schemas.openxmlformats.org/markup-compatibility/2006">
+    <mc:Choice xmlns:p15="http://schemas.microsoft.com/office/powerpoint/2012/main" Requires="p15">
+      <p:transition spd="slow">
+        <p15:prstTrans prst="prestige"/>
+      </p:transition>
+    </mc:Choice>
+    <mc:Fallback>
+      <p:transition spd="slow">
+        <p:fade/>
+      </p:transition>
+    </mc:Fallback>
+  </mc:AlternateContent>
+  <p:timing>
+    <p:tnLst>
+      <p:par>
+        <p:cTn id="1" dur="indefinite" restart="never" nodeType="tmRoot"/>
+      </p:par>
+    </p:tnLst>
+  </p:timing>
+</p:sld>
+</file>
+
+<file path=ppt/slides/slide9.xml><?xml version="1.0" encoding="utf-8"?>
+<p:sld xmlns:a="http://schemas.openxmlformats.org/drawingml/2006/main" xmlns:r="http://schemas.openxmlformats.org/officeDocument/2006/relationships" xmlns:p="http://schemas.openxmlformats.org/presentationml/2006/main">
+  <p:cSld>
+    <p:spTree>
+      <p:nvGrpSpPr>
+        <p:cNvPr id="1" name=""/>
+        <p:cNvGrpSpPr/>
+        <p:nvPr/>
+      </p:nvGrpSpPr>
+      <p:grpSpPr>
+        <a:xfrm>
+          <a:off x="0" y="0"/>
+          <a:ext cx="0" cy="0"/>
+          <a:chOff x="0" y="0"/>
+          <a:chExt cx="0" cy="0"/>
+        </a:xfrm>
+      </p:grpSpPr>
+      <p:sp>
+        <p:nvSpPr>
+          <p:cNvPr id="4" name="Прямоугольник 3"/>
+          <p:cNvSpPr/>
+          <p:nvPr/>
+        </p:nvSpPr>
+        <p:spPr>
+          <a:xfrm>
+            <a:off x="516061" y="722899"/>
+            <a:ext cx="6654386" cy="923330"/>
+          </a:xfrm>
+          <a:prstGeom prst="rect">
+            <a:avLst/>
+          </a:prstGeom>
+          <a:noFill/>
+        </p:spPr>
+        <p:txBody>
+          <a:bodyPr wrap="none" lIns="91440" tIns="45720" rIns="91440" bIns="45720">
+            <a:spAutoFit/>
+          </a:bodyPr>
+          <a:lstStyle/>
+          <a:p>
+            <a:pPr algn="ctr"/>
+            <a:r>
+              <a:rPr lang="ru-RU" sz="5400" b="1" cap="none" spc="0" dirty="0" smtClean="0">
+                <a:ln w="9525">
+                  <a:solidFill>
+                    <a:schemeClr val="bg1"/>
+                  </a:solidFill>
+                  <a:prstDash val="solid"/>
+                </a:ln>
+                <a:solidFill>
+                  <a:schemeClr val="tx1"/>
+                </a:solidFill>
+                <a:effectLst>
+                  <a:outerShdw blurRad="12700" dist="38100" dir="2700000" algn="tl" rotWithShape="0">
+                    <a:schemeClr val="bg1">
+                      <a:lumMod val="50000"/>
+                    </a:schemeClr>
+                  </a:outerShdw>
+                </a:effectLst>
+              </a:rPr>
+              <a:t>Правильный ответ:</a:t>
+            </a:r>
+            <a:endParaRPr lang="ru-RU" sz="5400" b="1" cap="none" spc="0" dirty="0">
+              <a:ln w="9525">
+                <a:solidFill>
+                  <a:schemeClr val="bg1"/>
+                </a:solidFill>
+                <a:prstDash val="solid"/>
+              </a:ln>
+              <a:solidFill>
+                <a:schemeClr val="tx1"/>
+              </a:solidFill>
+              <a:effectLst>
+                <a:outerShdw blurRad="12700" dist="38100" dir="2700000" algn="tl" rotWithShape="0">
+                  <a:schemeClr val="bg1">
+                    <a:lumMod val="50000"/>
+                  </a:schemeClr>
+                </a:outerShdw>
+              </a:effectLst>
+            </a:endParaRPr>
+          </a:p>
+        </p:txBody>
+      </p:sp>
+      <p:sp>
+        <p:nvSpPr>
+          <p:cNvPr id="5" name="Прямоугольник 4"/>
+          <p:cNvSpPr/>
+          <p:nvPr/>
+        </p:nvSpPr>
+        <p:spPr>
+          <a:xfrm>
+            <a:off x="1043701" y="2435321"/>
+            <a:ext cx="6463629" cy="2585323"/>
+          </a:xfrm>
+          <a:prstGeom prst="rect">
+            <a:avLst/>
+          </a:prstGeom>
+          <a:noFill/>
+        </p:spPr>
+        <p:txBody>
+          <a:bodyPr wrap="none" lIns="91440" tIns="45720" rIns="91440" bIns="45720">
+            <a:spAutoFit/>
+          </a:bodyPr>
+          <a:lstStyle/>
+          <a:p>
+            <a:pPr algn="ctr"/>
+            <a:r>
+              <a:rPr lang="ru-RU" sz="5400" dirty="0" smtClean="0">
+                <a:ln w="0"/>
+                <a:gradFill>
+                  <a:gsLst>
+                    <a:gs pos="0">
+                      <a:schemeClr val="accent5">
+                        <a:lumMod val="50000"/>
+                      </a:schemeClr>
+                    </a:gs>
+                    <a:gs pos="50000">
+                      <a:schemeClr val="accent5"/>
+                    </a:gs>
+                    <a:gs pos="100000">
+                      <a:schemeClr val="accent5">
+                        <a:lumMod val="60000"/>
+                        <a:lumOff val="40000"/>
+                      </a:schemeClr>
+                    </a:gs>
+                  </a:gsLst>
+                  <a:lin ang="5400000"/>
+                </a:gradFill>
+                <a:effectLst>
+                  <a:reflection blurRad="6350" stA="53000" endA="300" endPos="35500" dir="5400000" sy="-90000" algn="bl" rotWithShape="0"/>
+                </a:effectLst>
+              </a:rPr>
+              <a:t>Куприн</a:t>
+            </a:r>
+            <a:endParaRPr lang="ru-RU" sz="5400" dirty="0" smtClean="0">
+              <a:ln w="0"/>
+              <a:gradFill>
+                <a:gsLst>
+                  <a:gs pos="0">
+                    <a:schemeClr val="accent5">
+                      <a:lumMod val="50000"/>
+                    </a:schemeClr>
+                  </a:gs>
+                  <a:gs pos="50000">
+                    <a:schemeClr val="accent5"/>
+                  </a:gs>
+                  <a:gs pos="100000">
+                    <a:schemeClr val="accent5">
+                      <a:lumMod val="60000"/>
+                      <a:lumOff val="40000"/>
+                    </a:schemeClr>
+                  </a:gs>
+                </a:gsLst>
+                <a:lin ang="5400000"/>
+              </a:gradFill>
+              <a:effectLst>
+                <a:reflection blurRad="6350" stA="53000" endA="300" endPos="35500" dir="5400000" sy="-90000" algn="bl" rotWithShape="0"/>
+              </a:effectLst>
+            </a:endParaRPr>
+          </a:p>
+          <a:p>
+            <a:pPr algn="ctr"/>
+            <a:r>
+              <a:rPr lang="en-US" sz="5400" dirty="0" smtClean="0">
+                <a:ln w="0"/>
+                <a:gradFill>
+                  <a:gsLst>
+                    <a:gs pos="0">
+                      <a:schemeClr val="accent5">
+                        <a:lumMod val="50000"/>
+                      </a:schemeClr>
+                    </a:gs>
+                    <a:gs pos="50000">
+                      <a:schemeClr val="accent5"/>
+                    </a:gs>
+                    <a:gs pos="100000">
+                      <a:schemeClr val="accent5">
+                        <a:lumMod val="60000"/>
+                        <a:lumOff val="40000"/>
+                      </a:schemeClr>
+                    </a:gs>
+                  </a:gsLst>
+                  <a:lin ang="5400000"/>
+                </a:gradFill>
+                <a:effectLst>
+                  <a:reflection blurRad="6350" stA="53000" endA="300" endPos="35500" dir="5400000" sy="-90000" algn="bl" rotWithShape="0"/>
+                </a:effectLst>
+              </a:rPr>
+              <a:t>“</a:t>
+            </a:r>
+            <a:r>
+              <a:rPr lang="ru-RU" sz="5400" dirty="0" smtClean="0">
+                <a:ln w="0"/>
+                <a:gradFill>
+                  <a:gsLst>
+                    <a:gs pos="0">
+                      <a:schemeClr val="accent5">
+                        <a:lumMod val="50000"/>
+                      </a:schemeClr>
+                    </a:gs>
+                    <a:gs pos="50000">
+                      <a:schemeClr val="accent5"/>
+                    </a:gs>
+                    <a:gs pos="100000">
+                      <a:schemeClr val="accent5">
+                        <a:lumMod val="60000"/>
+                        <a:lumOff val="40000"/>
+                      </a:schemeClr>
+                    </a:gs>
+                  </a:gsLst>
+                  <a:lin ang="5400000"/>
+                </a:gradFill>
+                <a:effectLst>
+                  <a:reflection blurRad="6350" stA="53000" endA="300" endPos="35500" dir="5400000" sy="-90000" algn="bl" rotWithShape="0"/>
+                </a:effectLst>
+              </a:rPr>
+              <a:t>Чудесный доктор</a:t>
+            </a:r>
+            <a:r>
+              <a:rPr lang="en-US" sz="5400" dirty="0" smtClean="0">
+                <a:ln w="0"/>
+                <a:gradFill>
+                  <a:gsLst>
+                    <a:gs pos="0">
+                      <a:schemeClr val="accent5">
+                        <a:lumMod val="50000"/>
+                      </a:schemeClr>
+                    </a:gs>
+                    <a:gs pos="50000">
+                      <a:schemeClr val="accent5"/>
+                    </a:gs>
+                    <a:gs pos="100000">
+                      <a:schemeClr val="accent5">
+                        <a:lumMod val="60000"/>
+                        <a:lumOff val="40000"/>
+                      </a:schemeClr>
+                    </a:gs>
+                  </a:gsLst>
+                  <a:lin ang="5400000"/>
+                </a:gradFill>
+                <a:effectLst>
+                  <a:reflection blurRad="6350" stA="53000" endA="300" endPos="35500" dir="5400000" sy="-90000" algn="bl" rotWithShape="0"/>
+                </a:effectLst>
+              </a:rPr>
+              <a:t>”</a:t>
+            </a:r>
+            <a:endParaRPr lang="ru-RU" sz="5400" dirty="0" smtClean="0">
+              <a:ln w="0"/>
+              <a:gradFill>
+                <a:gsLst>
+                  <a:gs pos="0">
+                    <a:schemeClr val="accent5">
+                      <a:lumMod val="50000"/>
+                    </a:schemeClr>
+                  </a:gs>
+                  <a:gs pos="50000">
+                    <a:schemeClr val="accent5"/>
+                  </a:gs>
+                  <a:gs pos="100000">
+                    <a:schemeClr val="accent5">
+                      <a:lumMod val="60000"/>
+                      <a:lumOff val="40000"/>
+                    </a:schemeClr>
+                  </a:gs>
+                </a:gsLst>
+                <a:lin ang="5400000"/>
+              </a:gradFill>
+              <a:effectLst>
+                <a:reflection blurRad="6350" stA="53000" endA="300" endPos="35500" dir="5400000" sy="-90000" algn="bl" rotWithShape="0"/>
+              </a:effectLst>
+            </a:endParaRPr>
+          </a:p>
+          <a:p>
+            <a:pPr algn="ctr"/>
+            <a:r>
+              <a:rPr lang="ru-RU" sz="5400" dirty="0" smtClean="0">
+                <a:ln w="0"/>
+                <a:gradFill>
+                  <a:gsLst>
+                    <a:gs pos="0">
+                      <a:schemeClr val="accent5">
+                        <a:lumMod val="50000"/>
+                      </a:schemeClr>
+                    </a:gs>
+                    <a:gs pos="50000">
+                      <a:schemeClr val="accent5"/>
+                    </a:gs>
+                    <a:gs pos="100000">
+                      <a:schemeClr val="accent5">
+                        <a:lumMod val="60000"/>
+                        <a:lumOff val="40000"/>
+                      </a:schemeClr>
+                    </a:gs>
+                  </a:gsLst>
+                  <a:lin ang="5400000"/>
+                </a:gradFill>
+                <a:effectLst>
+                  <a:reflection blurRad="6350" stA="53000" endA="300" endPos="35500" dir="5400000" sy="-90000" algn="bl" rotWithShape="0"/>
+                </a:effectLst>
+              </a:rPr>
+              <a:t> </a:t>
+            </a:r>
+            <a:endParaRPr lang="ru-RU" sz="5400" b="0" cap="none" spc="0" dirty="0">
+              <a:ln w="0"/>
+              <a:gradFill>
+                <a:gsLst>
+                  <a:gs pos="0">
+                    <a:schemeClr val="accent5">
+                      <a:lumMod val="50000"/>
+                    </a:schemeClr>
+                  </a:gs>
+                  <a:gs pos="50000">
+                    <a:schemeClr val="accent5"/>
+                  </a:gs>
+                  <a:gs pos="100000">
+                    <a:schemeClr val="accent5">
+                      <a:lumMod val="60000"/>
+                      <a:lumOff val="40000"/>
+                    </a:schemeClr>
+                  </a:gs>
+                </a:gsLst>
+                <a:lin ang="5400000"/>
+              </a:gradFill>
+              <a:effectLst>
+                <a:reflection blurRad="6350" stA="53000" endA="300" endPos="35500" dir="5400000" sy="-90000" algn="bl" rotWithShape="0"/>
+              </a:effectLst>
+            </a:endParaRPr>
+          </a:p>
+        </p:txBody>
+      </p:sp>
+      <p:sp>
+        <p:nvSpPr>
+          <p:cNvPr id="6" name="Овал 5">
+            <a:hlinkClick r:id="rId2" action="ppaction://hlinksldjump"/>
+          </p:cNvPr>
+          <p:cNvSpPr/>
+          <p:nvPr/>
+        </p:nvSpPr>
+        <p:spPr>
+          <a:xfrm>
+            <a:off x="4954385" y="5320145"/>
+            <a:ext cx="3117273" cy="781397"/>
+          </a:xfrm>
+          <a:prstGeom prst="ellipse">
+            <a:avLst/>
+          </a:prstGeom>
+        </p:spPr>
+        <p:style>
+          <a:lnRef idx="2">
+            <a:schemeClr val="accent1">
+              <a:shade val="50000"/>
+            </a:schemeClr>
+          </a:lnRef>
+          <a:fillRef idx="1">
+            <a:schemeClr val="accent1"/>
+          </a:fillRef>
+          <a:effectRef idx="0">
+            <a:schemeClr val="accent1"/>
+          </a:effectRef>
+          <a:fontRef idx="minor">
+            <a:schemeClr val="lt1"/>
+          </a:fontRef>
+        </p:style>
+        <p:txBody>
+          <a:bodyPr rtlCol="0" anchor="ctr"/>
+          <a:lstStyle/>
+          <a:p>
+            <a:pPr algn="ctr"/>
+            <a:r>
+              <a:rPr lang="ru-RU" sz="3600" dirty="0" smtClean="0"/>
+              <a:t>Назад</a:t>
+            </a:r>
+            <a:endParaRPr lang="ru-RU" sz="3600" dirty="0"/>
+          </a:p>
+        </p:txBody>
+      </p:sp>
+    </p:spTree>
+    <p:extLst>
+      <p:ext uri="{BB962C8B-B14F-4D97-AF65-F5344CB8AC3E}">
+        <p14:creationId xmlns:p14="http://schemas.microsoft.com/office/powerpoint/2010/main" val="1410875043"/>
+      </p:ext>
+    </p:extLst>
+  </p:cSld>
+  <p:clrMapOvr>
+    <a:masterClrMapping/>
+  </p:clrMapOvr>
+  <p:transition spd="slow">
+    <p:push dir="u"/>
+  </p:transition>
   <p:timing>
     <p:tnLst>
       <p:par>
